--- a/source/ArchitectureInDetail/images_DoubleSubmitProtection/materialDoubleSubmitProtection.pptx
+++ b/source/ArchitectureInDetail/images_DoubleSubmitProtection/materialDoubleSubmitProtection.pptx
@@ -5,7 +5,7 @@
     <p:sldMasterId id="2147483648" r:id="rId1"/>
   </p:sldMasterIdLst>
   <p:notesMasterIdLst>
-    <p:notesMasterId r:id="rId23"/>
+    <p:notesMasterId r:id="rId25"/>
   </p:notesMasterIdLst>
   <p:sldIdLst>
     <p:sldId id="288" r:id="rId2"/>
@@ -29,6 +29,8 @@
     <p:sldId id="314" r:id="rId20"/>
     <p:sldId id="301" r:id="rId21"/>
     <p:sldId id="299" r:id="rId22"/>
+    <p:sldId id="324" r:id="rId23"/>
+    <p:sldId id="325" r:id="rId24"/>
   </p:sldIdLst>
   <p:sldSz cx="9144000" cy="6858000" type="screen4x3"/>
   <p:notesSz cx="6858000" cy="9144000"/>
@@ -127,6 +129,22 @@
       </a:defRPr>
     </a:lvl9pPr>
   </p:defaultTextStyle>
+  <p:extLst>
+    <p:ext uri="{EFAFB233-063F-42B5-8137-9DF3F51BA10A}">
+      <p15:sldGuideLst xmlns:p15="http://schemas.microsoft.com/office/powerpoint/2012/main">
+        <p15:guide id="1" orient="horz" pos="2160">
+          <p15:clr>
+            <a:srgbClr val="A4A3A4"/>
+          </p15:clr>
+        </p15:guide>
+        <p15:guide id="2" pos="2880">
+          <p15:clr>
+            <a:srgbClr val="A4A3A4"/>
+          </p15:clr>
+        </p15:guide>
+      </p15:sldGuideLst>
+    </p:ext>
+  </p:extLst>
 </p:presentation>
 </file>
 
@@ -213,7 +231,7 @@
             <a:fld id="{3BB47352-BF5A-4CD2-B029-996118CD8E01}" type="datetimeFigureOut">
               <a:rPr kumimoji="1" lang="ja-JP" altLang="en-US" smtClean="0"/>
               <a:pPr/>
-              <a:t>2013/12/17</a:t>
+              <a:t>2016/8/17</a:t>
             </a:fld>
             <a:endParaRPr kumimoji="1" lang="ja-JP" altLang="en-US" dirty="0"/>
           </a:p>
@@ -589,6 +607,11 @@
         </p:txBody>
       </p:sp>
     </p:spTree>
+    <p:extLst>
+      <p:ext uri="{BB962C8B-B14F-4D97-AF65-F5344CB8AC3E}">
+        <p14:creationId xmlns:p14="http://schemas.microsoft.com/office/powerpoint/2010/main" val="606146780"/>
+      </p:ext>
+    </p:extLst>
   </p:cSld>
   <p:clrMapOvr>
     <a:masterClrMapping/>
@@ -778,7 +801,7 @@
             <a:fld id="{7B9B12EC-6AA0-374B-A2D3-850081A07A26}" type="datetimeFigureOut">
               <a:rPr kumimoji="1" lang="ja-JP" altLang="en-US" smtClean="0"/>
               <a:pPr/>
-              <a:t>2013/12/17</a:t>
+              <a:t>2016/8/17</a:t>
             </a:fld>
             <a:endParaRPr kumimoji="1" lang="ja-JP" altLang="en-US" dirty="0"/>
           </a:p>
@@ -982,7 +1005,7 @@
             <a:fld id="{7B9B12EC-6AA0-374B-A2D3-850081A07A26}" type="datetimeFigureOut">
               <a:rPr kumimoji="1" lang="ja-JP" altLang="en-US" smtClean="0"/>
               <a:pPr/>
-              <a:t>2013/12/17</a:t>
+              <a:t>2016/8/17</a:t>
             </a:fld>
             <a:endParaRPr kumimoji="1" lang="ja-JP" altLang="en-US" dirty="0"/>
           </a:p>
@@ -1196,7 +1219,7 @@
             <a:fld id="{7B9B12EC-6AA0-374B-A2D3-850081A07A26}" type="datetimeFigureOut">
               <a:rPr kumimoji="1" lang="ja-JP" altLang="en-US" smtClean="0"/>
               <a:pPr/>
-              <a:t>2013/12/17</a:t>
+              <a:t>2016/8/17</a:t>
             </a:fld>
             <a:endParaRPr kumimoji="1" lang="ja-JP" altLang="en-US" dirty="0"/>
           </a:p>
@@ -1400,7 +1423,7 @@
             <a:fld id="{7B9B12EC-6AA0-374B-A2D3-850081A07A26}" type="datetimeFigureOut">
               <a:rPr kumimoji="1" lang="ja-JP" altLang="en-US" smtClean="0"/>
               <a:pPr/>
-              <a:t>2013/12/17</a:t>
+              <a:t>2016/8/17</a:t>
             </a:fld>
             <a:endParaRPr kumimoji="1" lang="ja-JP" altLang="en-US" dirty="0"/>
           </a:p>
@@ -1648,7 +1671,7 @@
             <a:fld id="{7B9B12EC-6AA0-374B-A2D3-850081A07A26}" type="datetimeFigureOut">
               <a:rPr kumimoji="1" lang="ja-JP" altLang="en-US" smtClean="0"/>
               <a:pPr/>
-              <a:t>2013/12/17</a:t>
+              <a:t>2016/8/17</a:t>
             </a:fld>
             <a:endParaRPr kumimoji="1" lang="ja-JP" altLang="en-US" dirty="0"/>
           </a:p>
@@ -2002,7 +2025,7 @@
             <a:fld id="{7B9B12EC-6AA0-374B-A2D3-850081A07A26}" type="datetimeFigureOut">
               <a:rPr kumimoji="1" lang="ja-JP" altLang="en-US" smtClean="0"/>
               <a:pPr/>
-              <a:t>2013/12/17</a:t>
+              <a:t>2016/8/17</a:t>
             </a:fld>
             <a:endParaRPr kumimoji="1" lang="ja-JP" altLang="en-US" dirty="0"/>
           </a:p>
@@ -2490,7 +2513,7 @@
             <a:fld id="{7B9B12EC-6AA0-374B-A2D3-850081A07A26}" type="datetimeFigureOut">
               <a:rPr kumimoji="1" lang="ja-JP" altLang="en-US" smtClean="0"/>
               <a:pPr/>
-              <a:t>2013/12/17</a:t>
+              <a:t>2016/8/17</a:t>
             </a:fld>
             <a:endParaRPr kumimoji="1" lang="ja-JP" altLang="en-US" dirty="0"/>
           </a:p>
@@ -2610,7 +2633,7 @@
             <a:fld id="{7B9B12EC-6AA0-374B-A2D3-850081A07A26}" type="datetimeFigureOut">
               <a:rPr kumimoji="1" lang="ja-JP" altLang="en-US" smtClean="0"/>
               <a:pPr/>
-              <a:t>2013/12/17</a:t>
+              <a:t>2016/8/17</a:t>
             </a:fld>
             <a:endParaRPr kumimoji="1" lang="ja-JP" altLang="en-US" dirty="0"/>
           </a:p>
@@ -2707,7 +2730,7 @@
             <a:fld id="{7B9B12EC-6AA0-374B-A2D3-850081A07A26}" type="datetimeFigureOut">
               <a:rPr kumimoji="1" lang="ja-JP" altLang="en-US" smtClean="0"/>
               <a:pPr/>
-              <a:t>2013/12/17</a:t>
+              <a:t>2016/8/17</a:t>
             </a:fld>
             <a:endParaRPr kumimoji="1" lang="ja-JP" altLang="en-US" dirty="0"/>
           </a:p>
@@ -3018,7 +3041,7 @@
             <a:fld id="{7B9B12EC-6AA0-374B-A2D3-850081A07A26}" type="datetimeFigureOut">
               <a:rPr kumimoji="1" lang="ja-JP" altLang="en-US" smtClean="0"/>
               <a:pPr/>
-              <a:t>2013/12/17</a:t>
+              <a:t>2016/8/17</a:t>
             </a:fld>
             <a:endParaRPr kumimoji="1" lang="ja-JP" altLang="en-US" dirty="0"/>
           </a:p>
@@ -3273,7 +3296,7 @@
             <a:fld id="{7B9B12EC-6AA0-374B-A2D3-850081A07A26}" type="datetimeFigureOut">
               <a:rPr kumimoji="1" lang="ja-JP" altLang="en-US" smtClean="0"/>
               <a:pPr/>
-              <a:t>2013/12/17</a:t>
+              <a:t>2016/8/17</a:t>
             </a:fld>
             <a:endParaRPr kumimoji="1" lang="ja-JP" altLang="en-US" dirty="0"/>
           </a:p>
@@ -3520,7 +3543,7 @@
             <a:fld id="{7B9B12EC-6AA0-374B-A2D3-850081A07A26}" type="datetimeFigureOut">
               <a:rPr kumimoji="1" lang="ja-JP" altLang="en-US" smtClean="0"/>
               <a:pPr/>
-              <a:t>2013/12/17</a:t>
+              <a:t>2016/8/17</a:t>
             </a:fld>
             <a:endParaRPr kumimoji="1" lang="ja-JP" altLang="en-US" dirty="0"/>
           </a:p>
@@ -23536,73 +23559,17 @@
                   <a:schemeClr val="tx1"/>
                 </a:solidFill>
               </a:rPr>
-              <a:t>  &lt;input type="submit" name</a:t>
-            </a:r>
+              <a:t>  &lt;input type="submit" name=“fifth" value="fifth" /&gt;</a:t>
+            </a:r>
+          </a:p>
+          <a:p>
             <a:r>
               <a:rPr lang="en-US" altLang="ja-JP" sz="1000" dirty="0" smtClean="0">
                 <a:solidFill>
                   <a:schemeClr val="tx1"/>
                 </a:solidFill>
               </a:rPr>
-              <a:t>=“fifth" </a:t>
-            </a:r>
-            <a:r>
-              <a:rPr lang="en-US" altLang="ja-JP" sz="1000" dirty="0" smtClean="0">
-                <a:solidFill>
-                  <a:schemeClr val="tx1"/>
-                </a:solidFill>
-              </a:rPr>
-              <a:t>value</a:t>
-            </a:r>
-            <a:r>
-              <a:rPr lang="en-US" altLang="ja-JP" sz="1000" dirty="0" smtClean="0">
-                <a:solidFill>
-                  <a:schemeClr val="tx1"/>
-                </a:solidFill>
-              </a:rPr>
-              <a:t>="fifth" </a:t>
-            </a:r>
-            <a:r>
-              <a:rPr lang="en-US" altLang="ja-JP" sz="1000" dirty="0" smtClean="0">
-                <a:solidFill>
-                  <a:schemeClr val="tx1"/>
-                </a:solidFill>
-              </a:rPr>
-              <a:t>/&gt;</a:t>
-            </a:r>
-          </a:p>
-          <a:p>
-            <a:r>
-              <a:rPr lang="en-US" altLang="ja-JP" sz="1000" dirty="0" smtClean="0">
-                <a:solidFill>
-                  <a:schemeClr val="tx1"/>
-                </a:solidFill>
-              </a:rPr>
-              <a:t>  &lt;input type="hidden" name="_TRANSACTION_TOKEN" value="</a:t>
-            </a:r>
-            <a:r>
-              <a:rPr lang="en-US" altLang="ja-JP" sz="1000" dirty="0" smtClean="0">
-                <a:solidFill>
-                  <a:schemeClr val="tx1"/>
-                </a:solidFill>
-              </a:rPr>
-              <a:t>transactionTokenCheckExample~c0123252d531d7baf730cd49fe0422ef</a:t>
-            </a:r>
-            <a:r>
-              <a:rPr lang="en-US" altLang="ja-JP" sz="1000" dirty="0" smtClean="0">
-                <a:solidFill>
-                  <a:schemeClr val="tx1"/>
-                </a:solidFill>
-              </a:rPr>
-              <a:t>~bd5a2d88ec446b27c06f6d4f486d4428" </a:t>
-            </a:r>
-            <a:r>
-              <a:rPr lang="en-US" altLang="ja-JP" sz="1000" dirty="0" smtClean="0">
-                <a:solidFill>
-                  <a:schemeClr val="tx1"/>
-                </a:solidFill>
-              </a:rPr>
-              <a:t>/&gt;</a:t>
+              <a:t>  &lt;input type="hidden" name="_TRANSACTION_TOKEN" value="transactionTokenCheckExample~c0123252d531d7baf730cd49fe0422ef~bd5a2d88ec446b27c06f6d4f486d4428" /&gt;</a:t>
             </a:r>
           </a:p>
           <a:p>
@@ -24679,21 +24646,18 @@
                   <a:schemeClr val="tx1"/>
                 </a:solidFill>
               </a:rPr>
-              <a:t> &lt;form id="command" action="transactionTokenCheckExample" method</a:t>
-            </a:r>
+              <a:t> &lt;form id="command" action="transactionTokenCheckExample" method=“post"&gt;</a:t>
+            </a:r>
+          </a:p>
+          <a:p>
             <a:r>
               <a:rPr lang="en-US" altLang="ja-JP" sz="1000" dirty="0" smtClean="0">
                 <a:solidFill>
                   <a:schemeClr val="tx1"/>
                 </a:solidFill>
               </a:rPr>
-              <a:t>=“post"&gt;</a:t>
-            </a:r>
-            <a:endParaRPr lang="en-US" altLang="ja-JP" sz="1000" dirty="0" smtClean="0">
-              <a:solidFill>
-                <a:schemeClr val="tx1"/>
-              </a:solidFill>
-            </a:endParaRPr>
+              <a:t>    &lt;input type="submit" name="second" value="second" /&gt;</a:t>
+            </a:r>
           </a:p>
           <a:p>
             <a:r>
@@ -24702,33 +24666,7 @@
                   <a:schemeClr val="tx1"/>
                 </a:solidFill>
               </a:rPr>
-              <a:t>    &lt;input type="submit" name="second" value="second" /&gt;</a:t>
-            </a:r>
-          </a:p>
-          <a:p>
-            <a:r>
-              <a:rPr lang="en-US" altLang="ja-JP" sz="1000" dirty="0" smtClean="0">
-                <a:solidFill>
-                  <a:schemeClr val="tx1"/>
-                </a:solidFill>
-              </a:rPr>
-              <a:t>    &lt;input type="hidden" name="_csrf" value</a:t>
-            </a:r>
-            <a:r>
-              <a:rPr lang="en-US" altLang="ja-JP" sz="1000" dirty="0" smtClean="0">
-                <a:solidFill>
-                  <a:schemeClr val="tx1"/>
-                </a:solidFill>
-              </a:rPr>
-              <a:t>="c06f6d4f-486d-4428-bd5a-2d88ec446b27" </a:t>
-            </a:r>
-            <a:r>
-              <a:rPr lang="en-US" altLang="ja-JP" sz="1000" dirty="0" smtClean="0">
-                <a:solidFill>
-                  <a:schemeClr val="tx1"/>
-                </a:solidFill>
-              </a:rPr>
-              <a:t>/&gt;</a:t>
+              <a:t>    &lt;input type="hidden" name="_csrf" value="c06f6d4f-486d-4428-bd5a-2d88ec446b27" /&gt;</a:t>
             </a:r>
           </a:p>
           <a:p>
@@ -28179,11 +28117,7 @@
             </a:r>
             <a:r>
               <a:rPr lang="en-US" altLang="ja-JP" sz="1400" dirty="0" smtClean="0"/>
-              <a:t>    </a:t>
-            </a:r>
-            <a:r>
-              <a:rPr lang="en-US" altLang="ja-JP" sz="1400" dirty="0" smtClean="0"/>
-              <a:t>value= </a:t>
+              <a:t>    value= </a:t>
             </a:r>
             <a:r>
               <a:rPr lang="en-US" altLang="ja-JP" sz="1400" b="1" dirty="0" smtClean="0"/>
@@ -28211,11 +28145,7 @@
           <a:p>
             <a:r>
               <a:rPr lang="en-US" altLang="ja-JP" sz="1400" dirty="0" smtClean="0"/>
-              <a:t>     type </a:t>
-            </a:r>
-            <a:r>
-              <a:rPr lang="en-US" altLang="ja-JP" sz="1400" dirty="0" smtClean="0"/>
-              <a:t>=</a:t>
+              <a:t>     type =</a:t>
             </a:r>
             <a:r>
               <a:rPr lang="en-US" altLang="ja-JP" sz="1400" dirty="0" err="1" smtClean="0"/>
@@ -31153,37 +31083,8 @@
                   <a:schemeClr val="tx1"/>
                 </a:solidFill>
               </a:rPr>
-              <a:t>&lt;form id="command" action="globalTokenCheckExample" method</a:t>
-            </a:r>
-            <a:r>
-              <a:rPr lang="en-US" altLang="ja-JP" sz="1000" dirty="0" smtClean="0">
-                <a:solidFill>
-                  <a:schemeClr val="tx1"/>
-                </a:solidFill>
-              </a:rPr>
-              <a:t>="</a:t>
-            </a:r>
-            <a:r>
-              <a:rPr lang="en-US" altLang="ja-JP" sz="1000" dirty="0" smtClean="0">
-                <a:solidFill>
-                  <a:schemeClr val="tx1"/>
-                </a:solidFill>
-              </a:rPr>
-              <a:t>post</a:t>
-            </a:r>
-            <a:r>
-              <a:rPr lang="en-US" altLang="ja-JP" sz="1000" dirty="0" smtClean="0">
-                <a:solidFill>
-                  <a:schemeClr val="tx1"/>
-                </a:solidFill>
-              </a:rPr>
-              <a:t>"&gt;</a:t>
-            </a:r>
-            <a:endParaRPr lang="en-US" altLang="ja-JP" sz="1000" dirty="0" smtClean="0">
-              <a:solidFill>
-                <a:schemeClr val="tx1"/>
-              </a:solidFill>
-            </a:endParaRPr>
+              <a:t>&lt;form id="command" action="globalTokenCheckExample" method="post"&gt;</a:t>
+            </a:r>
           </a:p>
           <a:p>
             <a:r>
@@ -31656,15 +31557,7 @@
                   <a:schemeClr val="tx1"/>
                 </a:solidFill>
               </a:rPr>
-              <a:t>  &lt;</a:t>
-            </a:r>
-            <a:r>
-              <a:rPr lang="en-US" altLang="ja-JP" sz="1000" dirty="0" smtClean="0">
-                <a:solidFill>
-                  <a:schemeClr val="tx1"/>
-                </a:solidFill>
-              </a:rPr>
-              <a:t>input type="hidden" name="_csrf" value="ce0c7b44-0610-451b-83d4-adcd5c8fc0e4" /&gt;</a:t>
+              <a:t>  &lt;input type="hidden" name="_csrf" value="ce0c7b44-0610-451b-83d4-adcd5c8fc0e4" /&gt;</a:t>
             </a:r>
           </a:p>
           <a:p>
@@ -36970,6 +36863,5324 @@
         </p:spPr>
       </p:pic>
     </p:spTree>
+  </p:cSld>
+  <p:clrMapOvr>
+    <a:masterClrMapping/>
+  </p:clrMapOvr>
+  <p:timing>
+    <p:tnLst>
+      <p:par>
+        <p:cTn id="1" dur="indefinite" restart="never" nodeType="tmRoot"/>
+      </p:par>
+    </p:tnLst>
+  </p:timing>
+</p:sld>
+</file>
+
+<file path=ppt/slides/slide22.xml><?xml version="1.0" encoding="utf-8"?>
+<p:sld xmlns:a="http://schemas.openxmlformats.org/drawingml/2006/main" xmlns:r="http://schemas.openxmlformats.org/officeDocument/2006/relationships" xmlns:p="http://schemas.openxmlformats.org/presentationml/2006/main">
+  <p:cSld>
+    <p:spTree>
+      <p:nvGrpSpPr>
+        <p:cNvPr id="1" name=""/>
+        <p:cNvGrpSpPr/>
+        <p:nvPr/>
+      </p:nvGrpSpPr>
+      <p:grpSpPr>
+        <a:xfrm>
+          <a:off x="0" y="0"/>
+          <a:ext cx="0" cy="0"/>
+          <a:chOff x="0" y="0"/>
+          <a:chExt cx="0" cy="0"/>
+        </a:xfrm>
+      </p:grpSpPr>
+      <p:pic>
+        <p:nvPicPr>
+          <p:cNvPr id="4" name="Picture 6" descr="http://designleaves.y-com.info/images/material/f_icon/prettyxbrowser_p24_bl_nl_l.png"/>
+          <p:cNvPicPr>
+            <a:picLocks noChangeAspect="1" noChangeArrowheads="1"/>
+          </p:cNvPicPr>
+          <p:nvPr/>
+        </p:nvPicPr>
+        <p:blipFill>
+          <a:blip r:embed="rId2"/>
+          <a:srcRect/>
+          <a:stretch>
+            <a:fillRect/>
+          </a:stretch>
+        </p:blipFill>
+        <p:spPr bwMode="auto">
+          <a:xfrm>
+            <a:off x="397848" y="2564789"/>
+            <a:ext cx="1717300" cy="1962181"/>
+          </a:xfrm>
+          <a:prstGeom prst="rect">
+            <a:avLst/>
+          </a:prstGeom>
+          <a:noFill/>
+        </p:spPr>
+      </p:pic>
+      <p:pic>
+        <p:nvPicPr>
+          <p:cNvPr id="5" name="Picture 6" descr="http://designleaves.y-com.info/images/material/f_icon/prettyxbrowser_p24_bl_nl_l.png"/>
+          <p:cNvPicPr>
+            <a:picLocks noChangeAspect="1" noChangeArrowheads="1"/>
+          </p:cNvPicPr>
+          <p:nvPr/>
+        </p:nvPicPr>
+        <p:blipFill>
+          <a:blip r:embed="rId2"/>
+          <a:srcRect/>
+          <a:stretch>
+            <a:fillRect/>
+          </a:stretch>
+        </p:blipFill>
+        <p:spPr bwMode="auto">
+          <a:xfrm>
+            <a:off x="2535285" y="2564789"/>
+            <a:ext cx="1717300" cy="1969811"/>
+          </a:xfrm>
+          <a:prstGeom prst="rect">
+            <a:avLst/>
+          </a:prstGeom>
+          <a:noFill/>
+        </p:spPr>
+      </p:pic>
+      <p:sp>
+        <p:nvSpPr>
+          <p:cNvPr id="9" name="正方形/長方形 8"/>
+          <p:cNvSpPr/>
+          <p:nvPr/>
+        </p:nvSpPr>
+        <p:spPr>
+          <a:xfrm>
+            <a:off x="2754857" y="3360431"/>
+            <a:ext cx="1319457" cy="622818"/>
+          </a:xfrm>
+          <a:prstGeom prst="rect">
+            <a:avLst/>
+          </a:prstGeom>
+          <a:noFill/>
+          <a:ln>
+            <a:noFill/>
+          </a:ln>
+        </p:spPr>
+        <p:style>
+          <a:lnRef idx="2">
+            <a:schemeClr val="accent1">
+              <a:shade val="50000"/>
+            </a:schemeClr>
+          </a:lnRef>
+          <a:fillRef idx="1">
+            <a:schemeClr val="accent1"/>
+          </a:fillRef>
+          <a:effectRef idx="0">
+            <a:schemeClr val="accent1"/>
+          </a:effectRef>
+          <a:fontRef idx="minor">
+            <a:schemeClr val="lt1"/>
+          </a:fontRef>
+        </p:style>
+        <p:txBody>
+          <a:bodyPr rtlCol="0" anchor="t"/>
+          <a:lstStyle/>
+          <a:p>
+            <a:pPr algn="ctr"/>
+            <a:r>
+              <a:rPr lang="en-US" altLang="ja-JP" sz="1400" dirty="0" smtClean="0">
+                <a:solidFill>
+                  <a:schemeClr val="tx1"/>
+                </a:solidFill>
+              </a:rPr>
+              <a:t>hidden "token001"</a:t>
+            </a:r>
+          </a:p>
+        </p:txBody>
+      </p:sp>
+      <p:sp>
+        <p:nvSpPr>
+          <p:cNvPr id="43" name="正方形/長方形 42"/>
+          <p:cNvSpPr/>
+          <p:nvPr/>
+        </p:nvSpPr>
+        <p:spPr>
+          <a:xfrm>
+            <a:off x="397848" y="2708746"/>
+            <a:ext cx="997892" cy="369776"/>
+          </a:xfrm>
+          <a:prstGeom prst="rect">
+            <a:avLst/>
+          </a:prstGeom>
+          <a:noFill/>
+          <a:ln>
+            <a:noFill/>
+          </a:ln>
+        </p:spPr>
+        <p:style>
+          <a:lnRef idx="2">
+            <a:schemeClr val="accent1">
+              <a:shade val="50000"/>
+            </a:schemeClr>
+          </a:lnRef>
+          <a:fillRef idx="1">
+            <a:schemeClr val="accent1"/>
+          </a:fillRef>
+          <a:effectRef idx="0">
+            <a:schemeClr val="accent1"/>
+          </a:effectRef>
+          <a:fontRef idx="minor">
+            <a:schemeClr val="lt1"/>
+          </a:fontRef>
+        </p:style>
+        <p:txBody>
+          <a:bodyPr rtlCol="0" anchor="t"/>
+          <a:lstStyle/>
+          <a:p>
+            <a:r>
+              <a:rPr kumimoji="1" lang="en-US" altLang="ja-JP" sz="1400" dirty="0" smtClean="0">
+                <a:solidFill>
+                  <a:schemeClr val="tx1"/>
+                </a:solidFill>
+              </a:rPr>
+              <a:t>Screen1</a:t>
+            </a:r>
+            <a:endParaRPr kumimoji="1" lang="ja-JP" altLang="en-US" sz="1400" dirty="0">
+              <a:solidFill>
+                <a:schemeClr val="tx1"/>
+              </a:solidFill>
+            </a:endParaRPr>
+          </a:p>
+        </p:txBody>
+      </p:sp>
+      <p:sp>
+        <p:nvSpPr>
+          <p:cNvPr id="57" name="正方形/長方形 56"/>
+          <p:cNvSpPr/>
+          <p:nvPr/>
+        </p:nvSpPr>
+        <p:spPr>
+          <a:xfrm>
+            <a:off x="2310957" y="2708746"/>
+            <a:ext cx="997892" cy="369776"/>
+          </a:xfrm>
+          <a:prstGeom prst="rect">
+            <a:avLst/>
+          </a:prstGeom>
+          <a:noFill/>
+          <a:ln>
+            <a:noFill/>
+          </a:ln>
+        </p:spPr>
+        <p:style>
+          <a:lnRef idx="2">
+            <a:schemeClr val="accent1">
+              <a:shade val="50000"/>
+            </a:schemeClr>
+          </a:lnRef>
+          <a:fillRef idx="1">
+            <a:schemeClr val="accent1"/>
+          </a:fillRef>
+          <a:effectRef idx="0">
+            <a:schemeClr val="accent1"/>
+          </a:effectRef>
+          <a:fontRef idx="minor">
+            <a:schemeClr val="lt1"/>
+          </a:fontRef>
+        </p:style>
+        <p:txBody>
+          <a:bodyPr rtlCol="0" anchor="t"/>
+          <a:lstStyle/>
+          <a:p>
+            <a:r>
+              <a:rPr kumimoji="1" lang="en-US" altLang="ja-JP" sz="1400" dirty="0" smtClean="0">
+                <a:solidFill>
+                  <a:schemeClr val="tx1"/>
+                </a:solidFill>
+              </a:rPr>
+              <a:t>Screen2</a:t>
+            </a:r>
+            <a:endParaRPr kumimoji="1" lang="ja-JP" altLang="en-US" sz="1400" dirty="0">
+              <a:solidFill>
+                <a:schemeClr val="tx1"/>
+              </a:solidFill>
+            </a:endParaRPr>
+          </a:p>
+        </p:txBody>
+      </p:sp>
+      <p:sp>
+        <p:nvSpPr>
+          <p:cNvPr id="58" name="正方形/長方形 57"/>
+          <p:cNvSpPr/>
+          <p:nvPr/>
+        </p:nvSpPr>
+        <p:spPr>
+          <a:xfrm>
+            <a:off x="7210253" y="2644037"/>
+            <a:ext cx="997892" cy="369776"/>
+          </a:xfrm>
+          <a:prstGeom prst="rect">
+            <a:avLst/>
+          </a:prstGeom>
+          <a:noFill/>
+          <a:ln>
+            <a:noFill/>
+          </a:ln>
+        </p:spPr>
+        <p:style>
+          <a:lnRef idx="2">
+            <a:schemeClr val="accent1">
+              <a:shade val="50000"/>
+            </a:schemeClr>
+          </a:lnRef>
+          <a:fillRef idx="1">
+            <a:schemeClr val="accent1"/>
+          </a:fillRef>
+          <a:effectRef idx="0">
+            <a:schemeClr val="accent1"/>
+          </a:effectRef>
+          <a:fontRef idx="minor">
+            <a:schemeClr val="lt1"/>
+          </a:fontRef>
+        </p:style>
+        <p:txBody>
+          <a:bodyPr rtlCol="0" anchor="t"/>
+          <a:lstStyle/>
+          <a:p>
+            <a:r>
+              <a:rPr kumimoji="1" lang="en-US" altLang="ja-JP" sz="1400" dirty="0" smtClean="0">
+                <a:solidFill>
+                  <a:schemeClr val="tx1"/>
+                </a:solidFill>
+              </a:rPr>
+              <a:t>Screen3</a:t>
+            </a:r>
+            <a:endParaRPr kumimoji="1" lang="ja-JP" altLang="en-US" sz="1400" dirty="0">
+              <a:solidFill>
+                <a:schemeClr val="tx1"/>
+              </a:solidFill>
+            </a:endParaRPr>
+          </a:p>
+        </p:txBody>
+      </p:sp>
+      <p:pic>
+        <p:nvPicPr>
+          <p:cNvPr id="69" name="Picture 6" descr="http://designleaves.y-com.info/images/material/f_icon/prettyxbrowser_p24_bl_nl_l.png"/>
+          <p:cNvPicPr>
+            <a:picLocks noChangeAspect="1" noChangeArrowheads="1"/>
+          </p:cNvPicPr>
+          <p:nvPr/>
+        </p:nvPicPr>
+        <p:blipFill>
+          <a:blip r:embed="rId2"/>
+          <a:srcRect/>
+          <a:stretch>
+            <a:fillRect/>
+          </a:stretch>
+        </p:blipFill>
+        <p:spPr bwMode="auto">
+          <a:xfrm>
+            <a:off x="7228885" y="2527324"/>
+            <a:ext cx="1717300" cy="1969811"/>
+          </a:xfrm>
+          <a:prstGeom prst="rect">
+            <a:avLst/>
+          </a:prstGeom>
+          <a:noFill/>
+        </p:spPr>
+      </p:pic>
+      <p:sp>
+        <p:nvSpPr>
+          <p:cNvPr id="71" name="右矢印 70"/>
+          <p:cNvSpPr/>
+          <p:nvPr/>
+        </p:nvSpPr>
+        <p:spPr>
+          <a:xfrm>
+            <a:off x="2115148" y="3549904"/>
+            <a:ext cx="502025" cy="228600"/>
+          </a:xfrm>
+          <a:prstGeom prst="rightArrow">
+            <a:avLst/>
+          </a:prstGeom>
+        </p:spPr>
+        <p:style>
+          <a:lnRef idx="1">
+            <a:schemeClr val="accent1"/>
+          </a:lnRef>
+          <a:fillRef idx="3">
+            <a:schemeClr val="accent1"/>
+          </a:fillRef>
+          <a:effectRef idx="2">
+            <a:schemeClr val="accent1"/>
+          </a:effectRef>
+          <a:fontRef idx="minor">
+            <a:schemeClr val="lt1"/>
+          </a:fontRef>
+        </p:style>
+        <p:txBody>
+          <a:bodyPr rtlCol="0" anchor="ctr"/>
+          <a:lstStyle/>
+          <a:p>
+            <a:pPr algn="ctr"/>
+            <a:endParaRPr kumimoji="1" lang="ja-JP" altLang="en-US" dirty="0"/>
+          </a:p>
+        </p:txBody>
+      </p:sp>
+      <p:sp>
+        <p:nvSpPr>
+          <p:cNvPr id="76" name="ストライプ矢印 75"/>
+          <p:cNvSpPr/>
+          <p:nvPr/>
+        </p:nvSpPr>
+        <p:spPr>
+          <a:xfrm>
+            <a:off x="4883275" y="3486522"/>
+            <a:ext cx="2249871" cy="278334"/>
+          </a:xfrm>
+          <a:prstGeom prst="stripedRightArrow">
+            <a:avLst/>
+          </a:prstGeom>
+          <a:ln>
+            <a:prstDash val="dash"/>
+          </a:ln>
+        </p:spPr>
+        <p:style>
+          <a:lnRef idx="1">
+            <a:schemeClr val="accent1"/>
+          </a:lnRef>
+          <a:fillRef idx="3">
+            <a:schemeClr val="accent1"/>
+          </a:fillRef>
+          <a:effectRef idx="2">
+            <a:schemeClr val="accent1"/>
+          </a:effectRef>
+          <a:fontRef idx="minor">
+            <a:schemeClr val="lt1"/>
+          </a:fontRef>
+        </p:style>
+        <p:txBody>
+          <a:bodyPr rtlCol="0" anchor="ctr"/>
+          <a:lstStyle/>
+          <a:p>
+            <a:pPr algn="ctr"/>
+            <a:endParaRPr kumimoji="1" lang="ja-JP" altLang="en-US" dirty="0"/>
+          </a:p>
+        </p:txBody>
+      </p:sp>
+      <p:sp>
+        <p:nvSpPr>
+          <p:cNvPr id="77" name="正方形/長方形 76"/>
+          <p:cNvSpPr/>
+          <p:nvPr/>
+        </p:nvSpPr>
+        <p:spPr>
+          <a:xfrm>
+            <a:off x="304800" y="704850"/>
+            <a:ext cx="8143875" cy="1514475"/>
+          </a:xfrm>
+          <a:prstGeom prst="rect">
+            <a:avLst/>
+          </a:prstGeom>
+        </p:spPr>
+        <p:style>
+          <a:lnRef idx="1">
+            <a:schemeClr val="accent4"/>
+          </a:lnRef>
+          <a:fillRef idx="2">
+            <a:schemeClr val="accent4"/>
+          </a:fillRef>
+          <a:effectRef idx="1">
+            <a:schemeClr val="accent4"/>
+          </a:effectRef>
+          <a:fontRef idx="minor">
+            <a:schemeClr val="dk1"/>
+          </a:fontRef>
+        </p:style>
+        <p:txBody>
+          <a:bodyPr rtlCol="0" anchor="t"/>
+          <a:lstStyle/>
+          <a:p>
+            <a:r>
+              <a:rPr kumimoji="1" lang="en-US" altLang="ja-JP" dirty="0" smtClean="0"/>
+              <a:t>Server</a:t>
+            </a:r>
+            <a:endParaRPr kumimoji="1" lang="ja-JP" altLang="en-US" dirty="0"/>
+          </a:p>
+        </p:txBody>
+      </p:sp>
+      <p:sp>
+        <p:nvSpPr>
+          <p:cNvPr id="78" name="フローチャート : 内部記憶 77"/>
+          <p:cNvSpPr/>
+          <p:nvPr/>
+        </p:nvSpPr>
+        <p:spPr>
+          <a:xfrm>
+            <a:off x="2500402" y="847725"/>
+            <a:ext cx="1181371" cy="285750"/>
+          </a:xfrm>
+          <a:prstGeom prst="flowChartInternalStorage">
+            <a:avLst/>
+          </a:prstGeom>
+        </p:spPr>
+        <p:style>
+          <a:lnRef idx="1">
+            <a:schemeClr val="accent5"/>
+          </a:lnRef>
+          <a:fillRef idx="2">
+            <a:schemeClr val="accent5"/>
+          </a:fillRef>
+          <a:effectRef idx="1">
+            <a:schemeClr val="accent5"/>
+          </a:effectRef>
+          <a:fontRef idx="minor">
+            <a:schemeClr val="dk1"/>
+          </a:fontRef>
+        </p:style>
+        <p:txBody>
+          <a:bodyPr rtlCol="0" anchor="ctr"/>
+          <a:lstStyle/>
+          <a:p>
+            <a:pPr algn="ctr"/>
+            <a:r>
+              <a:rPr kumimoji="1" lang="en-US" altLang="ja-JP" sz="1600" dirty="0" smtClean="0"/>
+              <a:t>token001</a:t>
+            </a:r>
+            <a:endParaRPr kumimoji="1" lang="ja-JP" altLang="en-US" sz="1600" dirty="0"/>
+          </a:p>
+        </p:txBody>
+      </p:sp>
+      <p:sp>
+        <p:nvSpPr>
+          <p:cNvPr id="79" name="フローチャート : 定義済み処理 78"/>
+          <p:cNvSpPr/>
+          <p:nvPr/>
+        </p:nvSpPr>
+        <p:spPr>
+          <a:xfrm>
+            <a:off x="1174870" y="1552575"/>
+            <a:ext cx="1574425" cy="457200"/>
+          </a:xfrm>
+          <a:prstGeom prst="flowChartPredefinedProcess">
+            <a:avLst/>
+          </a:prstGeom>
+        </p:spPr>
+        <p:style>
+          <a:lnRef idx="1">
+            <a:schemeClr val="accent3"/>
+          </a:lnRef>
+          <a:fillRef idx="3">
+            <a:schemeClr val="accent3"/>
+          </a:fillRef>
+          <a:effectRef idx="2">
+            <a:schemeClr val="accent3"/>
+          </a:effectRef>
+          <a:fontRef idx="minor">
+            <a:schemeClr val="lt1"/>
+          </a:fontRef>
+        </p:style>
+        <p:txBody>
+          <a:bodyPr rtlCol="0" anchor="ctr"/>
+          <a:lstStyle/>
+          <a:p>
+            <a:pPr algn="ctr"/>
+            <a:r>
+              <a:rPr lang="en-US" altLang="ja-JP" dirty="0" smtClean="0">
+                <a:solidFill>
+                  <a:schemeClr val="tx1"/>
+                </a:solidFill>
+              </a:rPr>
+              <a:t>a</a:t>
+            </a:r>
+            <a:r>
+              <a:rPr kumimoji="1" lang="en-US" altLang="ja-JP" dirty="0" smtClean="0">
+                <a:solidFill>
+                  <a:schemeClr val="tx1"/>
+                </a:solidFill>
+              </a:rPr>
+              <a:t>aa()</a:t>
+            </a:r>
+            <a:endParaRPr kumimoji="1" lang="ja-JP" altLang="en-US" dirty="0">
+              <a:solidFill>
+                <a:schemeClr val="tx1"/>
+              </a:solidFill>
+            </a:endParaRPr>
+          </a:p>
+        </p:txBody>
+      </p:sp>
+      <p:sp>
+        <p:nvSpPr>
+          <p:cNvPr id="80" name="フローチャート : 内部記憶 79"/>
+          <p:cNvSpPr/>
+          <p:nvPr/>
+        </p:nvSpPr>
+        <p:spPr>
+          <a:xfrm>
+            <a:off x="4911814" y="847725"/>
+            <a:ext cx="1266825" cy="285750"/>
+          </a:xfrm>
+          <a:prstGeom prst="flowChartInternalStorage">
+            <a:avLst/>
+          </a:prstGeom>
+        </p:spPr>
+        <p:style>
+          <a:lnRef idx="1">
+            <a:schemeClr val="accent5"/>
+          </a:lnRef>
+          <a:fillRef idx="2">
+            <a:schemeClr val="accent5"/>
+          </a:fillRef>
+          <a:effectRef idx="1">
+            <a:schemeClr val="accent5"/>
+          </a:effectRef>
+          <a:fontRef idx="minor">
+            <a:schemeClr val="dk1"/>
+          </a:fontRef>
+        </p:style>
+        <p:txBody>
+          <a:bodyPr rtlCol="0" anchor="ctr"/>
+          <a:lstStyle/>
+          <a:p>
+            <a:pPr algn="ctr"/>
+            <a:r>
+              <a:rPr kumimoji="1" lang="en-US" altLang="ja-JP" sz="1600" dirty="0" smtClean="0">
+                <a:solidFill>
+                  <a:srgbClr val="FF0000"/>
+                </a:solidFill>
+              </a:rPr>
+              <a:t>token002</a:t>
+            </a:r>
+            <a:endParaRPr kumimoji="1" lang="ja-JP" altLang="en-US" sz="1600" dirty="0">
+              <a:solidFill>
+                <a:srgbClr val="FF0000"/>
+              </a:solidFill>
+            </a:endParaRPr>
+          </a:p>
+        </p:txBody>
+      </p:sp>
+      <p:sp>
+        <p:nvSpPr>
+          <p:cNvPr id="81" name="フローチャート : 定義済み処理 80"/>
+          <p:cNvSpPr/>
+          <p:nvPr/>
+        </p:nvSpPr>
+        <p:spPr>
+          <a:xfrm>
+            <a:off x="3596291" y="1552575"/>
+            <a:ext cx="1574425" cy="457200"/>
+          </a:xfrm>
+          <a:prstGeom prst="flowChartPredefinedProcess">
+            <a:avLst/>
+          </a:prstGeom>
+        </p:spPr>
+        <p:style>
+          <a:lnRef idx="1">
+            <a:schemeClr val="accent3"/>
+          </a:lnRef>
+          <a:fillRef idx="3">
+            <a:schemeClr val="accent3"/>
+          </a:fillRef>
+          <a:effectRef idx="2">
+            <a:schemeClr val="accent3"/>
+          </a:effectRef>
+          <a:fontRef idx="minor">
+            <a:schemeClr val="lt1"/>
+          </a:fontRef>
+        </p:style>
+        <p:txBody>
+          <a:bodyPr rtlCol="0" anchor="ctr"/>
+          <a:lstStyle/>
+          <a:p>
+            <a:pPr algn="ctr"/>
+            <a:r>
+              <a:rPr kumimoji="1" lang="en-US" altLang="ja-JP" dirty="0" smtClean="0">
+                <a:solidFill>
+                  <a:schemeClr val="tx1"/>
+                </a:solidFill>
+              </a:rPr>
+              <a:t>bbb()</a:t>
+            </a:r>
+            <a:endParaRPr kumimoji="1" lang="ja-JP" altLang="en-US" dirty="0">
+              <a:solidFill>
+                <a:schemeClr val="tx1"/>
+              </a:solidFill>
+            </a:endParaRPr>
+          </a:p>
+        </p:txBody>
+      </p:sp>
+      <p:sp>
+        <p:nvSpPr>
+          <p:cNvPr id="82" name="フローチャート : 定義済み処理 81"/>
+          <p:cNvSpPr/>
+          <p:nvPr/>
+        </p:nvSpPr>
+        <p:spPr>
+          <a:xfrm>
+            <a:off x="5871729" y="1552575"/>
+            <a:ext cx="1574425" cy="457200"/>
+          </a:xfrm>
+          <a:prstGeom prst="flowChartPredefinedProcess">
+            <a:avLst/>
+          </a:prstGeom>
+          <a:ln w="19050">
+            <a:prstDash val="solid"/>
+          </a:ln>
+        </p:spPr>
+        <p:style>
+          <a:lnRef idx="1">
+            <a:schemeClr val="accent3"/>
+          </a:lnRef>
+          <a:fillRef idx="3">
+            <a:schemeClr val="accent3"/>
+          </a:fillRef>
+          <a:effectRef idx="2">
+            <a:schemeClr val="accent3"/>
+          </a:effectRef>
+          <a:fontRef idx="minor">
+            <a:schemeClr val="lt1"/>
+          </a:fontRef>
+        </p:style>
+        <p:txBody>
+          <a:bodyPr rtlCol="0" anchor="ctr"/>
+          <a:lstStyle/>
+          <a:p>
+            <a:pPr algn="ctr"/>
+            <a:r>
+              <a:rPr lang="en-US" altLang="ja-JP" dirty="0" smtClean="0">
+                <a:solidFill>
+                  <a:schemeClr val="tx1"/>
+                </a:solidFill>
+              </a:rPr>
+              <a:t>c</a:t>
+            </a:r>
+            <a:r>
+              <a:rPr kumimoji="1" lang="en-US" altLang="ja-JP" dirty="0" smtClean="0">
+                <a:solidFill>
+                  <a:schemeClr val="tx1"/>
+                </a:solidFill>
+              </a:rPr>
+              <a:t>cc()</a:t>
+            </a:r>
+            <a:endParaRPr kumimoji="1" lang="ja-JP" altLang="en-US" dirty="0">
+              <a:solidFill>
+                <a:schemeClr val="tx1"/>
+              </a:solidFill>
+            </a:endParaRPr>
+          </a:p>
+        </p:txBody>
+      </p:sp>
+      <p:sp>
+        <p:nvSpPr>
+          <p:cNvPr id="38" name="正方形/長方形 37"/>
+          <p:cNvSpPr/>
+          <p:nvPr/>
+        </p:nvSpPr>
+        <p:spPr>
+          <a:xfrm>
+            <a:off x="7437081" y="3352795"/>
+            <a:ext cx="1319457" cy="622818"/>
+          </a:xfrm>
+          <a:prstGeom prst="rect">
+            <a:avLst/>
+          </a:prstGeom>
+          <a:noFill/>
+          <a:ln>
+            <a:noFill/>
+          </a:ln>
+        </p:spPr>
+        <p:style>
+          <a:lnRef idx="2">
+            <a:schemeClr val="accent1">
+              <a:shade val="50000"/>
+            </a:schemeClr>
+          </a:lnRef>
+          <a:fillRef idx="1">
+            <a:schemeClr val="accent1"/>
+          </a:fillRef>
+          <a:effectRef idx="0">
+            <a:schemeClr val="accent1"/>
+          </a:effectRef>
+          <a:fontRef idx="minor">
+            <a:schemeClr val="lt1"/>
+          </a:fontRef>
+        </p:style>
+        <p:txBody>
+          <a:bodyPr rtlCol="0" anchor="t"/>
+          <a:lstStyle/>
+          <a:p>
+            <a:pPr algn="ctr"/>
+            <a:endParaRPr lang="en-US" altLang="ja-JP" sz="1400" dirty="0" smtClean="0">
+              <a:solidFill>
+                <a:schemeClr val="tx1"/>
+              </a:solidFill>
+            </a:endParaRPr>
+          </a:p>
+        </p:txBody>
+      </p:sp>
+      <p:cxnSp>
+        <p:nvCxnSpPr>
+          <p:cNvPr id="84" name="直線矢印コネクタ 83"/>
+          <p:cNvCxnSpPr/>
+          <p:nvPr/>
+        </p:nvCxnSpPr>
+        <p:spPr>
+          <a:xfrm flipV="1">
+            <a:off x="3595490" y="2061763"/>
+            <a:ext cx="483353" cy="1016760"/>
+          </a:xfrm>
+          <a:prstGeom prst="straightConnector1">
+            <a:avLst/>
+          </a:prstGeom>
+          <a:ln>
+            <a:tailEnd type="arrow"/>
+          </a:ln>
+        </p:spPr>
+        <p:style>
+          <a:lnRef idx="2">
+            <a:schemeClr val="accent1"/>
+          </a:lnRef>
+          <a:fillRef idx="0">
+            <a:schemeClr val="accent1"/>
+          </a:fillRef>
+          <a:effectRef idx="1">
+            <a:schemeClr val="accent1"/>
+          </a:effectRef>
+          <a:fontRef idx="minor">
+            <a:schemeClr val="tx1"/>
+          </a:fontRef>
+        </p:style>
+      </p:cxnSp>
+      <p:cxnSp>
+        <p:nvCxnSpPr>
+          <p:cNvPr id="26" name="直線矢印コネクタ 25"/>
+          <p:cNvCxnSpPr>
+            <a:stCxn id="79" idx="0"/>
+            <a:endCxn id="78" idx="1"/>
+          </p:cNvCxnSpPr>
+          <p:nvPr/>
+        </p:nvCxnSpPr>
+        <p:spPr>
+          <a:xfrm rot="5400000" flipH="1" flipV="1">
+            <a:off x="1950255" y="1002429"/>
+            <a:ext cx="561975" cy="538319"/>
+          </a:xfrm>
+          <a:prstGeom prst="curvedConnector2">
+            <a:avLst/>
+          </a:prstGeom>
+          <a:ln>
+            <a:tailEnd type="arrow"/>
+          </a:ln>
+        </p:spPr>
+        <p:style>
+          <a:lnRef idx="2">
+            <a:schemeClr val="accent1"/>
+          </a:lnRef>
+          <a:fillRef idx="0">
+            <a:schemeClr val="accent1"/>
+          </a:fillRef>
+          <a:effectRef idx="1">
+            <a:schemeClr val="accent1"/>
+          </a:effectRef>
+          <a:fontRef idx="minor">
+            <a:schemeClr val="tx1"/>
+          </a:fontRef>
+        </p:style>
+      </p:cxnSp>
+      <p:cxnSp>
+        <p:nvCxnSpPr>
+          <p:cNvPr id="28" name="直線矢印コネクタ 27"/>
+          <p:cNvCxnSpPr/>
+          <p:nvPr/>
+        </p:nvCxnSpPr>
+        <p:spPr>
+          <a:xfrm>
+            <a:off x="2265528" y="2011361"/>
+            <a:ext cx="887105" cy="963294"/>
+          </a:xfrm>
+          <a:prstGeom prst="straightConnector1">
+            <a:avLst/>
+          </a:prstGeom>
+          <a:ln>
+            <a:tailEnd type="arrow"/>
+          </a:ln>
+        </p:spPr>
+        <p:style>
+          <a:lnRef idx="2">
+            <a:schemeClr val="accent1"/>
+          </a:lnRef>
+          <a:fillRef idx="0">
+            <a:schemeClr val="accent1"/>
+          </a:fillRef>
+          <a:effectRef idx="1">
+            <a:schemeClr val="accent1"/>
+          </a:effectRef>
+          <a:fontRef idx="minor">
+            <a:schemeClr val="tx1"/>
+          </a:fontRef>
+        </p:style>
+      </p:cxnSp>
+      <p:cxnSp>
+        <p:nvCxnSpPr>
+          <p:cNvPr id="30" name="直線矢印コネクタ 29"/>
+          <p:cNvCxnSpPr/>
+          <p:nvPr/>
+        </p:nvCxnSpPr>
+        <p:spPr>
+          <a:xfrm flipV="1">
+            <a:off x="1170440" y="2011361"/>
+            <a:ext cx="562826" cy="1067162"/>
+          </a:xfrm>
+          <a:prstGeom prst="straightConnector1">
+            <a:avLst/>
+          </a:prstGeom>
+          <a:ln>
+            <a:tailEnd type="arrow"/>
+          </a:ln>
+        </p:spPr>
+        <p:style>
+          <a:lnRef idx="2">
+            <a:schemeClr val="accent1"/>
+          </a:lnRef>
+          <a:fillRef idx="0">
+            <a:schemeClr val="accent1"/>
+          </a:fillRef>
+          <a:effectRef idx="1">
+            <a:schemeClr val="accent1"/>
+          </a:effectRef>
+          <a:fontRef idx="minor">
+            <a:schemeClr val="tx1"/>
+          </a:fontRef>
+        </p:style>
+      </p:cxnSp>
+      <p:cxnSp>
+        <p:nvCxnSpPr>
+          <p:cNvPr id="32" name="図形 31"/>
+          <p:cNvCxnSpPr>
+            <a:stCxn id="78" idx="3"/>
+          </p:cNvCxnSpPr>
+          <p:nvPr/>
+        </p:nvCxnSpPr>
+        <p:spPr>
+          <a:xfrm>
+            <a:off x="3681773" y="990600"/>
+            <a:ext cx="471671" cy="561978"/>
+          </a:xfrm>
+          <a:prstGeom prst="curvedConnector2">
+            <a:avLst/>
+          </a:prstGeom>
+          <a:ln>
+            <a:tailEnd type="arrow"/>
+          </a:ln>
+        </p:spPr>
+        <p:style>
+          <a:lnRef idx="2">
+            <a:schemeClr val="accent1"/>
+          </a:lnRef>
+          <a:fillRef idx="0">
+            <a:schemeClr val="accent1"/>
+          </a:fillRef>
+          <a:effectRef idx="1">
+            <a:schemeClr val="accent1"/>
+          </a:effectRef>
+          <a:fontRef idx="minor">
+            <a:schemeClr val="tx1"/>
+          </a:fontRef>
+        </p:style>
+      </p:cxnSp>
+      <p:cxnSp>
+        <p:nvCxnSpPr>
+          <p:cNvPr id="39" name="直線矢印コネクタ 38"/>
+          <p:cNvCxnSpPr>
+            <a:stCxn id="81" idx="0"/>
+            <a:endCxn id="80" idx="1"/>
+          </p:cNvCxnSpPr>
+          <p:nvPr/>
+        </p:nvCxnSpPr>
+        <p:spPr>
+          <a:xfrm rot="5400000" flipH="1" flipV="1">
+            <a:off x="4366672" y="1007433"/>
+            <a:ext cx="561975" cy="528310"/>
+          </a:xfrm>
+          <a:prstGeom prst="curvedConnector2">
+            <a:avLst/>
+          </a:prstGeom>
+          <a:ln>
+            <a:tailEnd type="arrow"/>
+          </a:ln>
+        </p:spPr>
+        <p:style>
+          <a:lnRef idx="2">
+            <a:schemeClr val="accent1"/>
+          </a:lnRef>
+          <a:fillRef idx="0">
+            <a:schemeClr val="accent1"/>
+          </a:fillRef>
+          <a:effectRef idx="1">
+            <a:schemeClr val="accent1"/>
+          </a:effectRef>
+          <a:fontRef idx="minor">
+            <a:schemeClr val="tx1"/>
+          </a:fontRef>
+        </p:style>
+      </p:cxnSp>
+      <p:cxnSp>
+        <p:nvCxnSpPr>
+          <p:cNvPr id="42" name="図形 41"/>
+          <p:cNvCxnSpPr>
+            <a:stCxn id="80" idx="3"/>
+            <a:endCxn id="82" idx="0"/>
+          </p:cNvCxnSpPr>
+          <p:nvPr/>
+        </p:nvCxnSpPr>
+        <p:spPr>
+          <a:xfrm>
+            <a:off x="6178639" y="990600"/>
+            <a:ext cx="480303" cy="561975"/>
+          </a:xfrm>
+          <a:prstGeom prst="curvedConnector2">
+            <a:avLst/>
+          </a:prstGeom>
+          <a:ln>
+            <a:prstDash val="solid"/>
+            <a:tailEnd type="arrow"/>
+          </a:ln>
+        </p:spPr>
+        <p:style>
+          <a:lnRef idx="2">
+            <a:schemeClr val="accent1"/>
+          </a:lnRef>
+          <a:fillRef idx="0">
+            <a:schemeClr val="accent1"/>
+          </a:fillRef>
+          <a:effectRef idx="1">
+            <a:schemeClr val="accent1"/>
+          </a:effectRef>
+          <a:fontRef idx="minor">
+            <a:schemeClr val="tx1"/>
+          </a:fontRef>
+        </p:style>
+      </p:cxnSp>
+      <p:cxnSp>
+        <p:nvCxnSpPr>
+          <p:cNvPr id="49" name="直線矢印コネクタ 48"/>
+          <p:cNvCxnSpPr/>
+          <p:nvPr/>
+        </p:nvCxnSpPr>
+        <p:spPr>
+          <a:xfrm>
+            <a:off x="7133200" y="2061763"/>
+            <a:ext cx="967720" cy="849211"/>
+          </a:xfrm>
+          <a:prstGeom prst="straightConnector1">
+            <a:avLst/>
+          </a:prstGeom>
+          <a:ln>
+            <a:prstDash val="dash"/>
+            <a:tailEnd type="arrow"/>
+          </a:ln>
+        </p:spPr>
+        <p:style>
+          <a:lnRef idx="2">
+            <a:schemeClr val="accent1"/>
+          </a:lnRef>
+          <a:fillRef idx="0">
+            <a:schemeClr val="accent1"/>
+          </a:fillRef>
+          <a:effectRef idx="1">
+            <a:schemeClr val="accent1"/>
+          </a:effectRef>
+          <a:fontRef idx="minor">
+            <a:schemeClr val="tx1"/>
+          </a:fontRef>
+        </p:style>
+      </p:cxnSp>
+      <p:sp>
+        <p:nvSpPr>
+          <p:cNvPr id="56" name="右矢印 55"/>
+          <p:cNvSpPr/>
+          <p:nvPr/>
+        </p:nvSpPr>
+        <p:spPr>
+          <a:xfrm>
+            <a:off x="4004070" y="889635"/>
+            <a:ext cx="502025" cy="228600"/>
+          </a:xfrm>
+          <a:prstGeom prst="rightArrow">
+            <a:avLst/>
+          </a:prstGeom>
+        </p:spPr>
+        <p:style>
+          <a:lnRef idx="1">
+            <a:schemeClr val="accent5"/>
+          </a:lnRef>
+          <a:fillRef idx="2">
+            <a:schemeClr val="accent5"/>
+          </a:fillRef>
+          <a:effectRef idx="1">
+            <a:schemeClr val="accent5"/>
+          </a:effectRef>
+          <a:fontRef idx="minor">
+            <a:schemeClr val="dk1"/>
+          </a:fontRef>
+        </p:style>
+        <p:txBody>
+          <a:bodyPr rtlCol="0" anchor="ctr"/>
+          <a:lstStyle/>
+          <a:p>
+            <a:pPr algn="ctr"/>
+            <a:endParaRPr kumimoji="1" lang="ja-JP" altLang="en-US" dirty="0"/>
+          </a:p>
+        </p:txBody>
+      </p:sp>
+      <p:sp>
+        <p:nvSpPr>
+          <p:cNvPr id="59" name="右矢印 58"/>
+          <p:cNvSpPr/>
+          <p:nvPr/>
+        </p:nvSpPr>
+        <p:spPr>
+          <a:xfrm>
+            <a:off x="6597125" y="876301"/>
+            <a:ext cx="502025" cy="228600"/>
+          </a:xfrm>
+          <a:prstGeom prst="rightArrow">
+            <a:avLst/>
+          </a:prstGeom>
+          <a:ln>
+            <a:prstDash val="dash"/>
+          </a:ln>
+        </p:spPr>
+        <p:style>
+          <a:lnRef idx="1">
+            <a:schemeClr val="accent5"/>
+          </a:lnRef>
+          <a:fillRef idx="2">
+            <a:schemeClr val="accent5"/>
+          </a:fillRef>
+          <a:effectRef idx="1">
+            <a:schemeClr val="accent5"/>
+          </a:effectRef>
+          <a:fontRef idx="minor">
+            <a:schemeClr val="dk1"/>
+          </a:fontRef>
+        </p:style>
+        <p:txBody>
+          <a:bodyPr rtlCol="0" anchor="ctr"/>
+          <a:lstStyle/>
+          <a:p>
+            <a:pPr algn="ctr"/>
+            <a:endParaRPr kumimoji="1" lang="ja-JP" altLang="en-US" dirty="0"/>
+          </a:p>
+        </p:txBody>
+      </p:sp>
+      <p:sp>
+        <p:nvSpPr>
+          <p:cNvPr id="98" name="正方形/長方形 97"/>
+          <p:cNvSpPr/>
+          <p:nvPr/>
+        </p:nvSpPr>
+        <p:spPr>
+          <a:xfrm>
+            <a:off x="1395740" y="2320521"/>
+            <a:ext cx="499537" cy="388225"/>
+          </a:xfrm>
+          <a:prstGeom prst="rect">
+            <a:avLst/>
+          </a:prstGeom>
+          <a:noFill/>
+          <a:ln>
+            <a:noFill/>
+          </a:ln>
+        </p:spPr>
+        <p:style>
+          <a:lnRef idx="2">
+            <a:schemeClr val="accent1">
+              <a:shade val="50000"/>
+            </a:schemeClr>
+          </a:lnRef>
+          <a:fillRef idx="1">
+            <a:schemeClr val="accent1"/>
+          </a:fillRef>
+          <a:effectRef idx="0">
+            <a:schemeClr val="accent1"/>
+          </a:effectRef>
+          <a:fontRef idx="minor">
+            <a:schemeClr val="lt1"/>
+          </a:fontRef>
+        </p:style>
+        <p:txBody>
+          <a:bodyPr rtlCol="0" anchor="t"/>
+          <a:lstStyle/>
+          <a:p>
+            <a:r>
+              <a:rPr kumimoji="1" lang="en-US" altLang="ja-JP" sz="2400" dirty="0" smtClean="0">
+                <a:solidFill>
+                  <a:schemeClr val="accent1"/>
+                </a:solidFill>
+                <a:effectLst>
+                  <a:outerShdw blurRad="38100" dist="38100" dir="2700000" algn="tl">
+                    <a:srgbClr val="000000">
+                      <a:alpha val="43137"/>
+                    </a:srgbClr>
+                  </a:outerShdw>
+                </a:effectLst>
+              </a:rPr>
+              <a:t>1</a:t>
+            </a:r>
+            <a:endParaRPr kumimoji="1" lang="ja-JP" altLang="en-US" sz="2400" dirty="0">
+              <a:solidFill>
+                <a:schemeClr val="accent1"/>
+              </a:solidFill>
+              <a:effectLst>
+                <a:outerShdw blurRad="38100" dist="38100" dir="2700000" algn="tl">
+                  <a:srgbClr val="000000">
+                    <a:alpha val="43137"/>
+                  </a:srgbClr>
+                </a:outerShdw>
+              </a:effectLst>
+            </a:endParaRPr>
+          </a:p>
+        </p:txBody>
+      </p:sp>
+      <p:sp>
+        <p:nvSpPr>
+          <p:cNvPr id="99" name="正方形/長方形 98"/>
+          <p:cNvSpPr/>
+          <p:nvPr/>
+        </p:nvSpPr>
+        <p:spPr>
+          <a:xfrm>
+            <a:off x="2130292" y="1064337"/>
+            <a:ext cx="499537" cy="388225"/>
+          </a:xfrm>
+          <a:prstGeom prst="rect">
+            <a:avLst/>
+          </a:prstGeom>
+          <a:noFill/>
+          <a:ln>
+            <a:noFill/>
+          </a:ln>
+        </p:spPr>
+        <p:style>
+          <a:lnRef idx="2">
+            <a:schemeClr val="accent1">
+              <a:shade val="50000"/>
+            </a:schemeClr>
+          </a:lnRef>
+          <a:fillRef idx="1">
+            <a:schemeClr val="accent1"/>
+          </a:fillRef>
+          <a:effectRef idx="0">
+            <a:schemeClr val="accent1"/>
+          </a:effectRef>
+          <a:fontRef idx="minor">
+            <a:schemeClr val="lt1"/>
+          </a:fontRef>
+        </p:style>
+        <p:txBody>
+          <a:bodyPr rtlCol="0" anchor="t"/>
+          <a:lstStyle/>
+          <a:p>
+            <a:r>
+              <a:rPr lang="en-US" altLang="ja-JP" sz="2400" dirty="0" smtClean="0">
+                <a:solidFill>
+                  <a:schemeClr val="accent1"/>
+                </a:solidFill>
+                <a:effectLst>
+                  <a:outerShdw blurRad="38100" dist="38100" dir="2700000" algn="tl">
+                    <a:srgbClr val="000000">
+                      <a:alpha val="43137"/>
+                    </a:srgbClr>
+                  </a:outerShdw>
+                </a:effectLst>
+              </a:rPr>
+              <a:t>2</a:t>
+            </a:r>
+            <a:endParaRPr kumimoji="1" lang="ja-JP" altLang="en-US" sz="2400" dirty="0">
+              <a:solidFill>
+                <a:schemeClr val="accent1"/>
+              </a:solidFill>
+              <a:effectLst>
+                <a:outerShdw blurRad="38100" dist="38100" dir="2700000" algn="tl">
+                  <a:srgbClr val="000000">
+                    <a:alpha val="43137"/>
+                  </a:srgbClr>
+                </a:outerShdw>
+              </a:effectLst>
+            </a:endParaRPr>
+          </a:p>
+        </p:txBody>
+      </p:sp>
+      <p:sp>
+        <p:nvSpPr>
+          <p:cNvPr id="100" name="正方形/長方形 99"/>
+          <p:cNvSpPr/>
+          <p:nvPr/>
+        </p:nvSpPr>
+        <p:spPr>
+          <a:xfrm>
+            <a:off x="3021503" y="2320521"/>
+            <a:ext cx="499537" cy="388225"/>
+          </a:xfrm>
+          <a:prstGeom prst="rect">
+            <a:avLst/>
+          </a:prstGeom>
+          <a:noFill/>
+          <a:ln>
+            <a:noFill/>
+          </a:ln>
+        </p:spPr>
+        <p:style>
+          <a:lnRef idx="2">
+            <a:schemeClr val="accent1">
+              <a:shade val="50000"/>
+            </a:schemeClr>
+          </a:lnRef>
+          <a:fillRef idx="1">
+            <a:schemeClr val="accent1"/>
+          </a:fillRef>
+          <a:effectRef idx="0">
+            <a:schemeClr val="accent1"/>
+          </a:effectRef>
+          <a:fontRef idx="minor">
+            <a:schemeClr val="lt1"/>
+          </a:fontRef>
+        </p:style>
+        <p:txBody>
+          <a:bodyPr rtlCol="0" anchor="t"/>
+          <a:lstStyle/>
+          <a:p>
+            <a:r>
+              <a:rPr kumimoji="1" lang="en-US" altLang="ja-JP" sz="2400" dirty="0" smtClean="0">
+                <a:solidFill>
+                  <a:schemeClr val="accent1"/>
+                </a:solidFill>
+                <a:effectLst>
+                  <a:outerShdw blurRad="38100" dist="38100" dir="2700000" algn="tl">
+                    <a:srgbClr val="000000">
+                      <a:alpha val="43137"/>
+                    </a:srgbClr>
+                  </a:outerShdw>
+                </a:effectLst>
+              </a:rPr>
+              <a:t>3</a:t>
+            </a:r>
+            <a:endParaRPr kumimoji="1" lang="ja-JP" altLang="en-US" sz="2400" dirty="0">
+              <a:solidFill>
+                <a:schemeClr val="accent1"/>
+              </a:solidFill>
+              <a:effectLst>
+                <a:outerShdw blurRad="38100" dist="38100" dir="2700000" algn="tl">
+                  <a:srgbClr val="000000">
+                    <a:alpha val="43137"/>
+                  </a:srgbClr>
+                </a:outerShdw>
+              </a:effectLst>
+            </a:endParaRPr>
+          </a:p>
+        </p:txBody>
+      </p:sp>
+      <p:sp>
+        <p:nvSpPr>
+          <p:cNvPr id="101" name="正方形/長方形 100"/>
+          <p:cNvSpPr/>
+          <p:nvPr/>
+        </p:nvSpPr>
+        <p:spPr>
+          <a:xfrm>
+            <a:off x="3825841" y="2312516"/>
+            <a:ext cx="499537" cy="388225"/>
+          </a:xfrm>
+          <a:prstGeom prst="rect">
+            <a:avLst/>
+          </a:prstGeom>
+          <a:noFill/>
+          <a:ln>
+            <a:noFill/>
+          </a:ln>
+        </p:spPr>
+        <p:style>
+          <a:lnRef idx="2">
+            <a:schemeClr val="accent1">
+              <a:shade val="50000"/>
+            </a:schemeClr>
+          </a:lnRef>
+          <a:fillRef idx="1">
+            <a:schemeClr val="accent1"/>
+          </a:fillRef>
+          <a:effectRef idx="0">
+            <a:schemeClr val="accent1"/>
+          </a:effectRef>
+          <a:fontRef idx="minor">
+            <a:schemeClr val="lt1"/>
+          </a:fontRef>
+        </p:style>
+        <p:txBody>
+          <a:bodyPr rtlCol="0" anchor="t"/>
+          <a:lstStyle/>
+          <a:p>
+            <a:r>
+              <a:rPr lang="en-US" altLang="ja-JP" sz="2400" dirty="0" smtClean="0">
+                <a:solidFill>
+                  <a:schemeClr val="accent1"/>
+                </a:solidFill>
+                <a:effectLst>
+                  <a:outerShdw blurRad="38100" dist="38100" dir="2700000" algn="tl">
+                    <a:srgbClr val="000000">
+                      <a:alpha val="43137"/>
+                    </a:srgbClr>
+                  </a:outerShdw>
+                </a:effectLst>
+              </a:rPr>
+              <a:t>4</a:t>
+            </a:r>
+            <a:endParaRPr kumimoji="1" lang="ja-JP" altLang="en-US" sz="2400" dirty="0">
+              <a:solidFill>
+                <a:schemeClr val="accent1"/>
+              </a:solidFill>
+              <a:effectLst>
+                <a:outerShdw blurRad="38100" dist="38100" dir="2700000" algn="tl">
+                  <a:srgbClr val="000000">
+                    <a:alpha val="43137"/>
+                  </a:srgbClr>
+                </a:outerShdw>
+              </a:effectLst>
+            </a:endParaRPr>
+          </a:p>
+        </p:txBody>
+      </p:sp>
+      <p:sp>
+        <p:nvSpPr>
+          <p:cNvPr id="102" name="正方形/長方形 101"/>
+          <p:cNvSpPr/>
+          <p:nvPr/>
+        </p:nvSpPr>
+        <p:spPr>
+          <a:xfrm>
+            <a:off x="3575934" y="1077476"/>
+            <a:ext cx="499537" cy="388225"/>
+          </a:xfrm>
+          <a:prstGeom prst="rect">
+            <a:avLst/>
+          </a:prstGeom>
+          <a:noFill/>
+          <a:ln>
+            <a:noFill/>
+          </a:ln>
+        </p:spPr>
+        <p:style>
+          <a:lnRef idx="2">
+            <a:schemeClr val="accent1">
+              <a:shade val="50000"/>
+            </a:schemeClr>
+          </a:lnRef>
+          <a:fillRef idx="1">
+            <a:schemeClr val="accent1"/>
+          </a:fillRef>
+          <a:effectRef idx="0">
+            <a:schemeClr val="accent1"/>
+          </a:effectRef>
+          <a:fontRef idx="minor">
+            <a:schemeClr val="lt1"/>
+          </a:fontRef>
+        </p:style>
+        <p:txBody>
+          <a:bodyPr rtlCol="0" anchor="t"/>
+          <a:lstStyle/>
+          <a:p>
+            <a:r>
+              <a:rPr kumimoji="1" lang="en-US" altLang="ja-JP" sz="2400" dirty="0" smtClean="0">
+                <a:solidFill>
+                  <a:schemeClr val="accent1"/>
+                </a:solidFill>
+                <a:effectLst>
+                  <a:outerShdw blurRad="38100" dist="38100" dir="2700000" algn="tl">
+                    <a:srgbClr val="000000">
+                      <a:alpha val="43137"/>
+                    </a:srgbClr>
+                  </a:outerShdw>
+                </a:effectLst>
+              </a:rPr>
+              <a:t>5</a:t>
+            </a:r>
+            <a:endParaRPr kumimoji="1" lang="ja-JP" altLang="en-US" sz="2400" dirty="0">
+              <a:solidFill>
+                <a:schemeClr val="accent1"/>
+              </a:solidFill>
+              <a:effectLst>
+                <a:outerShdw blurRad="38100" dist="38100" dir="2700000" algn="tl">
+                  <a:srgbClr val="000000">
+                    <a:alpha val="43137"/>
+                  </a:srgbClr>
+                </a:outerShdw>
+              </a:effectLst>
+            </a:endParaRPr>
+          </a:p>
+        </p:txBody>
+      </p:sp>
+      <p:sp>
+        <p:nvSpPr>
+          <p:cNvPr id="103" name="正方形/長方形 102"/>
+          <p:cNvSpPr/>
+          <p:nvPr/>
+        </p:nvSpPr>
+        <p:spPr>
+          <a:xfrm>
+            <a:off x="4465529" y="1089662"/>
+            <a:ext cx="499537" cy="388225"/>
+          </a:xfrm>
+          <a:prstGeom prst="rect">
+            <a:avLst/>
+          </a:prstGeom>
+          <a:noFill/>
+          <a:ln>
+            <a:noFill/>
+          </a:ln>
+        </p:spPr>
+        <p:style>
+          <a:lnRef idx="2">
+            <a:schemeClr val="accent1">
+              <a:shade val="50000"/>
+            </a:schemeClr>
+          </a:lnRef>
+          <a:fillRef idx="1">
+            <a:schemeClr val="accent1"/>
+          </a:fillRef>
+          <a:effectRef idx="0">
+            <a:schemeClr val="accent1"/>
+          </a:effectRef>
+          <a:fontRef idx="minor">
+            <a:schemeClr val="lt1"/>
+          </a:fontRef>
+        </p:style>
+        <p:txBody>
+          <a:bodyPr rtlCol="0" anchor="t"/>
+          <a:lstStyle/>
+          <a:p>
+            <a:r>
+              <a:rPr lang="en-US" altLang="ja-JP" sz="2400" dirty="0" smtClean="0">
+                <a:solidFill>
+                  <a:schemeClr val="accent1"/>
+                </a:solidFill>
+                <a:effectLst>
+                  <a:outerShdw blurRad="38100" dist="38100" dir="2700000" algn="tl">
+                    <a:srgbClr val="000000">
+                      <a:alpha val="43137"/>
+                    </a:srgbClr>
+                  </a:outerShdw>
+                </a:effectLst>
+              </a:rPr>
+              <a:t>6</a:t>
+            </a:r>
+            <a:endParaRPr kumimoji="1" lang="ja-JP" altLang="en-US" sz="2400" dirty="0">
+              <a:solidFill>
+                <a:schemeClr val="accent1"/>
+              </a:solidFill>
+              <a:effectLst>
+                <a:outerShdw blurRad="38100" dist="38100" dir="2700000" algn="tl">
+                  <a:srgbClr val="000000">
+                    <a:alpha val="43137"/>
+                  </a:srgbClr>
+                </a:outerShdw>
+              </a:effectLst>
+            </a:endParaRPr>
+          </a:p>
+        </p:txBody>
+      </p:sp>
+      <p:sp>
+        <p:nvSpPr>
+          <p:cNvPr id="104" name="正方形/長方形 103"/>
+          <p:cNvSpPr/>
+          <p:nvPr/>
+        </p:nvSpPr>
+        <p:spPr>
+          <a:xfrm>
+            <a:off x="4371814" y="2139099"/>
+            <a:ext cx="499537" cy="388225"/>
+          </a:xfrm>
+          <a:prstGeom prst="rect">
+            <a:avLst/>
+          </a:prstGeom>
+          <a:noFill/>
+          <a:ln>
+            <a:noFill/>
+          </a:ln>
+        </p:spPr>
+        <p:style>
+          <a:lnRef idx="2">
+            <a:schemeClr val="accent1">
+              <a:shade val="50000"/>
+            </a:schemeClr>
+          </a:lnRef>
+          <a:fillRef idx="1">
+            <a:schemeClr val="accent1"/>
+          </a:fillRef>
+          <a:effectRef idx="0">
+            <a:schemeClr val="accent1"/>
+          </a:effectRef>
+          <a:fontRef idx="minor">
+            <a:schemeClr val="lt1"/>
+          </a:fontRef>
+        </p:style>
+        <p:txBody>
+          <a:bodyPr rtlCol="0" anchor="t"/>
+          <a:lstStyle/>
+          <a:p>
+            <a:r>
+              <a:rPr kumimoji="1" lang="en-US" altLang="ja-JP" sz="2400" dirty="0" smtClean="0">
+                <a:solidFill>
+                  <a:schemeClr val="accent1"/>
+                </a:solidFill>
+                <a:effectLst>
+                  <a:outerShdw blurRad="38100" dist="38100" dir="2700000" algn="tl">
+                    <a:srgbClr val="000000">
+                      <a:alpha val="43137"/>
+                    </a:srgbClr>
+                  </a:outerShdw>
+                </a:effectLst>
+              </a:rPr>
+              <a:t>7</a:t>
+            </a:r>
+            <a:endParaRPr kumimoji="1" lang="ja-JP" altLang="en-US" sz="2400" dirty="0">
+              <a:solidFill>
+                <a:schemeClr val="accent1"/>
+              </a:solidFill>
+              <a:effectLst>
+                <a:outerShdw blurRad="38100" dist="38100" dir="2700000" algn="tl">
+                  <a:srgbClr val="000000">
+                    <a:alpha val="43137"/>
+                  </a:srgbClr>
+                </a:outerShdw>
+              </a:effectLst>
+            </a:endParaRPr>
+          </a:p>
+        </p:txBody>
+      </p:sp>
+      <p:sp>
+        <p:nvSpPr>
+          <p:cNvPr id="105" name="正方形/長方形 104"/>
+          <p:cNvSpPr/>
+          <p:nvPr/>
+        </p:nvSpPr>
+        <p:spPr>
+          <a:xfrm>
+            <a:off x="5822961" y="4402679"/>
+            <a:ext cx="499537" cy="388225"/>
+          </a:xfrm>
+          <a:prstGeom prst="rect">
+            <a:avLst/>
+          </a:prstGeom>
+          <a:noFill/>
+          <a:ln>
+            <a:noFill/>
+          </a:ln>
+        </p:spPr>
+        <p:style>
+          <a:lnRef idx="2">
+            <a:schemeClr val="accent1">
+              <a:shade val="50000"/>
+            </a:schemeClr>
+          </a:lnRef>
+          <a:fillRef idx="1">
+            <a:schemeClr val="accent1"/>
+          </a:fillRef>
+          <a:effectRef idx="0">
+            <a:schemeClr val="accent1"/>
+          </a:effectRef>
+          <a:fontRef idx="minor">
+            <a:schemeClr val="lt1"/>
+          </a:fontRef>
+        </p:style>
+        <p:txBody>
+          <a:bodyPr rtlCol="0" anchor="t"/>
+          <a:lstStyle/>
+          <a:p>
+            <a:endParaRPr kumimoji="1" lang="ja-JP" altLang="en-US" sz="2400" dirty="0">
+              <a:solidFill>
+                <a:schemeClr val="accent6"/>
+              </a:solidFill>
+              <a:effectLst>
+                <a:outerShdw blurRad="38100" dist="38100" dir="2700000" algn="tl">
+                  <a:srgbClr val="000000">
+                    <a:alpha val="43137"/>
+                  </a:srgbClr>
+                </a:outerShdw>
+              </a:effectLst>
+            </a:endParaRPr>
+          </a:p>
+        </p:txBody>
+      </p:sp>
+      <p:cxnSp>
+        <p:nvCxnSpPr>
+          <p:cNvPr id="115" name="直線矢印コネクタ 114"/>
+          <p:cNvCxnSpPr/>
+          <p:nvPr/>
+        </p:nvCxnSpPr>
+        <p:spPr>
+          <a:xfrm flipV="1">
+            <a:off x="654696" y="5240420"/>
+            <a:ext cx="515744" cy="1"/>
+          </a:xfrm>
+          <a:prstGeom prst="straightConnector1">
+            <a:avLst/>
+          </a:prstGeom>
+          <a:ln>
+            <a:tailEnd type="arrow"/>
+          </a:ln>
+        </p:spPr>
+        <p:style>
+          <a:lnRef idx="2">
+            <a:schemeClr val="accent1"/>
+          </a:lnRef>
+          <a:fillRef idx="0">
+            <a:schemeClr val="accent1"/>
+          </a:fillRef>
+          <a:effectRef idx="1">
+            <a:schemeClr val="accent1"/>
+          </a:effectRef>
+          <a:fontRef idx="minor">
+            <a:schemeClr val="tx1"/>
+          </a:fontRef>
+        </p:style>
+      </p:cxnSp>
+      <p:sp>
+        <p:nvSpPr>
+          <p:cNvPr id="120" name="正方形/長方形 119"/>
+          <p:cNvSpPr/>
+          <p:nvPr/>
+        </p:nvSpPr>
+        <p:spPr>
+          <a:xfrm>
+            <a:off x="1170439" y="5055533"/>
+            <a:ext cx="1851064" cy="369776"/>
+          </a:xfrm>
+          <a:prstGeom prst="rect">
+            <a:avLst/>
+          </a:prstGeom>
+          <a:noFill/>
+          <a:ln>
+            <a:noFill/>
+          </a:ln>
+        </p:spPr>
+        <p:style>
+          <a:lnRef idx="2">
+            <a:schemeClr val="accent1">
+              <a:shade val="50000"/>
+            </a:schemeClr>
+          </a:lnRef>
+          <a:fillRef idx="1">
+            <a:schemeClr val="accent1"/>
+          </a:fillRef>
+          <a:effectRef idx="0">
+            <a:schemeClr val="accent1"/>
+          </a:effectRef>
+          <a:fontRef idx="minor">
+            <a:schemeClr val="lt1"/>
+          </a:fontRef>
+        </p:style>
+        <p:txBody>
+          <a:bodyPr rtlCol="0" anchor="t"/>
+          <a:lstStyle/>
+          <a:p>
+            <a:r>
+              <a:rPr kumimoji="1" lang="en-US" altLang="ja-JP" sz="1400" dirty="0" smtClean="0">
+                <a:solidFill>
+                  <a:schemeClr val="tx1"/>
+                </a:solidFill>
+              </a:rPr>
+              <a:t>Normal Operation</a:t>
+            </a:r>
+            <a:endParaRPr kumimoji="1" lang="ja-JP" altLang="en-US" sz="1400" dirty="0">
+              <a:solidFill>
+                <a:schemeClr val="tx1"/>
+              </a:solidFill>
+            </a:endParaRPr>
+          </a:p>
+        </p:txBody>
+      </p:sp>
+      <p:pic>
+        <p:nvPicPr>
+          <p:cNvPr id="55" name="Picture 2"/>
+          <p:cNvPicPr>
+            <a:picLocks noChangeAspect="1" noChangeArrowheads="1"/>
+          </p:cNvPicPr>
+          <p:nvPr/>
+        </p:nvPicPr>
+        <p:blipFill>
+          <a:blip r:embed="rId3"/>
+          <a:srcRect/>
+          <a:stretch>
+            <a:fillRect/>
+          </a:stretch>
+        </p:blipFill>
+        <p:spPr bwMode="auto">
+          <a:xfrm>
+            <a:off x="5434993" y="5072884"/>
+            <a:ext cx="3324225" cy="704850"/>
+          </a:xfrm>
+          <a:prstGeom prst="rect">
+            <a:avLst/>
+          </a:prstGeom>
+          <a:noFill/>
+          <a:ln w="9525">
+            <a:noFill/>
+            <a:miter lim="800000"/>
+            <a:headEnd/>
+            <a:tailEnd/>
+          </a:ln>
+        </p:spPr>
+      </p:pic>
+      <p:sp>
+        <p:nvSpPr>
+          <p:cNvPr id="60" name="正方形/長方形 59"/>
+          <p:cNvSpPr/>
+          <p:nvPr/>
+        </p:nvSpPr>
+        <p:spPr>
+          <a:xfrm>
+            <a:off x="5400107" y="5000314"/>
+            <a:ext cx="3482597" cy="835394"/>
+          </a:xfrm>
+          <a:prstGeom prst="rect">
+            <a:avLst/>
+          </a:prstGeom>
+          <a:noFill/>
+          <a:ln>
+            <a:solidFill>
+              <a:schemeClr val="tx1"/>
+            </a:solidFill>
+          </a:ln>
+        </p:spPr>
+        <p:style>
+          <a:lnRef idx="1">
+            <a:schemeClr val="accent1"/>
+          </a:lnRef>
+          <a:fillRef idx="3">
+            <a:schemeClr val="accent1"/>
+          </a:fillRef>
+          <a:effectRef idx="2">
+            <a:schemeClr val="accent1"/>
+          </a:effectRef>
+          <a:fontRef idx="minor">
+            <a:schemeClr val="lt1"/>
+          </a:fontRef>
+        </p:style>
+        <p:txBody>
+          <a:bodyPr rtlCol="0" anchor="ctr"/>
+          <a:lstStyle/>
+          <a:p>
+            <a:pPr algn="ctr"/>
+            <a:endParaRPr kumimoji="1" lang="ja-JP" altLang="en-US"/>
+          </a:p>
+        </p:txBody>
+      </p:sp>
+      <p:cxnSp>
+        <p:nvCxnSpPr>
+          <p:cNvPr id="67" name="直線矢印コネクタ 66"/>
+          <p:cNvCxnSpPr/>
+          <p:nvPr/>
+        </p:nvCxnSpPr>
+        <p:spPr>
+          <a:xfrm>
+            <a:off x="4724724" y="2110262"/>
+            <a:ext cx="13313" cy="2093248"/>
+          </a:xfrm>
+          <a:prstGeom prst="straightConnector1">
+            <a:avLst/>
+          </a:prstGeom>
+          <a:ln>
+            <a:tailEnd type="arrow"/>
+          </a:ln>
+        </p:spPr>
+        <p:style>
+          <a:lnRef idx="2">
+            <a:schemeClr val="accent1"/>
+          </a:lnRef>
+          <a:fillRef idx="0">
+            <a:schemeClr val="accent1"/>
+          </a:fillRef>
+          <a:effectRef idx="1">
+            <a:schemeClr val="accent1"/>
+          </a:effectRef>
+          <a:fontRef idx="minor">
+            <a:schemeClr val="tx1"/>
+          </a:fontRef>
+        </p:style>
+      </p:cxnSp>
+      <p:sp>
+        <p:nvSpPr>
+          <p:cNvPr id="17" name="メモ 16"/>
+          <p:cNvSpPr/>
+          <p:nvPr/>
+        </p:nvSpPr>
+        <p:spPr>
+          <a:xfrm>
+            <a:off x="4443838" y="4232508"/>
+            <a:ext cx="581562" cy="701269"/>
+          </a:xfrm>
+          <a:prstGeom prst="foldedCorner">
+            <a:avLst/>
+          </a:prstGeom>
+        </p:spPr>
+        <p:style>
+          <a:lnRef idx="1">
+            <a:schemeClr val="accent1"/>
+          </a:lnRef>
+          <a:fillRef idx="3">
+            <a:schemeClr val="accent1"/>
+          </a:fillRef>
+          <a:effectRef idx="2">
+            <a:schemeClr val="accent1"/>
+          </a:effectRef>
+          <a:fontRef idx="minor">
+            <a:schemeClr val="lt1"/>
+          </a:fontRef>
+        </p:style>
+        <p:txBody>
+          <a:bodyPr rtlCol="0" anchor="ctr"/>
+          <a:lstStyle/>
+          <a:p>
+            <a:pPr algn="ctr"/>
+            <a:endParaRPr kumimoji="1" lang="ja-JP" altLang="en-US"/>
+          </a:p>
+        </p:txBody>
+      </p:sp>
+      <p:sp>
+        <p:nvSpPr>
+          <p:cNvPr id="68" name="正方形/長方形 67"/>
+          <p:cNvSpPr/>
+          <p:nvPr/>
+        </p:nvSpPr>
+        <p:spPr>
+          <a:xfrm>
+            <a:off x="4168135" y="3149640"/>
+            <a:ext cx="499537" cy="388225"/>
+          </a:xfrm>
+          <a:prstGeom prst="rect">
+            <a:avLst/>
+          </a:prstGeom>
+          <a:noFill/>
+          <a:ln>
+            <a:noFill/>
+          </a:ln>
+        </p:spPr>
+        <p:style>
+          <a:lnRef idx="2">
+            <a:schemeClr val="accent1">
+              <a:shade val="50000"/>
+            </a:schemeClr>
+          </a:lnRef>
+          <a:fillRef idx="1">
+            <a:schemeClr val="accent1"/>
+          </a:fillRef>
+          <a:effectRef idx="0">
+            <a:schemeClr val="accent1"/>
+          </a:effectRef>
+          <a:fontRef idx="minor">
+            <a:schemeClr val="lt1"/>
+          </a:fontRef>
+        </p:style>
+        <p:txBody>
+          <a:bodyPr rtlCol="0" anchor="t"/>
+          <a:lstStyle/>
+          <a:p>
+            <a:r>
+              <a:rPr lang="en-US" altLang="ja-JP" sz="2400" dirty="0" smtClean="0">
+                <a:solidFill>
+                  <a:schemeClr val="accent1"/>
+                </a:solidFill>
+                <a:effectLst>
+                  <a:outerShdw blurRad="38100" dist="38100" dir="2700000" algn="tl">
+                    <a:srgbClr val="000000">
+                      <a:alpha val="43137"/>
+                    </a:srgbClr>
+                  </a:outerShdw>
+                </a:effectLst>
+              </a:rPr>
+              <a:t>8</a:t>
+            </a:r>
+            <a:endParaRPr kumimoji="1" lang="ja-JP" altLang="en-US" sz="2400" dirty="0">
+              <a:solidFill>
+                <a:schemeClr val="accent1"/>
+              </a:solidFill>
+              <a:effectLst>
+                <a:outerShdw blurRad="38100" dist="38100" dir="2700000" algn="tl">
+                  <a:srgbClr val="000000">
+                    <a:alpha val="43137"/>
+                  </a:srgbClr>
+                </a:outerShdw>
+              </a:effectLst>
+            </a:endParaRPr>
+          </a:p>
+        </p:txBody>
+      </p:sp>
+      <p:sp>
+        <p:nvSpPr>
+          <p:cNvPr id="70" name="正方形/長方形 69"/>
+          <p:cNvSpPr/>
+          <p:nvPr/>
+        </p:nvSpPr>
+        <p:spPr>
+          <a:xfrm>
+            <a:off x="6603633" y="1064337"/>
+            <a:ext cx="499537" cy="388225"/>
+          </a:xfrm>
+          <a:prstGeom prst="rect">
+            <a:avLst/>
+          </a:prstGeom>
+          <a:noFill/>
+          <a:ln>
+            <a:noFill/>
+          </a:ln>
+        </p:spPr>
+        <p:style>
+          <a:lnRef idx="2">
+            <a:schemeClr val="accent1">
+              <a:shade val="50000"/>
+            </a:schemeClr>
+          </a:lnRef>
+          <a:fillRef idx="1">
+            <a:schemeClr val="accent1"/>
+          </a:fillRef>
+          <a:effectRef idx="0">
+            <a:schemeClr val="accent1"/>
+          </a:effectRef>
+          <a:fontRef idx="minor">
+            <a:schemeClr val="lt1"/>
+          </a:fontRef>
+        </p:style>
+        <p:txBody>
+          <a:bodyPr rtlCol="0" anchor="t"/>
+          <a:lstStyle/>
+          <a:p>
+            <a:r>
+              <a:rPr kumimoji="1" lang="en-US" altLang="ja-JP" sz="2400" dirty="0" smtClean="0">
+                <a:solidFill>
+                  <a:schemeClr val="accent1"/>
+                </a:solidFill>
+                <a:effectLst>
+                  <a:outerShdw blurRad="38100" dist="38100" dir="2700000" algn="tl">
+                    <a:srgbClr val="000000">
+                      <a:alpha val="43137"/>
+                    </a:srgbClr>
+                  </a:outerShdw>
+                </a:effectLst>
+              </a:rPr>
+              <a:t>9</a:t>
+            </a:r>
+            <a:endParaRPr kumimoji="1" lang="ja-JP" altLang="en-US" sz="2400" dirty="0">
+              <a:solidFill>
+                <a:schemeClr val="accent1"/>
+              </a:solidFill>
+              <a:effectLst>
+                <a:outerShdw blurRad="38100" dist="38100" dir="2700000" algn="tl">
+                  <a:srgbClr val="000000">
+                    <a:alpha val="43137"/>
+                  </a:srgbClr>
+                </a:outerShdw>
+              </a:effectLst>
+            </a:endParaRPr>
+          </a:p>
+        </p:txBody>
+      </p:sp>
+      <p:sp>
+        <p:nvSpPr>
+          <p:cNvPr id="73" name="正方形/長方形 72"/>
+          <p:cNvSpPr/>
+          <p:nvPr/>
+        </p:nvSpPr>
+        <p:spPr>
+          <a:xfrm>
+            <a:off x="6647917" y="4360499"/>
+            <a:ext cx="499537" cy="388225"/>
+          </a:xfrm>
+          <a:prstGeom prst="rect">
+            <a:avLst/>
+          </a:prstGeom>
+          <a:noFill/>
+          <a:ln>
+            <a:noFill/>
+          </a:ln>
+        </p:spPr>
+        <p:style>
+          <a:lnRef idx="2">
+            <a:schemeClr val="accent1">
+              <a:shade val="50000"/>
+            </a:schemeClr>
+          </a:lnRef>
+          <a:fillRef idx="1">
+            <a:schemeClr val="accent1"/>
+          </a:fillRef>
+          <a:effectRef idx="0">
+            <a:schemeClr val="accent1"/>
+          </a:effectRef>
+          <a:fontRef idx="minor">
+            <a:schemeClr val="lt1"/>
+          </a:fontRef>
+        </p:style>
+        <p:txBody>
+          <a:bodyPr rtlCol="0" anchor="t"/>
+          <a:lstStyle/>
+          <a:p>
+            <a:r>
+              <a:rPr lang="en-US" altLang="ja-JP" sz="2400" dirty="0">
+                <a:solidFill>
+                  <a:schemeClr val="accent1"/>
+                </a:solidFill>
+                <a:effectLst>
+                  <a:outerShdw blurRad="38100" dist="38100" dir="2700000" algn="tl">
+                    <a:srgbClr val="000000">
+                      <a:alpha val="43137"/>
+                    </a:srgbClr>
+                  </a:outerShdw>
+                </a:effectLst>
+              </a:rPr>
+              <a:t>10</a:t>
+            </a:r>
+            <a:endParaRPr kumimoji="1" lang="ja-JP" altLang="en-US" sz="2400" dirty="0">
+              <a:solidFill>
+                <a:schemeClr val="accent1"/>
+              </a:solidFill>
+              <a:effectLst>
+                <a:outerShdw blurRad="38100" dist="38100" dir="2700000" algn="tl">
+                  <a:srgbClr val="000000">
+                    <a:alpha val="43137"/>
+                  </a:srgbClr>
+                </a:outerShdw>
+              </a:effectLst>
+            </a:endParaRPr>
+          </a:p>
+        </p:txBody>
+      </p:sp>
+      <p:cxnSp>
+        <p:nvCxnSpPr>
+          <p:cNvPr id="74" name="直線矢印コネクタ 73"/>
+          <p:cNvCxnSpPr/>
+          <p:nvPr/>
+        </p:nvCxnSpPr>
+        <p:spPr>
+          <a:xfrm flipV="1">
+            <a:off x="4101357" y="2084463"/>
+            <a:ext cx="2027060" cy="1238328"/>
+          </a:xfrm>
+          <a:prstGeom prst="straightConnector1">
+            <a:avLst/>
+          </a:prstGeom>
+          <a:ln>
+            <a:tailEnd type="arrow"/>
+          </a:ln>
+        </p:spPr>
+        <p:style>
+          <a:lnRef idx="2">
+            <a:schemeClr val="accent1"/>
+          </a:lnRef>
+          <a:fillRef idx="0">
+            <a:schemeClr val="accent1"/>
+          </a:fillRef>
+          <a:effectRef idx="1">
+            <a:schemeClr val="accent1"/>
+          </a:effectRef>
+          <a:fontRef idx="minor">
+            <a:schemeClr val="tx1"/>
+          </a:fontRef>
+        </p:style>
+      </p:cxnSp>
+      <p:cxnSp>
+        <p:nvCxnSpPr>
+          <p:cNvPr id="83" name="直線矢印コネクタ 82"/>
+          <p:cNvCxnSpPr/>
+          <p:nvPr/>
+        </p:nvCxnSpPr>
+        <p:spPr>
+          <a:xfrm>
+            <a:off x="6563405" y="2090882"/>
+            <a:ext cx="39100" cy="2844597"/>
+          </a:xfrm>
+          <a:prstGeom prst="straightConnector1">
+            <a:avLst/>
+          </a:prstGeom>
+          <a:ln>
+            <a:tailEnd type="arrow"/>
+          </a:ln>
+        </p:spPr>
+        <p:style>
+          <a:lnRef idx="2">
+            <a:schemeClr val="accent1"/>
+          </a:lnRef>
+          <a:fillRef idx="0">
+            <a:schemeClr val="accent1"/>
+          </a:fillRef>
+          <a:effectRef idx="1">
+            <a:schemeClr val="accent1"/>
+          </a:effectRef>
+          <a:fontRef idx="minor">
+            <a:schemeClr val="tx1"/>
+          </a:fontRef>
+        </p:style>
+      </p:cxnSp>
+      <p:sp>
+        <p:nvSpPr>
+          <p:cNvPr id="52" name="星 24 51"/>
+          <p:cNvSpPr/>
+          <p:nvPr/>
+        </p:nvSpPr>
+        <p:spPr>
+          <a:xfrm>
+            <a:off x="5904695" y="2219325"/>
+            <a:ext cx="1283044" cy="949441"/>
+          </a:xfrm>
+          <a:prstGeom prst="star24">
+            <a:avLst/>
+          </a:prstGeom>
+          <a:ln/>
+        </p:spPr>
+        <p:style>
+          <a:lnRef idx="1">
+            <a:schemeClr val="accent6"/>
+          </a:lnRef>
+          <a:fillRef idx="3">
+            <a:schemeClr val="accent6"/>
+          </a:fillRef>
+          <a:effectRef idx="2">
+            <a:schemeClr val="accent6"/>
+          </a:effectRef>
+          <a:fontRef idx="minor">
+            <a:schemeClr val="lt1"/>
+          </a:fontRef>
+        </p:style>
+        <p:txBody>
+          <a:bodyPr rtlCol="0" anchor="ctr"/>
+          <a:lstStyle/>
+          <a:p>
+            <a:pPr algn="ctr"/>
+            <a:endParaRPr kumimoji="1" lang="ja-JP" altLang="en-US" dirty="0"/>
+          </a:p>
+        </p:txBody>
+      </p:sp>
+      <p:sp>
+        <p:nvSpPr>
+          <p:cNvPr id="53" name="正方形/長方形 52"/>
+          <p:cNvSpPr/>
+          <p:nvPr/>
+        </p:nvSpPr>
+        <p:spPr>
+          <a:xfrm>
+            <a:off x="6102719" y="2348197"/>
+            <a:ext cx="938299" cy="590550"/>
+          </a:xfrm>
+          <a:prstGeom prst="rect">
+            <a:avLst/>
+          </a:prstGeom>
+          <a:noFill/>
+          <a:ln>
+            <a:noFill/>
+          </a:ln>
+        </p:spPr>
+        <p:style>
+          <a:lnRef idx="2">
+            <a:schemeClr val="accent1">
+              <a:shade val="50000"/>
+            </a:schemeClr>
+          </a:lnRef>
+          <a:fillRef idx="1">
+            <a:schemeClr val="accent1"/>
+          </a:fillRef>
+          <a:effectRef idx="0">
+            <a:schemeClr val="accent1"/>
+          </a:effectRef>
+          <a:fontRef idx="minor">
+            <a:schemeClr val="lt1"/>
+          </a:fontRef>
+        </p:style>
+        <p:txBody>
+          <a:bodyPr rtlCol="0" anchor="t"/>
+          <a:lstStyle/>
+          <a:p>
+            <a:pPr algn="ctr"/>
+            <a:r>
+              <a:rPr kumimoji="1" lang="en-US" altLang="ja-JP" sz="2000" b="1" dirty="0" smtClean="0">
+                <a:solidFill>
+                  <a:srgbClr val="FF0000"/>
+                </a:solidFill>
+              </a:rPr>
+              <a:t>Token</a:t>
+            </a:r>
+          </a:p>
+          <a:p>
+            <a:pPr algn="ctr"/>
+            <a:r>
+              <a:rPr kumimoji="1" lang="en-US" altLang="ja-JP" sz="2000" b="1" dirty="0" smtClean="0">
+                <a:solidFill>
+                  <a:srgbClr val="FF0000"/>
+                </a:solidFill>
+              </a:rPr>
+              <a:t> Error</a:t>
+            </a:r>
+            <a:endParaRPr kumimoji="1" lang="ja-JP" altLang="en-US" sz="2000" b="1" dirty="0">
+              <a:solidFill>
+                <a:srgbClr val="FF0000"/>
+              </a:solidFill>
+            </a:endParaRPr>
+          </a:p>
+        </p:txBody>
+      </p:sp>
+      <p:sp>
+        <p:nvSpPr>
+          <p:cNvPr id="85" name="正方形/長方形 84"/>
+          <p:cNvSpPr/>
+          <p:nvPr/>
+        </p:nvSpPr>
+        <p:spPr>
+          <a:xfrm>
+            <a:off x="1106844" y="1479363"/>
+            <a:ext cx="1334434" cy="369776"/>
+          </a:xfrm>
+          <a:prstGeom prst="rect">
+            <a:avLst/>
+          </a:prstGeom>
+          <a:noFill/>
+          <a:ln>
+            <a:noFill/>
+          </a:ln>
+        </p:spPr>
+        <p:style>
+          <a:lnRef idx="2">
+            <a:schemeClr val="accent1">
+              <a:shade val="50000"/>
+            </a:schemeClr>
+          </a:lnRef>
+          <a:fillRef idx="1">
+            <a:schemeClr val="accent1"/>
+          </a:fillRef>
+          <a:effectRef idx="0">
+            <a:schemeClr val="accent1"/>
+          </a:effectRef>
+          <a:fontRef idx="minor">
+            <a:schemeClr val="lt1"/>
+          </a:fontRef>
+        </p:style>
+        <p:txBody>
+          <a:bodyPr rtlCol="0" anchor="t"/>
+          <a:lstStyle>
+            <a:defPPr>
+              <a:defRPr lang="ja-JP"/>
+            </a:defPPr>
+            <a:lvl1pPr marL="0" algn="l" defTabSz="457200" rtl="0" eaLnBrk="1" latinLnBrk="0" hangingPunct="1">
+              <a:defRPr kumimoji="1" sz="1800" kern="1200">
+                <a:solidFill>
+                  <a:schemeClr val="lt1"/>
+                </a:solidFill>
+                <a:latin typeface="+mn-lt"/>
+                <a:ea typeface="+mn-ea"/>
+                <a:cs typeface="+mn-cs"/>
+              </a:defRPr>
+            </a:lvl1pPr>
+            <a:lvl2pPr marL="457200" algn="l" defTabSz="457200" rtl="0" eaLnBrk="1" latinLnBrk="0" hangingPunct="1">
+              <a:defRPr kumimoji="1" sz="1800" kern="1200">
+                <a:solidFill>
+                  <a:schemeClr val="lt1"/>
+                </a:solidFill>
+                <a:latin typeface="+mn-lt"/>
+                <a:ea typeface="+mn-ea"/>
+                <a:cs typeface="+mn-cs"/>
+              </a:defRPr>
+            </a:lvl2pPr>
+            <a:lvl3pPr marL="914400" algn="l" defTabSz="457200" rtl="0" eaLnBrk="1" latinLnBrk="0" hangingPunct="1">
+              <a:defRPr kumimoji="1" sz="1800" kern="1200">
+                <a:solidFill>
+                  <a:schemeClr val="lt1"/>
+                </a:solidFill>
+                <a:latin typeface="+mn-lt"/>
+                <a:ea typeface="+mn-ea"/>
+                <a:cs typeface="+mn-cs"/>
+              </a:defRPr>
+            </a:lvl3pPr>
+            <a:lvl4pPr marL="1371600" algn="l" defTabSz="457200" rtl="0" eaLnBrk="1" latinLnBrk="0" hangingPunct="1">
+              <a:defRPr kumimoji="1" sz="1800" kern="1200">
+                <a:solidFill>
+                  <a:schemeClr val="lt1"/>
+                </a:solidFill>
+                <a:latin typeface="+mn-lt"/>
+                <a:ea typeface="+mn-ea"/>
+                <a:cs typeface="+mn-cs"/>
+              </a:defRPr>
+            </a:lvl4pPr>
+            <a:lvl5pPr marL="1828800" algn="l" defTabSz="457200" rtl="0" eaLnBrk="1" latinLnBrk="0" hangingPunct="1">
+              <a:defRPr kumimoji="1" sz="1800" kern="1200">
+                <a:solidFill>
+                  <a:schemeClr val="lt1"/>
+                </a:solidFill>
+                <a:latin typeface="+mn-lt"/>
+                <a:ea typeface="+mn-ea"/>
+                <a:cs typeface="+mn-cs"/>
+              </a:defRPr>
+            </a:lvl5pPr>
+            <a:lvl6pPr marL="2286000" algn="l" defTabSz="457200" rtl="0" eaLnBrk="1" latinLnBrk="0" hangingPunct="1">
+              <a:defRPr kumimoji="1" sz="1800" kern="1200">
+                <a:solidFill>
+                  <a:schemeClr val="lt1"/>
+                </a:solidFill>
+                <a:latin typeface="+mn-lt"/>
+                <a:ea typeface="+mn-ea"/>
+                <a:cs typeface="+mn-cs"/>
+              </a:defRPr>
+            </a:lvl6pPr>
+            <a:lvl7pPr marL="2743200" algn="l" defTabSz="457200" rtl="0" eaLnBrk="1" latinLnBrk="0" hangingPunct="1">
+              <a:defRPr kumimoji="1" sz="1800" kern="1200">
+                <a:solidFill>
+                  <a:schemeClr val="lt1"/>
+                </a:solidFill>
+                <a:latin typeface="+mn-lt"/>
+                <a:ea typeface="+mn-ea"/>
+                <a:cs typeface="+mn-cs"/>
+              </a:defRPr>
+            </a:lvl7pPr>
+            <a:lvl8pPr marL="3200400" algn="l" defTabSz="457200" rtl="0" eaLnBrk="1" latinLnBrk="0" hangingPunct="1">
+              <a:defRPr kumimoji="1" sz="1800" kern="1200">
+                <a:solidFill>
+                  <a:schemeClr val="lt1"/>
+                </a:solidFill>
+                <a:latin typeface="+mn-lt"/>
+                <a:ea typeface="+mn-ea"/>
+                <a:cs typeface="+mn-cs"/>
+              </a:defRPr>
+            </a:lvl8pPr>
+            <a:lvl9pPr marL="3657600" algn="l" defTabSz="457200" rtl="0" eaLnBrk="1" latinLnBrk="0" hangingPunct="1">
+              <a:defRPr kumimoji="1" sz="1800" kern="1200">
+                <a:solidFill>
+                  <a:schemeClr val="lt1"/>
+                </a:solidFill>
+                <a:latin typeface="+mn-lt"/>
+                <a:ea typeface="+mn-ea"/>
+                <a:cs typeface="+mn-cs"/>
+              </a:defRPr>
+            </a:lvl9pPr>
+          </a:lstStyle>
+          <a:p>
+            <a:r>
+              <a:rPr kumimoji="1" lang="en-US" altLang="ja-JP" sz="1400" dirty="0" smtClean="0">
+                <a:solidFill>
+                  <a:schemeClr val="tx1"/>
+                </a:solidFill>
+              </a:rPr>
+              <a:t>Type=BEGIN</a:t>
+            </a:r>
+            <a:endParaRPr kumimoji="1" lang="ja-JP" altLang="en-US" sz="1400" dirty="0">
+              <a:solidFill>
+                <a:schemeClr val="tx1"/>
+              </a:solidFill>
+            </a:endParaRPr>
+          </a:p>
+        </p:txBody>
+      </p:sp>
+      <p:sp>
+        <p:nvSpPr>
+          <p:cNvPr id="86" name="正方形/長方形 85"/>
+          <p:cNvSpPr/>
+          <p:nvPr/>
+        </p:nvSpPr>
+        <p:spPr>
+          <a:xfrm>
+            <a:off x="3550748" y="1483343"/>
+            <a:ext cx="1334434" cy="369776"/>
+          </a:xfrm>
+          <a:prstGeom prst="rect">
+            <a:avLst/>
+          </a:prstGeom>
+          <a:noFill/>
+          <a:ln>
+            <a:noFill/>
+          </a:ln>
+        </p:spPr>
+        <p:style>
+          <a:lnRef idx="2">
+            <a:schemeClr val="accent1">
+              <a:shade val="50000"/>
+            </a:schemeClr>
+          </a:lnRef>
+          <a:fillRef idx="1">
+            <a:schemeClr val="accent1"/>
+          </a:fillRef>
+          <a:effectRef idx="0">
+            <a:schemeClr val="accent1"/>
+          </a:effectRef>
+          <a:fontRef idx="minor">
+            <a:schemeClr val="lt1"/>
+          </a:fontRef>
+        </p:style>
+        <p:txBody>
+          <a:bodyPr rtlCol="0" anchor="t"/>
+          <a:lstStyle>
+            <a:defPPr>
+              <a:defRPr lang="ja-JP"/>
+            </a:defPPr>
+            <a:lvl1pPr marL="0" algn="l" defTabSz="457200" rtl="0" eaLnBrk="1" latinLnBrk="0" hangingPunct="1">
+              <a:defRPr kumimoji="1" sz="1800" kern="1200">
+                <a:solidFill>
+                  <a:schemeClr val="lt1"/>
+                </a:solidFill>
+                <a:latin typeface="+mn-lt"/>
+                <a:ea typeface="+mn-ea"/>
+                <a:cs typeface="+mn-cs"/>
+              </a:defRPr>
+            </a:lvl1pPr>
+            <a:lvl2pPr marL="457200" algn="l" defTabSz="457200" rtl="0" eaLnBrk="1" latinLnBrk="0" hangingPunct="1">
+              <a:defRPr kumimoji="1" sz="1800" kern="1200">
+                <a:solidFill>
+                  <a:schemeClr val="lt1"/>
+                </a:solidFill>
+                <a:latin typeface="+mn-lt"/>
+                <a:ea typeface="+mn-ea"/>
+                <a:cs typeface="+mn-cs"/>
+              </a:defRPr>
+            </a:lvl2pPr>
+            <a:lvl3pPr marL="914400" algn="l" defTabSz="457200" rtl="0" eaLnBrk="1" latinLnBrk="0" hangingPunct="1">
+              <a:defRPr kumimoji="1" sz="1800" kern="1200">
+                <a:solidFill>
+                  <a:schemeClr val="lt1"/>
+                </a:solidFill>
+                <a:latin typeface="+mn-lt"/>
+                <a:ea typeface="+mn-ea"/>
+                <a:cs typeface="+mn-cs"/>
+              </a:defRPr>
+            </a:lvl3pPr>
+            <a:lvl4pPr marL="1371600" algn="l" defTabSz="457200" rtl="0" eaLnBrk="1" latinLnBrk="0" hangingPunct="1">
+              <a:defRPr kumimoji="1" sz="1800" kern="1200">
+                <a:solidFill>
+                  <a:schemeClr val="lt1"/>
+                </a:solidFill>
+                <a:latin typeface="+mn-lt"/>
+                <a:ea typeface="+mn-ea"/>
+                <a:cs typeface="+mn-cs"/>
+              </a:defRPr>
+            </a:lvl4pPr>
+            <a:lvl5pPr marL="1828800" algn="l" defTabSz="457200" rtl="0" eaLnBrk="1" latinLnBrk="0" hangingPunct="1">
+              <a:defRPr kumimoji="1" sz="1800" kern="1200">
+                <a:solidFill>
+                  <a:schemeClr val="lt1"/>
+                </a:solidFill>
+                <a:latin typeface="+mn-lt"/>
+                <a:ea typeface="+mn-ea"/>
+                <a:cs typeface="+mn-cs"/>
+              </a:defRPr>
+            </a:lvl5pPr>
+            <a:lvl6pPr marL="2286000" algn="l" defTabSz="457200" rtl="0" eaLnBrk="1" latinLnBrk="0" hangingPunct="1">
+              <a:defRPr kumimoji="1" sz="1800" kern="1200">
+                <a:solidFill>
+                  <a:schemeClr val="lt1"/>
+                </a:solidFill>
+                <a:latin typeface="+mn-lt"/>
+                <a:ea typeface="+mn-ea"/>
+                <a:cs typeface="+mn-cs"/>
+              </a:defRPr>
+            </a:lvl6pPr>
+            <a:lvl7pPr marL="2743200" algn="l" defTabSz="457200" rtl="0" eaLnBrk="1" latinLnBrk="0" hangingPunct="1">
+              <a:defRPr kumimoji="1" sz="1800" kern="1200">
+                <a:solidFill>
+                  <a:schemeClr val="lt1"/>
+                </a:solidFill>
+                <a:latin typeface="+mn-lt"/>
+                <a:ea typeface="+mn-ea"/>
+                <a:cs typeface="+mn-cs"/>
+              </a:defRPr>
+            </a:lvl7pPr>
+            <a:lvl8pPr marL="3200400" algn="l" defTabSz="457200" rtl="0" eaLnBrk="1" latinLnBrk="0" hangingPunct="1">
+              <a:defRPr kumimoji="1" sz="1800" kern="1200">
+                <a:solidFill>
+                  <a:schemeClr val="lt1"/>
+                </a:solidFill>
+                <a:latin typeface="+mn-lt"/>
+                <a:ea typeface="+mn-ea"/>
+                <a:cs typeface="+mn-cs"/>
+              </a:defRPr>
+            </a:lvl8pPr>
+            <a:lvl9pPr marL="3657600" algn="l" defTabSz="457200" rtl="0" eaLnBrk="1" latinLnBrk="0" hangingPunct="1">
+              <a:defRPr kumimoji="1" sz="1800" kern="1200">
+                <a:solidFill>
+                  <a:schemeClr val="lt1"/>
+                </a:solidFill>
+                <a:latin typeface="+mn-lt"/>
+                <a:ea typeface="+mn-ea"/>
+                <a:cs typeface="+mn-cs"/>
+              </a:defRPr>
+            </a:lvl9pPr>
+          </a:lstStyle>
+          <a:p>
+            <a:r>
+              <a:rPr kumimoji="1" lang="en-US" altLang="ja-JP" sz="1400" dirty="0" smtClean="0">
+                <a:solidFill>
+                  <a:schemeClr val="tx1"/>
+                </a:solidFill>
+              </a:rPr>
+              <a:t>Type=</a:t>
+            </a:r>
+            <a:r>
+              <a:rPr kumimoji="1" lang="en-US" altLang="ja-JP" sz="1400" dirty="0" smtClean="0">
+                <a:solidFill>
+                  <a:srgbClr val="FF0000"/>
+                </a:solidFill>
+              </a:rPr>
+              <a:t>IN</a:t>
+            </a:r>
+            <a:endParaRPr kumimoji="1" lang="ja-JP" altLang="en-US" sz="1400" dirty="0">
+              <a:solidFill>
+                <a:srgbClr val="FF0000"/>
+              </a:solidFill>
+            </a:endParaRPr>
+          </a:p>
+        </p:txBody>
+      </p:sp>
+      <p:sp>
+        <p:nvSpPr>
+          <p:cNvPr id="87" name="正方形/長方形 86"/>
+          <p:cNvSpPr/>
+          <p:nvPr/>
+        </p:nvSpPr>
+        <p:spPr>
+          <a:xfrm>
+            <a:off x="5803943" y="1508815"/>
+            <a:ext cx="1334434" cy="369776"/>
+          </a:xfrm>
+          <a:prstGeom prst="rect">
+            <a:avLst/>
+          </a:prstGeom>
+          <a:noFill/>
+          <a:ln>
+            <a:noFill/>
+          </a:ln>
+        </p:spPr>
+        <p:style>
+          <a:lnRef idx="2">
+            <a:schemeClr val="accent1">
+              <a:shade val="50000"/>
+            </a:schemeClr>
+          </a:lnRef>
+          <a:fillRef idx="1">
+            <a:schemeClr val="accent1"/>
+          </a:fillRef>
+          <a:effectRef idx="0">
+            <a:schemeClr val="accent1"/>
+          </a:effectRef>
+          <a:fontRef idx="minor">
+            <a:schemeClr val="lt1"/>
+          </a:fontRef>
+        </p:style>
+        <p:txBody>
+          <a:bodyPr rtlCol="0" anchor="t"/>
+          <a:lstStyle>
+            <a:defPPr>
+              <a:defRPr lang="ja-JP"/>
+            </a:defPPr>
+            <a:lvl1pPr marL="0" algn="l" defTabSz="457200" rtl="0" eaLnBrk="1" latinLnBrk="0" hangingPunct="1">
+              <a:defRPr kumimoji="1" sz="1800" kern="1200">
+                <a:solidFill>
+                  <a:schemeClr val="lt1"/>
+                </a:solidFill>
+                <a:latin typeface="+mn-lt"/>
+                <a:ea typeface="+mn-ea"/>
+                <a:cs typeface="+mn-cs"/>
+              </a:defRPr>
+            </a:lvl1pPr>
+            <a:lvl2pPr marL="457200" algn="l" defTabSz="457200" rtl="0" eaLnBrk="1" latinLnBrk="0" hangingPunct="1">
+              <a:defRPr kumimoji="1" sz="1800" kern="1200">
+                <a:solidFill>
+                  <a:schemeClr val="lt1"/>
+                </a:solidFill>
+                <a:latin typeface="+mn-lt"/>
+                <a:ea typeface="+mn-ea"/>
+                <a:cs typeface="+mn-cs"/>
+              </a:defRPr>
+            </a:lvl2pPr>
+            <a:lvl3pPr marL="914400" algn="l" defTabSz="457200" rtl="0" eaLnBrk="1" latinLnBrk="0" hangingPunct="1">
+              <a:defRPr kumimoji="1" sz="1800" kern="1200">
+                <a:solidFill>
+                  <a:schemeClr val="lt1"/>
+                </a:solidFill>
+                <a:latin typeface="+mn-lt"/>
+                <a:ea typeface="+mn-ea"/>
+                <a:cs typeface="+mn-cs"/>
+              </a:defRPr>
+            </a:lvl3pPr>
+            <a:lvl4pPr marL="1371600" algn="l" defTabSz="457200" rtl="0" eaLnBrk="1" latinLnBrk="0" hangingPunct="1">
+              <a:defRPr kumimoji="1" sz="1800" kern="1200">
+                <a:solidFill>
+                  <a:schemeClr val="lt1"/>
+                </a:solidFill>
+                <a:latin typeface="+mn-lt"/>
+                <a:ea typeface="+mn-ea"/>
+                <a:cs typeface="+mn-cs"/>
+              </a:defRPr>
+            </a:lvl4pPr>
+            <a:lvl5pPr marL="1828800" algn="l" defTabSz="457200" rtl="0" eaLnBrk="1" latinLnBrk="0" hangingPunct="1">
+              <a:defRPr kumimoji="1" sz="1800" kern="1200">
+                <a:solidFill>
+                  <a:schemeClr val="lt1"/>
+                </a:solidFill>
+                <a:latin typeface="+mn-lt"/>
+                <a:ea typeface="+mn-ea"/>
+                <a:cs typeface="+mn-cs"/>
+              </a:defRPr>
+            </a:lvl5pPr>
+            <a:lvl6pPr marL="2286000" algn="l" defTabSz="457200" rtl="0" eaLnBrk="1" latinLnBrk="0" hangingPunct="1">
+              <a:defRPr kumimoji="1" sz="1800" kern="1200">
+                <a:solidFill>
+                  <a:schemeClr val="lt1"/>
+                </a:solidFill>
+                <a:latin typeface="+mn-lt"/>
+                <a:ea typeface="+mn-ea"/>
+                <a:cs typeface="+mn-cs"/>
+              </a:defRPr>
+            </a:lvl6pPr>
+            <a:lvl7pPr marL="2743200" algn="l" defTabSz="457200" rtl="0" eaLnBrk="1" latinLnBrk="0" hangingPunct="1">
+              <a:defRPr kumimoji="1" sz="1800" kern="1200">
+                <a:solidFill>
+                  <a:schemeClr val="lt1"/>
+                </a:solidFill>
+                <a:latin typeface="+mn-lt"/>
+                <a:ea typeface="+mn-ea"/>
+                <a:cs typeface="+mn-cs"/>
+              </a:defRPr>
+            </a:lvl7pPr>
+            <a:lvl8pPr marL="3200400" algn="l" defTabSz="457200" rtl="0" eaLnBrk="1" latinLnBrk="0" hangingPunct="1">
+              <a:defRPr kumimoji="1" sz="1800" kern="1200">
+                <a:solidFill>
+                  <a:schemeClr val="lt1"/>
+                </a:solidFill>
+                <a:latin typeface="+mn-lt"/>
+                <a:ea typeface="+mn-ea"/>
+                <a:cs typeface="+mn-cs"/>
+              </a:defRPr>
+            </a:lvl8pPr>
+            <a:lvl9pPr marL="3657600" algn="l" defTabSz="457200" rtl="0" eaLnBrk="1" latinLnBrk="0" hangingPunct="1">
+              <a:defRPr kumimoji="1" sz="1800" kern="1200">
+                <a:solidFill>
+                  <a:schemeClr val="lt1"/>
+                </a:solidFill>
+                <a:latin typeface="+mn-lt"/>
+                <a:ea typeface="+mn-ea"/>
+                <a:cs typeface="+mn-cs"/>
+              </a:defRPr>
+            </a:lvl9pPr>
+          </a:lstStyle>
+          <a:p>
+            <a:r>
+              <a:rPr kumimoji="1" lang="en-US" altLang="ja-JP" sz="1400" dirty="0" smtClean="0">
+                <a:solidFill>
+                  <a:schemeClr val="tx1"/>
+                </a:solidFill>
+              </a:rPr>
+              <a:t>Type=IN</a:t>
+            </a:r>
+            <a:endParaRPr kumimoji="1" lang="ja-JP" altLang="en-US" sz="1400" dirty="0">
+              <a:solidFill>
+                <a:schemeClr val="tx1"/>
+              </a:solidFill>
+            </a:endParaRPr>
+          </a:p>
+        </p:txBody>
+      </p:sp>
+      <p:sp>
+        <p:nvSpPr>
+          <p:cNvPr id="88" name="正方形/長方形 87"/>
+          <p:cNvSpPr/>
+          <p:nvPr/>
+        </p:nvSpPr>
+        <p:spPr>
+          <a:xfrm>
+            <a:off x="4746061" y="3877789"/>
+            <a:ext cx="1851064" cy="369776"/>
+          </a:xfrm>
+          <a:prstGeom prst="rect">
+            <a:avLst/>
+          </a:prstGeom>
+          <a:noFill/>
+          <a:ln>
+            <a:noFill/>
+          </a:ln>
+        </p:spPr>
+        <p:style>
+          <a:lnRef idx="2">
+            <a:schemeClr val="accent1">
+              <a:shade val="50000"/>
+            </a:schemeClr>
+          </a:lnRef>
+          <a:fillRef idx="1">
+            <a:schemeClr val="accent1"/>
+          </a:fillRef>
+          <a:effectRef idx="0">
+            <a:schemeClr val="accent1"/>
+          </a:effectRef>
+          <a:fontRef idx="minor">
+            <a:schemeClr val="lt1"/>
+          </a:fontRef>
+        </p:style>
+        <p:txBody>
+          <a:bodyPr rtlCol="0" anchor="t"/>
+          <a:lstStyle/>
+          <a:p>
+            <a:r>
+              <a:rPr lang="en-US" altLang="ja-JP" sz="1400" dirty="0" smtClean="0">
+                <a:solidFill>
+                  <a:schemeClr val="tx1"/>
+                </a:solidFill>
+              </a:rPr>
+              <a:t>File Download</a:t>
+            </a:r>
+            <a:endParaRPr kumimoji="1" lang="ja-JP" altLang="en-US" sz="1400" dirty="0">
+              <a:solidFill>
+                <a:schemeClr val="tx1"/>
+              </a:solidFill>
+            </a:endParaRPr>
+          </a:p>
+        </p:txBody>
+      </p:sp>
+    </p:spTree>
+    <p:extLst>
+      <p:ext uri="{BB962C8B-B14F-4D97-AF65-F5344CB8AC3E}">
+        <p14:creationId xmlns:p14="http://schemas.microsoft.com/office/powerpoint/2010/main" val="630852059"/>
+      </p:ext>
+    </p:extLst>
+  </p:cSld>
+  <p:clrMapOvr>
+    <a:masterClrMapping/>
+  </p:clrMapOvr>
+  <p:timing>
+    <p:tnLst>
+      <p:par>
+        <p:cTn id="1" dur="indefinite" restart="never" nodeType="tmRoot"/>
+      </p:par>
+    </p:tnLst>
+  </p:timing>
+</p:sld>
+</file>
+
+<file path=ppt/slides/slide23.xml><?xml version="1.0" encoding="utf-8"?>
+<p:sld xmlns:a="http://schemas.openxmlformats.org/drawingml/2006/main" xmlns:r="http://schemas.openxmlformats.org/officeDocument/2006/relationships" xmlns:p="http://schemas.openxmlformats.org/presentationml/2006/main">
+  <p:cSld>
+    <p:spTree>
+      <p:nvGrpSpPr>
+        <p:cNvPr id="1" name=""/>
+        <p:cNvGrpSpPr/>
+        <p:nvPr/>
+      </p:nvGrpSpPr>
+      <p:grpSpPr>
+        <a:xfrm>
+          <a:off x="0" y="0"/>
+          <a:ext cx="0" cy="0"/>
+          <a:chOff x="0" y="0"/>
+          <a:chExt cx="0" cy="0"/>
+        </a:xfrm>
+      </p:grpSpPr>
+      <p:pic>
+        <p:nvPicPr>
+          <p:cNvPr id="4" name="Picture 6" descr="http://designleaves.y-com.info/images/material/f_icon/prettyxbrowser_p24_bl_nl_l.png"/>
+          <p:cNvPicPr>
+            <a:picLocks noChangeAspect="1" noChangeArrowheads="1"/>
+          </p:cNvPicPr>
+          <p:nvPr/>
+        </p:nvPicPr>
+        <p:blipFill>
+          <a:blip r:embed="rId2"/>
+          <a:srcRect/>
+          <a:stretch>
+            <a:fillRect/>
+          </a:stretch>
+        </p:blipFill>
+        <p:spPr bwMode="auto">
+          <a:xfrm>
+            <a:off x="397848" y="2564789"/>
+            <a:ext cx="1717300" cy="1962181"/>
+          </a:xfrm>
+          <a:prstGeom prst="rect">
+            <a:avLst/>
+          </a:prstGeom>
+          <a:noFill/>
+        </p:spPr>
+      </p:pic>
+      <p:pic>
+        <p:nvPicPr>
+          <p:cNvPr id="5" name="Picture 6" descr="http://designleaves.y-com.info/images/material/f_icon/prettyxbrowser_p24_bl_nl_l.png"/>
+          <p:cNvPicPr>
+            <a:picLocks noChangeAspect="1" noChangeArrowheads="1"/>
+          </p:cNvPicPr>
+          <p:nvPr/>
+        </p:nvPicPr>
+        <p:blipFill>
+          <a:blip r:embed="rId2"/>
+          <a:srcRect/>
+          <a:stretch>
+            <a:fillRect/>
+          </a:stretch>
+        </p:blipFill>
+        <p:spPr bwMode="auto">
+          <a:xfrm>
+            <a:off x="2535285" y="2564789"/>
+            <a:ext cx="1717300" cy="1969811"/>
+          </a:xfrm>
+          <a:prstGeom prst="rect">
+            <a:avLst/>
+          </a:prstGeom>
+          <a:noFill/>
+        </p:spPr>
+      </p:pic>
+      <p:sp>
+        <p:nvSpPr>
+          <p:cNvPr id="9" name="正方形/長方形 8"/>
+          <p:cNvSpPr/>
+          <p:nvPr/>
+        </p:nvSpPr>
+        <p:spPr>
+          <a:xfrm>
+            <a:off x="2741209" y="3387727"/>
+            <a:ext cx="1319457" cy="622818"/>
+          </a:xfrm>
+          <a:prstGeom prst="rect">
+            <a:avLst/>
+          </a:prstGeom>
+          <a:noFill/>
+          <a:ln>
+            <a:noFill/>
+          </a:ln>
+        </p:spPr>
+        <p:style>
+          <a:lnRef idx="2">
+            <a:schemeClr val="accent1">
+              <a:shade val="50000"/>
+            </a:schemeClr>
+          </a:lnRef>
+          <a:fillRef idx="1">
+            <a:schemeClr val="accent1"/>
+          </a:fillRef>
+          <a:effectRef idx="0">
+            <a:schemeClr val="accent1"/>
+          </a:effectRef>
+          <a:fontRef idx="minor">
+            <a:schemeClr val="lt1"/>
+          </a:fontRef>
+        </p:style>
+        <p:txBody>
+          <a:bodyPr rtlCol="0" anchor="t"/>
+          <a:lstStyle/>
+          <a:p>
+            <a:pPr algn="ctr"/>
+            <a:r>
+              <a:rPr lang="en-US" altLang="ja-JP" sz="1400" dirty="0" smtClean="0">
+                <a:solidFill>
+                  <a:schemeClr val="tx1"/>
+                </a:solidFill>
+              </a:rPr>
+              <a:t>hidden "token001"</a:t>
+            </a:r>
+          </a:p>
+        </p:txBody>
+      </p:sp>
+      <p:sp>
+        <p:nvSpPr>
+          <p:cNvPr id="43" name="正方形/長方形 42"/>
+          <p:cNvSpPr/>
+          <p:nvPr/>
+        </p:nvSpPr>
+        <p:spPr>
+          <a:xfrm>
+            <a:off x="397848" y="2708746"/>
+            <a:ext cx="997892" cy="369776"/>
+          </a:xfrm>
+          <a:prstGeom prst="rect">
+            <a:avLst/>
+          </a:prstGeom>
+          <a:noFill/>
+          <a:ln>
+            <a:noFill/>
+          </a:ln>
+        </p:spPr>
+        <p:style>
+          <a:lnRef idx="2">
+            <a:schemeClr val="accent1">
+              <a:shade val="50000"/>
+            </a:schemeClr>
+          </a:lnRef>
+          <a:fillRef idx="1">
+            <a:schemeClr val="accent1"/>
+          </a:fillRef>
+          <a:effectRef idx="0">
+            <a:schemeClr val="accent1"/>
+          </a:effectRef>
+          <a:fontRef idx="minor">
+            <a:schemeClr val="lt1"/>
+          </a:fontRef>
+        </p:style>
+        <p:txBody>
+          <a:bodyPr rtlCol="0" anchor="t"/>
+          <a:lstStyle/>
+          <a:p>
+            <a:r>
+              <a:rPr kumimoji="1" lang="en-US" altLang="ja-JP" sz="1400" dirty="0" smtClean="0">
+                <a:solidFill>
+                  <a:schemeClr val="tx1"/>
+                </a:solidFill>
+              </a:rPr>
+              <a:t>Screen1</a:t>
+            </a:r>
+            <a:endParaRPr kumimoji="1" lang="ja-JP" altLang="en-US" sz="1400" dirty="0">
+              <a:solidFill>
+                <a:schemeClr val="tx1"/>
+              </a:solidFill>
+            </a:endParaRPr>
+          </a:p>
+        </p:txBody>
+      </p:sp>
+      <p:sp>
+        <p:nvSpPr>
+          <p:cNvPr id="57" name="正方形/長方形 56"/>
+          <p:cNvSpPr/>
+          <p:nvPr/>
+        </p:nvSpPr>
+        <p:spPr>
+          <a:xfrm>
+            <a:off x="2310957" y="2708746"/>
+            <a:ext cx="997892" cy="369776"/>
+          </a:xfrm>
+          <a:prstGeom prst="rect">
+            <a:avLst/>
+          </a:prstGeom>
+          <a:noFill/>
+          <a:ln>
+            <a:noFill/>
+          </a:ln>
+        </p:spPr>
+        <p:style>
+          <a:lnRef idx="2">
+            <a:schemeClr val="accent1">
+              <a:shade val="50000"/>
+            </a:schemeClr>
+          </a:lnRef>
+          <a:fillRef idx="1">
+            <a:schemeClr val="accent1"/>
+          </a:fillRef>
+          <a:effectRef idx="0">
+            <a:schemeClr val="accent1"/>
+          </a:effectRef>
+          <a:fontRef idx="minor">
+            <a:schemeClr val="lt1"/>
+          </a:fontRef>
+        </p:style>
+        <p:txBody>
+          <a:bodyPr rtlCol="0" anchor="t"/>
+          <a:lstStyle/>
+          <a:p>
+            <a:r>
+              <a:rPr kumimoji="1" lang="en-US" altLang="ja-JP" sz="1400" dirty="0" smtClean="0">
+                <a:solidFill>
+                  <a:schemeClr val="tx1"/>
+                </a:solidFill>
+              </a:rPr>
+              <a:t>Screen2</a:t>
+            </a:r>
+            <a:endParaRPr kumimoji="1" lang="ja-JP" altLang="en-US" sz="1400" dirty="0">
+              <a:solidFill>
+                <a:schemeClr val="tx1"/>
+              </a:solidFill>
+            </a:endParaRPr>
+          </a:p>
+        </p:txBody>
+      </p:sp>
+      <p:sp>
+        <p:nvSpPr>
+          <p:cNvPr id="58" name="正方形/長方形 57"/>
+          <p:cNvSpPr/>
+          <p:nvPr/>
+        </p:nvSpPr>
+        <p:spPr>
+          <a:xfrm>
+            <a:off x="7210253" y="2644037"/>
+            <a:ext cx="997892" cy="369776"/>
+          </a:xfrm>
+          <a:prstGeom prst="rect">
+            <a:avLst/>
+          </a:prstGeom>
+          <a:noFill/>
+          <a:ln>
+            <a:noFill/>
+          </a:ln>
+        </p:spPr>
+        <p:style>
+          <a:lnRef idx="2">
+            <a:schemeClr val="accent1">
+              <a:shade val="50000"/>
+            </a:schemeClr>
+          </a:lnRef>
+          <a:fillRef idx="1">
+            <a:schemeClr val="accent1"/>
+          </a:fillRef>
+          <a:effectRef idx="0">
+            <a:schemeClr val="accent1"/>
+          </a:effectRef>
+          <a:fontRef idx="minor">
+            <a:schemeClr val="lt1"/>
+          </a:fontRef>
+        </p:style>
+        <p:txBody>
+          <a:bodyPr rtlCol="0" anchor="t"/>
+          <a:lstStyle/>
+          <a:p>
+            <a:r>
+              <a:rPr kumimoji="1" lang="en-US" altLang="ja-JP" sz="1400" dirty="0" smtClean="0">
+                <a:solidFill>
+                  <a:schemeClr val="tx1"/>
+                </a:solidFill>
+              </a:rPr>
+              <a:t>Screen3</a:t>
+            </a:r>
+            <a:endParaRPr kumimoji="1" lang="ja-JP" altLang="en-US" sz="1400" dirty="0">
+              <a:solidFill>
+                <a:schemeClr val="tx1"/>
+              </a:solidFill>
+            </a:endParaRPr>
+          </a:p>
+        </p:txBody>
+      </p:sp>
+      <p:pic>
+        <p:nvPicPr>
+          <p:cNvPr id="69" name="Picture 6" descr="http://designleaves.y-com.info/images/material/f_icon/prettyxbrowser_p24_bl_nl_l.png"/>
+          <p:cNvPicPr>
+            <a:picLocks noChangeAspect="1" noChangeArrowheads="1"/>
+          </p:cNvPicPr>
+          <p:nvPr/>
+        </p:nvPicPr>
+        <p:blipFill>
+          <a:blip r:embed="rId2"/>
+          <a:srcRect/>
+          <a:stretch>
+            <a:fillRect/>
+          </a:stretch>
+        </p:blipFill>
+        <p:spPr bwMode="auto">
+          <a:xfrm>
+            <a:off x="7228885" y="2527324"/>
+            <a:ext cx="1717300" cy="1969811"/>
+          </a:xfrm>
+          <a:prstGeom prst="rect">
+            <a:avLst/>
+          </a:prstGeom>
+          <a:noFill/>
+        </p:spPr>
+      </p:pic>
+      <p:sp>
+        <p:nvSpPr>
+          <p:cNvPr id="71" name="右矢印 70"/>
+          <p:cNvSpPr/>
+          <p:nvPr/>
+        </p:nvSpPr>
+        <p:spPr>
+          <a:xfrm>
+            <a:off x="2115148" y="3549904"/>
+            <a:ext cx="502025" cy="228600"/>
+          </a:xfrm>
+          <a:prstGeom prst="rightArrow">
+            <a:avLst/>
+          </a:prstGeom>
+        </p:spPr>
+        <p:style>
+          <a:lnRef idx="1">
+            <a:schemeClr val="accent1"/>
+          </a:lnRef>
+          <a:fillRef idx="3">
+            <a:schemeClr val="accent1"/>
+          </a:fillRef>
+          <a:effectRef idx="2">
+            <a:schemeClr val="accent1"/>
+          </a:effectRef>
+          <a:fontRef idx="minor">
+            <a:schemeClr val="lt1"/>
+          </a:fontRef>
+        </p:style>
+        <p:txBody>
+          <a:bodyPr rtlCol="0" anchor="ctr"/>
+          <a:lstStyle/>
+          <a:p>
+            <a:pPr algn="ctr"/>
+            <a:endParaRPr kumimoji="1" lang="ja-JP" altLang="en-US" dirty="0"/>
+          </a:p>
+        </p:txBody>
+      </p:sp>
+      <p:sp>
+        <p:nvSpPr>
+          <p:cNvPr id="76" name="ストライプ矢印 75"/>
+          <p:cNvSpPr/>
+          <p:nvPr/>
+        </p:nvSpPr>
+        <p:spPr>
+          <a:xfrm>
+            <a:off x="4911815" y="3512229"/>
+            <a:ext cx="2249871" cy="278334"/>
+          </a:xfrm>
+          <a:prstGeom prst="stripedRightArrow">
+            <a:avLst/>
+          </a:prstGeom>
+          <a:ln>
+            <a:prstDash val="solid"/>
+          </a:ln>
+        </p:spPr>
+        <p:style>
+          <a:lnRef idx="1">
+            <a:schemeClr val="accent1"/>
+          </a:lnRef>
+          <a:fillRef idx="3">
+            <a:schemeClr val="accent1"/>
+          </a:fillRef>
+          <a:effectRef idx="2">
+            <a:schemeClr val="accent1"/>
+          </a:effectRef>
+          <a:fontRef idx="minor">
+            <a:schemeClr val="lt1"/>
+          </a:fontRef>
+        </p:style>
+        <p:txBody>
+          <a:bodyPr rtlCol="0" anchor="ctr"/>
+          <a:lstStyle/>
+          <a:p>
+            <a:pPr algn="ctr"/>
+            <a:endParaRPr kumimoji="1" lang="ja-JP" altLang="en-US" dirty="0"/>
+          </a:p>
+        </p:txBody>
+      </p:sp>
+      <p:sp>
+        <p:nvSpPr>
+          <p:cNvPr id="77" name="正方形/長方形 76"/>
+          <p:cNvSpPr/>
+          <p:nvPr/>
+        </p:nvSpPr>
+        <p:spPr>
+          <a:xfrm>
+            <a:off x="304800" y="704850"/>
+            <a:ext cx="8553450" cy="1514475"/>
+          </a:xfrm>
+          <a:prstGeom prst="rect">
+            <a:avLst/>
+          </a:prstGeom>
+        </p:spPr>
+        <p:style>
+          <a:lnRef idx="1">
+            <a:schemeClr val="accent4"/>
+          </a:lnRef>
+          <a:fillRef idx="2">
+            <a:schemeClr val="accent4"/>
+          </a:fillRef>
+          <a:effectRef idx="1">
+            <a:schemeClr val="accent4"/>
+          </a:effectRef>
+          <a:fontRef idx="minor">
+            <a:schemeClr val="dk1"/>
+          </a:fontRef>
+        </p:style>
+        <p:txBody>
+          <a:bodyPr rtlCol="0" anchor="t"/>
+          <a:lstStyle/>
+          <a:p>
+            <a:r>
+              <a:rPr kumimoji="1" lang="en-US" altLang="ja-JP" dirty="0" smtClean="0"/>
+              <a:t>Server</a:t>
+            </a:r>
+            <a:endParaRPr kumimoji="1" lang="ja-JP" altLang="en-US" dirty="0"/>
+          </a:p>
+        </p:txBody>
+      </p:sp>
+      <p:sp>
+        <p:nvSpPr>
+          <p:cNvPr id="78" name="フローチャート : 内部記憶 77"/>
+          <p:cNvSpPr/>
+          <p:nvPr/>
+        </p:nvSpPr>
+        <p:spPr>
+          <a:xfrm>
+            <a:off x="2500402" y="847725"/>
+            <a:ext cx="1181371" cy="285750"/>
+          </a:xfrm>
+          <a:prstGeom prst="flowChartInternalStorage">
+            <a:avLst/>
+          </a:prstGeom>
+        </p:spPr>
+        <p:style>
+          <a:lnRef idx="1">
+            <a:schemeClr val="accent5"/>
+          </a:lnRef>
+          <a:fillRef idx="2">
+            <a:schemeClr val="accent5"/>
+          </a:fillRef>
+          <a:effectRef idx="1">
+            <a:schemeClr val="accent5"/>
+          </a:effectRef>
+          <a:fontRef idx="minor">
+            <a:schemeClr val="dk1"/>
+          </a:fontRef>
+        </p:style>
+        <p:txBody>
+          <a:bodyPr rtlCol="0" anchor="ctr"/>
+          <a:lstStyle/>
+          <a:p>
+            <a:pPr algn="ctr"/>
+            <a:r>
+              <a:rPr kumimoji="1" lang="en-US" altLang="ja-JP" sz="1600" dirty="0" smtClean="0"/>
+              <a:t>token001</a:t>
+            </a:r>
+            <a:endParaRPr kumimoji="1" lang="ja-JP" altLang="en-US" sz="1600" dirty="0"/>
+          </a:p>
+        </p:txBody>
+      </p:sp>
+      <p:sp>
+        <p:nvSpPr>
+          <p:cNvPr id="79" name="フローチャート : 定義済み処理 78"/>
+          <p:cNvSpPr/>
+          <p:nvPr/>
+        </p:nvSpPr>
+        <p:spPr>
+          <a:xfrm>
+            <a:off x="1174870" y="1552575"/>
+            <a:ext cx="1574425" cy="457200"/>
+          </a:xfrm>
+          <a:prstGeom prst="flowChartPredefinedProcess">
+            <a:avLst/>
+          </a:prstGeom>
+        </p:spPr>
+        <p:style>
+          <a:lnRef idx="1">
+            <a:schemeClr val="accent3"/>
+          </a:lnRef>
+          <a:fillRef idx="3">
+            <a:schemeClr val="accent3"/>
+          </a:fillRef>
+          <a:effectRef idx="2">
+            <a:schemeClr val="accent3"/>
+          </a:effectRef>
+          <a:fontRef idx="minor">
+            <a:schemeClr val="lt1"/>
+          </a:fontRef>
+        </p:style>
+        <p:txBody>
+          <a:bodyPr rtlCol="0" anchor="ctr"/>
+          <a:lstStyle/>
+          <a:p>
+            <a:pPr algn="ctr"/>
+            <a:r>
+              <a:rPr lang="en-US" altLang="ja-JP" dirty="0" smtClean="0">
+                <a:solidFill>
+                  <a:schemeClr val="tx1"/>
+                </a:solidFill>
+              </a:rPr>
+              <a:t>a</a:t>
+            </a:r>
+            <a:r>
+              <a:rPr kumimoji="1" lang="en-US" altLang="ja-JP" dirty="0" smtClean="0">
+                <a:solidFill>
+                  <a:schemeClr val="tx1"/>
+                </a:solidFill>
+              </a:rPr>
+              <a:t>aa()</a:t>
+            </a:r>
+            <a:endParaRPr kumimoji="1" lang="ja-JP" altLang="en-US" dirty="0">
+              <a:solidFill>
+                <a:schemeClr val="tx1"/>
+              </a:solidFill>
+            </a:endParaRPr>
+          </a:p>
+        </p:txBody>
+      </p:sp>
+      <p:sp>
+        <p:nvSpPr>
+          <p:cNvPr id="80" name="フローチャート : 内部記憶 79"/>
+          <p:cNvSpPr/>
+          <p:nvPr/>
+        </p:nvSpPr>
+        <p:spPr>
+          <a:xfrm>
+            <a:off x="4911814" y="847725"/>
+            <a:ext cx="1266825" cy="285750"/>
+          </a:xfrm>
+          <a:prstGeom prst="flowChartInternalStorage">
+            <a:avLst/>
+          </a:prstGeom>
+        </p:spPr>
+        <p:style>
+          <a:lnRef idx="1">
+            <a:schemeClr val="accent5"/>
+          </a:lnRef>
+          <a:fillRef idx="2">
+            <a:schemeClr val="accent5"/>
+          </a:fillRef>
+          <a:effectRef idx="1">
+            <a:schemeClr val="accent5"/>
+          </a:effectRef>
+          <a:fontRef idx="minor">
+            <a:schemeClr val="dk1"/>
+          </a:fontRef>
+        </p:style>
+        <p:txBody>
+          <a:bodyPr rtlCol="0" anchor="ctr"/>
+          <a:lstStyle/>
+          <a:p>
+            <a:pPr algn="ctr"/>
+            <a:r>
+              <a:rPr kumimoji="1" lang="en-US" altLang="ja-JP" sz="1600" dirty="0" smtClean="0">
+                <a:solidFill>
+                  <a:srgbClr val="FF0000"/>
+                </a:solidFill>
+              </a:rPr>
+              <a:t>token001</a:t>
+            </a:r>
+            <a:endParaRPr kumimoji="1" lang="ja-JP" altLang="en-US" sz="1600" dirty="0">
+              <a:solidFill>
+                <a:srgbClr val="FF0000"/>
+              </a:solidFill>
+            </a:endParaRPr>
+          </a:p>
+        </p:txBody>
+      </p:sp>
+      <p:sp>
+        <p:nvSpPr>
+          <p:cNvPr id="81" name="フローチャート : 定義済み処理 80"/>
+          <p:cNvSpPr/>
+          <p:nvPr/>
+        </p:nvSpPr>
+        <p:spPr>
+          <a:xfrm>
+            <a:off x="3596291" y="1552575"/>
+            <a:ext cx="1574425" cy="457200"/>
+          </a:xfrm>
+          <a:prstGeom prst="flowChartPredefinedProcess">
+            <a:avLst/>
+          </a:prstGeom>
+        </p:spPr>
+        <p:style>
+          <a:lnRef idx="1">
+            <a:schemeClr val="accent3"/>
+          </a:lnRef>
+          <a:fillRef idx="3">
+            <a:schemeClr val="accent3"/>
+          </a:fillRef>
+          <a:effectRef idx="2">
+            <a:schemeClr val="accent3"/>
+          </a:effectRef>
+          <a:fontRef idx="minor">
+            <a:schemeClr val="lt1"/>
+          </a:fontRef>
+        </p:style>
+        <p:txBody>
+          <a:bodyPr rtlCol="0" anchor="ctr"/>
+          <a:lstStyle/>
+          <a:p>
+            <a:pPr algn="ctr"/>
+            <a:r>
+              <a:rPr kumimoji="1" lang="en-US" altLang="ja-JP" dirty="0" smtClean="0">
+                <a:solidFill>
+                  <a:schemeClr val="tx1"/>
+                </a:solidFill>
+              </a:rPr>
+              <a:t>bbb()</a:t>
+            </a:r>
+            <a:endParaRPr kumimoji="1" lang="ja-JP" altLang="en-US" dirty="0">
+              <a:solidFill>
+                <a:schemeClr val="tx1"/>
+              </a:solidFill>
+            </a:endParaRPr>
+          </a:p>
+        </p:txBody>
+      </p:sp>
+      <p:sp>
+        <p:nvSpPr>
+          <p:cNvPr id="82" name="フローチャート : 定義済み処理 81"/>
+          <p:cNvSpPr/>
+          <p:nvPr/>
+        </p:nvSpPr>
+        <p:spPr>
+          <a:xfrm>
+            <a:off x="5871729" y="1552575"/>
+            <a:ext cx="1574425" cy="457200"/>
+          </a:xfrm>
+          <a:prstGeom prst="flowChartPredefinedProcess">
+            <a:avLst/>
+          </a:prstGeom>
+          <a:ln w="19050">
+            <a:prstDash val="solid"/>
+          </a:ln>
+        </p:spPr>
+        <p:style>
+          <a:lnRef idx="1">
+            <a:schemeClr val="accent3"/>
+          </a:lnRef>
+          <a:fillRef idx="3">
+            <a:schemeClr val="accent3"/>
+          </a:fillRef>
+          <a:effectRef idx="2">
+            <a:schemeClr val="accent3"/>
+          </a:effectRef>
+          <a:fontRef idx="minor">
+            <a:schemeClr val="lt1"/>
+          </a:fontRef>
+        </p:style>
+        <p:txBody>
+          <a:bodyPr rtlCol="0" anchor="ctr"/>
+          <a:lstStyle/>
+          <a:p>
+            <a:pPr algn="ctr"/>
+            <a:r>
+              <a:rPr lang="en-US" altLang="ja-JP" dirty="0" smtClean="0">
+                <a:solidFill>
+                  <a:schemeClr val="tx1"/>
+                </a:solidFill>
+              </a:rPr>
+              <a:t>c</a:t>
+            </a:r>
+            <a:r>
+              <a:rPr kumimoji="1" lang="en-US" altLang="ja-JP" dirty="0" smtClean="0">
+                <a:solidFill>
+                  <a:schemeClr val="tx1"/>
+                </a:solidFill>
+              </a:rPr>
+              <a:t>cc()</a:t>
+            </a:r>
+            <a:endParaRPr kumimoji="1" lang="ja-JP" altLang="en-US" dirty="0">
+              <a:solidFill>
+                <a:schemeClr val="tx1"/>
+              </a:solidFill>
+            </a:endParaRPr>
+          </a:p>
+        </p:txBody>
+      </p:sp>
+      <p:sp>
+        <p:nvSpPr>
+          <p:cNvPr id="38" name="正方形/長方形 37"/>
+          <p:cNvSpPr/>
+          <p:nvPr/>
+        </p:nvSpPr>
+        <p:spPr>
+          <a:xfrm>
+            <a:off x="7437081" y="3352795"/>
+            <a:ext cx="1319457" cy="622818"/>
+          </a:xfrm>
+          <a:prstGeom prst="rect">
+            <a:avLst/>
+          </a:prstGeom>
+          <a:noFill/>
+          <a:ln>
+            <a:noFill/>
+          </a:ln>
+        </p:spPr>
+        <p:style>
+          <a:lnRef idx="2">
+            <a:schemeClr val="accent1">
+              <a:shade val="50000"/>
+            </a:schemeClr>
+          </a:lnRef>
+          <a:fillRef idx="1">
+            <a:schemeClr val="accent1"/>
+          </a:fillRef>
+          <a:effectRef idx="0">
+            <a:schemeClr val="accent1"/>
+          </a:effectRef>
+          <a:fontRef idx="minor">
+            <a:schemeClr val="lt1"/>
+          </a:fontRef>
+        </p:style>
+        <p:txBody>
+          <a:bodyPr rtlCol="0" anchor="t"/>
+          <a:lstStyle/>
+          <a:p>
+            <a:pPr algn="ctr"/>
+            <a:endParaRPr lang="en-US" altLang="ja-JP" sz="1400" dirty="0" smtClean="0">
+              <a:solidFill>
+                <a:schemeClr val="tx1"/>
+              </a:solidFill>
+            </a:endParaRPr>
+          </a:p>
+        </p:txBody>
+      </p:sp>
+      <p:cxnSp>
+        <p:nvCxnSpPr>
+          <p:cNvPr id="84" name="直線矢印コネクタ 83"/>
+          <p:cNvCxnSpPr/>
+          <p:nvPr/>
+        </p:nvCxnSpPr>
+        <p:spPr>
+          <a:xfrm flipV="1">
+            <a:off x="3595490" y="2061763"/>
+            <a:ext cx="483353" cy="1016760"/>
+          </a:xfrm>
+          <a:prstGeom prst="straightConnector1">
+            <a:avLst/>
+          </a:prstGeom>
+          <a:ln>
+            <a:tailEnd type="arrow"/>
+          </a:ln>
+        </p:spPr>
+        <p:style>
+          <a:lnRef idx="2">
+            <a:schemeClr val="accent1"/>
+          </a:lnRef>
+          <a:fillRef idx="0">
+            <a:schemeClr val="accent1"/>
+          </a:fillRef>
+          <a:effectRef idx="1">
+            <a:schemeClr val="accent1"/>
+          </a:effectRef>
+          <a:fontRef idx="minor">
+            <a:schemeClr val="tx1"/>
+          </a:fontRef>
+        </p:style>
+      </p:cxnSp>
+      <p:cxnSp>
+        <p:nvCxnSpPr>
+          <p:cNvPr id="26" name="直線矢印コネクタ 25"/>
+          <p:cNvCxnSpPr>
+            <a:stCxn id="79" idx="0"/>
+            <a:endCxn id="78" idx="1"/>
+          </p:cNvCxnSpPr>
+          <p:nvPr/>
+        </p:nvCxnSpPr>
+        <p:spPr>
+          <a:xfrm rot="5400000" flipH="1" flipV="1">
+            <a:off x="1950255" y="1002429"/>
+            <a:ext cx="561975" cy="538319"/>
+          </a:xfrm>
+          <a:prstGeom prst="curvedConnector2">
+            <a:avLst/>
+          </a:prstGeom>
+          <a:ln>
+            <a:tailEnd type="arrow"/>
+          </a:ln>
+        </p:spPr>
+        <p:style>
+          <a:lnRef idx="2">
+            <a:schemeClr val="accent1"/>
+          </a:lnRef>
+          <a:fillRef idx="0">
+            <a:schemeClr val="accent1"/>
+          </a:fillRef>
+          <a:effectRef idx="1">
+            <a:schemeClr val="accent1"/>
+          </a:effectRef>
+          <a:fontRef idx="minor">
+            <a:schemeClr val="tx1"/>
+          </a:fontRef>
+        </p:style>
+      </p:cxnSp>
+      <p:cxnSp>
+        <p:nvCxnSpPr>
+          <p:cNvPr id="28" name="直線矢印コネクタ 27"/>
+          <p:cNvCxnSpPr/>
+          <p:nvPr/>
+        </p:nvCxnSpPr>
+        <p:spPr>
+          <a:xfrm>
+            <a:off x="2265528" y="2011361"/>
+            <a:ext cx="887105" cy="963294"/>
+          </a:xfrm>
+          <a:prstGeom prst="straightConnector1">
+            <a:avLst/>
+          </a:prstGeom>
+          <a:ln>
+            <a:tailEnd type="arrow"/>
+          </a:ln>
+        </p:spPr>
+        <p:style>
+          <a:lnRef idx="2">
+            <a:schemeClr val="accent1"/>
+          </a:lnRef>
+          <a:fillRef idx="0">
+            <a:schemeClr val="accent1"/>
+          </a:fillRef>
+          <a:effectRef idx="1">
+            <a:schemeClr val="accent1"/>
+          </a:effectRef>
+          <a:fontRef idx="minor">
+            <a:schemeClr val="tx1"/>
+          </a:fontRef>
+        </p:style>
+      </p:cxnSp>
+      <p:cxnSp>
+        <p:nvCxnSpPr>
+          <p:cNvPr id="30" name="直線矢印コネクタ 29"/>
+          <p:cNvCxnSpPr/>
+          <p:nvPr/>
+        </p:nvCxnSpPr>
+        <p:spPr>
+          <a:xfrm flipV="1">
+            <a:off x="1170440" y="2011361"/>
+            <a:ext cx="562826" cy="1067162"/>
+          </a:xfrm>
+          <a:prstGeom prst="straightConnector1">
+            <a:avLst/>
+          </a:prstGeom>
+          <a:ln>
+            <a:tailEnd type="arrow"/>
+          </a:ln>
+        </p:spPr>
+        <p:style>
+          <a:lnRef idx="2">
+            <a:schemeClr val="accent1"/>
+          </a:lnRef>
+          <a:fillRef idx="0">
+            <a:schemeClr val="accent1"/>
+          </a:fillRef>
+          <a:effectRef idx="1">
+            <a:schemeClr val="accent1"/>
+          </a:effectRef>
+          <a:fontRef idx="minor">
+            <a:schemeClr val="tx1"/>
+          </a:fontRef>
+        </p:style>
+      </p:cxnSp>
+      <p:cxnSp>
+        <p:nvCxnSpPr>
+          <p:cNvPr id="32" name="図形 31"/>
+          <p:cNvCxnSpPr>
+            <a:stCxn id="78" idx="3"/>
+          </p:cNvCxnSpPr>
+          <p:nvPr/>
+        </p:nvCxnSpPr>
+        <p:spPr>
+          <a:xfrm>
+            <a:off x="3681773" y="990600"/>
+            <a:ext cx="471671" cy="561978"/>
+          </a:xfrm>
+          <a:prstGeom prst="curvedConnector2">
+            <a:avLst/>
+          </a:prstGeom>
+          <a:ln>
+            <a:tailEnd type="arrow"/>
+          </a:ln>
+        </p:spPr>
+        <p:style>
+          <a:lnRef idx="2">
+            <a:schemeClr val="accent1"/>
+          </a:lnRef>
+          <a:fillRef idx="0">
+            <a:schemeClr val="accent1"/>
+          </a:fillRef>
+          <a:effectRef idx="1">
+            <a:schemeClr val="accent1"/>
+          </a:effectRef>
+          <a:fontRef idx="minor">
+            <a:schemeClr val="tx1"/>
+          </a:fontRef>
+        </p:style>
+      </p:cxnSp>
+      <p:cxnSp>
+        <p:nvCxnSpPr>
+          <p:cNvPr id="39" name="直線矢印コネクタ 38"/>
+          <p:cNvCxnSpPr>
+            <a:stCxn id="81" idx="0"/>
+            <a:endCxn id="80" idx="1"/>
+          </p:cNvCxnSpPr>
+          <p:nvPr/>
+        </p:nvCxnSpPr>
+        <p:spPr>
+          <a:xfrm rot="5400000" flipH="1" flipV="1">
+            <a:off x="4366672" y="1007433"/>
+            <a:ext cx="561975" cy="528310"/>
+          </a:xfrm>
+          <a:prstGeom prst="curvedConnector2">
+            <a:avLst/>
+          </a:prstGeom>
+          <a:ln>
+            <a:tailEnd type="arrow"/>
+          </a:ln>
+        </p:spPr>
+        <p:style>
+          <a:lnRef idx="2">
+            <a:schemeClr val="accent1"/>
+          </a:lnRef>
+          <a:fillRef idx="0">
+            <a:schemeClr val="accent1"/>
+          </a:fillRef>
+          <a:effectRef idx="1">
+            <a:schemeClr val="accent1"/>
+          </a:effectRef>
+          <a:fontRef idx="minor">
+            <a:schemeClr val="tx1"/>
+          </a:fontRef>
+        </p:style>
+      </p:cxnSp>
+      <p:cxnSp>
+        <p:nvCxnSpPr>
+          <p:cNvPr id="42" name="図形 41"/>
+          <p:cNvCxnSpPr>
+            <a:stCxn id="80" idx="3"/>
+            <a:endCxn id="82" idx="0"/>
+          </p:cNvCxnSpPr>
+          <p:nvPr/>
+        </p:nvCxnSpPr>
+        <p:spPr>
+          <a:xfrm>
+            <a:off x="6178639" y="990600"/>
+            <a:ext cx="480303" cy="561975"/>
+          </a:xfrm>
+          <a:prstGeom prst="curvedConnector2">
+            <a:avLst/>
+          </a:prstGeom>
+          <a:ln>
+            <a:prstDash val="solid"/>
+            <a:tailEnd type="arrow"/>
+          </a:ln>
+        </p:spPr>
+        <p:style>
+          <a:lnRef idx="2">
+            <a:schemeClr val="accent1"/>
+          </a:lnRef>
+          <a:fillRef idx="0">
+            <a:schemeClr val="accent1"/>
+          </a:fillRef>
+          <a:effectRef idx="1">
+            <a:schemeClr val="accent1"/>
+          </a:effectRef>
+          <a:fontRef idx="minor">
+            <a:schemeClr val="tx1"/>
+          </a:fontRef>
+        </p:style>
+      </p:cxnSp>
+      <p:cxnSp>
+        <p:nvCxnSpPr>
+          <p:cNvPr id="49" name="直線矢印コネクタ 48"/>
+          <p:cNvCxnSpPr/>
+          <p:nvPr/>
+        </p:nvCxnSpPr>
+        <p:spPr>
+          <a:xfrm>
+            <a:off x="7133200" y="2061763"/>
+            <a:ext cx="967720" cy="849211"/>
+          </a:xfrm>
+          <a:prstGeom prst="straightConnector1">
+            <a:avLst/>
+          </a:prstGeom>
+          <a:ln>
+            <a:prstDash val="solid"/>
+            <a:tailEnd type="arrow"/>
+          </a:ln>
+        </p:spPr>
+        <p:style>
+          <a:lnRef idx="2">
+            <a:schemeClr val="accent1"/>
+          </a:lnRef>
+          <a:fillRef idx="0">
+            <a:schemeClr val="accent1"/>
+          </a:fillRef>
+          <a:effectRef idx="1">
+            <a:schemeClr val="accent1"/>
+          </a:effectRef>
+          <a:fontRef idx="minor">
+            <a:schemeClr val="tx1"/>
+          </a:fontRef>
+        </p:style>
+      </p:cxnSp>
+      <p:sp>
+        <p:nvSpPr>
+          <p:cNvPr id="56" name="右矢印 55"/>
+          <p:cNvSpPr/>
+          <p:nvPr/>
+        </p:nvSpPr>
+        <p:spPr>
+          <a:xfrm>
+            <a:off x="4004070" y="889635"/>
+            <a:ext cx="502025" cy="228600"/>
+          </a:xfrm>
+          <a:prstGeom prst="rightArrow">
+            <a:avLst/>
+          </a:prstGeom>
+        </p:spPr>
+        <p:style>
+          <a:lnRef idx="1">
+            <a:schemeClr val="accent5"/>
+          </a:lnRef>
+          <a:fillRef idx="2">
+            <a:schemeClr val="accent5"/>
+          </a:fillRef>
+          <a:effectRef idx="1">
+            <a:schemeClr val="accent5"/>
+          </a:effectRef>
+          <a:fontRef idx="minor">
+            <a:schemeClr val="dk1"/>
+          </a:fontRef>
+        </p:style>
+        <p:txBody>
+          <a:bodyPr rtlCol="0" anchor="ctr"/>
+          <a:lstStyle/>
+          <a:p>
+            <a:pPr algn="ctr"/>
+            <a:endParaRPr kumimoji="1" lang="ja-JP" altLang="en-US" dirty="0"/>
+          </a:p>
+        </p:txBody>
+      </p:sp>
+      <p:sp>
+        <p:nvSpPr>
+          <p:cNvPr id="59" name="右矢印 58"/>
+          <p:cNvSpPr/>
+          <p:nvPr/>
+        </p:nvSpPr>
+        <p:spPr>
+          <a:xfrm>
+            <a:off x="6597125" y="876301"/>
+            <a:ext cx="502025" cy="228600"/>
+          </a:xfrm>
+          <a:prstGeom prst="rightArrow">
+            <a:avLst/>
+          </a:prstGeom>
+          <a:ln>
+            <a:prstDash val="solid"/>
+          </a:ln>
+        </p:spPr>
+        <p:style>
+          <a:lnRef idx="1">
+            <a:schemeClr val="accent5"/>
+          </a:lnRef>
+          <a:fillRef idx="2">
+            <a:schemeClr val="accent5"/>
+          </a:fillRef>
+          <a:effectRef idx="1">
+            <a:schemeClr val="accent5"/>
+          </a:effectRef>
+          <a:fontRef idx="minor">
+            <a:schemeClr val="dk1"/>
+          </a:fontRef>
+        </p:style>
+        <p:txBody>
+          <a:bodyPr rtlCol="0" anchor="ctr"/>
+          <a:lstStyle/>
+          <a:p>
+            <a:pPr algn="ctr"/>
+            <a:endParaRPr kumimoji="1" lang="ja-JP" altLang="en-US" dirty="0"/>
+          </a:p>
+        </p:txBody>
+      </p:sp>
+      <p:sp>
+        <p:nvSpPr>
+          <p:cNvPr id="101" name="正方形/長方形 100"/>
+          <p:cNvSpPr/>
+          <p:nvPr/>
+        </p:nvSpPr>
+        <p:spPr>
+          <a:xfrm>
+            <a:off x="3825841" y="2312516"/>
+            <a:ext cx="499537" cy="388225"/>
+          </a:xfrm>
+          <a:prstGeom prst="rect">
+            <a:avLst/>
+          </a:prstGeom>
+          <a:noFill/>
+          <a:ln>
+            <a:noFill/>
+          </a:ln>
+        </p:spPr>
+        <p:style>
+          <a:lnRef idx="2">
+            <a:schemeClr val="accent1">
+              <a:shade val="50000"/>
+            </a:schemeClr>
+          </a:lnRef>
+          <a:fillRef idx="1">
+            <a:schemeClr val="accent1"/>
+          </a:fillRef>
+          <a:effectRef idx="0">
+            <a:schemeClr val="accent1"/>
+          </a:effectRef>
+          <a:fontRef idx="minor">
+            <a:schemeClr val="lt1"/>
+          </a:fontRef>
+        </p:style>
+        <p:txBody>
+          <a:bodyPr rtlCol="0" anchor="t"/>
+          <a:lstStyle/>
+          <a:p>
+            <a:r>
+              <a:rPr lang="en-US" altLang="ja-JP" sz="2400" dirty="0">
+                <a:solidFill>
+                  <a:schemeClr val="accent1"/>
+                </a:solidFill>
+                <a:effectLst>
+                  <a:outerShdw blurRad="38100" dist="38100" dir="2700000" algn="tl">
+                    <a:srgbClr val="000000">
+                      <a:alpha val="43137"/>
+                    </a:srgbClr>
+                  </a:outerShdw>
+                </a:effectLst>
+              </a:rPr>
+              <a:t>1</a:t>
+            </a:r>
+            <a:endParaRPr kumimoji="1" lang="ja-JP" altLang="en-US" sz="2400" dirty="0">
+              <a:solidFill>
+                <a:schemeClr val="accent1"/>
+              </a:solidFill>
+              <a:effectLst>
+                <a:outerShdw blurRad="38100" dist="38100" dir="2700000" algn="tl">
+                  <a:srgbClr val="000000">
+                    <a:alpha val="43137"/>
+                  </a:srgbClr>
+                </a:outerShdw>
+              </a:effectLst>
+            </a:endParaRPr>
+          </a:p>
+        </p:txBody>
+      </p:sp>
+      <p:sp>
+        <p:nvSpPr>
+          <p:cNvPr id="102" name="正方形/長方形 101"/>
+          <p:cNvSpPr/>
+          <p:nvPr/>
+        </p:nvSpPr>
+        <p:spPr>
+          <a:xfrm>
+            <a:off x="3575934" y="1077476"/>
+            <a:ext cx="499537" cy="388225"/>
+          </a:xfrm>
+          <a:prstGeom prst="rect">
+            <a:avLst/>
+          </a:prstGeom>
+          <a:noFill/>
+          <a:ln>
+            <a:noFill/>
+          </a:ln>
+        </p:spPr>
+        <p:style>
+          <a:lnRef idx="2">
+            <a:schemeClr val="accent1">
+              <a:shade val="50000"/>
+            </a:schemeClr>
+          </a:lnRef>
+          <a:fillRef idx="1">
+            <a:schemeClr val="accent1"/>
+          </a:fillRef>
+          <a:effectRef idx="0">
+            <a:schemeClr val="accent1"/>
+          </a:effectRef>
+          <a:fontRef idx="minor">
+            <a:schemeClr val="lt1"/>
+          </a:fontRef>
+        </p:style>
+        <p:txBody>
+          <a:bodyPr rtlCol="0" anchor="t"/>
+          <a:lstStyle/>
+          <a:p>
+            <a:r>
+              <a:rPr lang="en-US" altLang="ja-JP" sz="2400" dirty="0">
+                <a:solidFill>
+                  <a:schemeClr val="accent1"/>
+                </a:solidFill>
+                <a:effectLst>
+                  <a:outerShdw blurRad="38100" dist="38100" dir="2700000" algn="tl">
+                    <a:srgbClr val="000000">
+                      <a:alpha val="43137"/>
+                    </a:srgbClr>
+                  </a:outerShdw>
+                </a:effectLst>
+              </a:rPr>
+              <a:t>2</a:t>
+            </a:r>
+            <a:endParaRPr kumimoji="1" lang="ja-JP" altLang="en-US" sz="2400" dirty="0">
+              <a:solidFill>
+                <a:schemeClr val="accent1"/>
+              </a:solidFill>
+              <a:effectLst>
+                <a:outerShdw blurRad="38100" dist="38100" dir="2700000" algn="tl">
+                  <a:srgbClr val="000000">
+                    <a:alpha val="43137"/>
+                  </a:srgbClr>
+                </a:outerShdw>
+              </a:effectLst>
+            </a:endParaRPr>
+          </a:p>
+        </p:txBody>
+      </p:sp>
+      <p:sp>
+        <p:nvSpPr>
+          <p:cNvPr id="103" name="正方形/長方形 102"/>
+          <p:cNvSpPr/>
+          <p:nvPr/>
+        </p:nvSpPr>
+        <p:spPr>
+          <a:xfrm>
+            <a:off x="4465529" y="1089662"/>
+            <a:ext cx="499537" cy="388225"/>
+          </a:xfrm>
+          <a:prstGeom prst="rect">
+            <a:avLst/>
+          </a:prstGeom>
+          <a:noFill/>
+          <a:ln>
+            <a:noFill/>
+          </a:ln>
+        </p:spPr>
+        <p:style>
+          <a:lnRef idx="2">
+            <a:schemeClr val="accent1">
+              <a:shade val="50000"/>
+            </a:schemeClr>
+          </a:lnRef>
+          <a:fillRef idx="1">
+            <a:schemeClr val="accent1"/>
+          </a:fillRef>
+          <a:effectRef idx="0">
+            <a:schemeClr val="accent1"/>
+          </a:effectRef>
+          <a:fontRef idx="minor">
+            <a:schemeClr val="lt1"/>
+          </a:fontRef>
+        </p:style>
+        <p:txBody>
+          <a:bodyPr rtlCol="0" anchor="t"/>
+          <a:lstStyle/>
+          <a:p>
+            <a:r>
+              <a:rPr lang="en-US" altLang="ja-JP" sz="2400" dirty="0">
+                <a:solidFill>
+                  <a:schemeClr val="accent1"/>
+                </a:solidFill>
+                <a:effectLst>
+                  <a:outerShdw blurRad="38100" dist="38100" dir="2700000" algn="tl">
+                    <a:srgbClr val="000000">
+                      <a:alpha val="43137"/>
+                    </a:srgbClr>
+                  </a:outerShdw>
+                </a:effectLst>
+              </a:rPr>
+              <a:t>3</a:t>
+            </a:r>
+            <a:endParaRPr kumimoji="1" lang="ja-JP" altLang="en-US" sz="2400" dirty="0">
+              <a:solidFill>
+                <a:schemeClr val="accent1"/>
+              </a:solidFill>
+              <a:effectLst>
+                <a:outerShdw blurRad="38100" dist="38100" dir="2700000" algn="tl">
+                  <a:srgbClr val="000000">
+                    <a:alpha val="43137"/>
+                  </a:srgbClr>
+                </a:outerShdw>
+              </a:effectLst>
+            </a:endParaRPr>
+          </a:p>
+        </p:txBody>
+      </p:sp>
+      <p:sp>
+        <p:nvSpPr>
+          <p:cNvPr id="104" name="正方形/長方形 103"/>
+          <p:cNvSpPr/>
+          <p:nvPr/>
+        </p:nvSpPr>
+        <p:spPr>
+          <a:xfrm>
+            <a:off x="4751685" y="1988556"/>
+            <a:ext cx="499537" cy="388225"/>
+          </a:xfrm>
+          <a:prstGeom prst="rect">
+            <a:avLst/>
+          </a:prstGeom>
+          <a:noFill/>
+          <a:ln>
+            <a:noFill/>
+          </a:ln>
+        </p:spPr>
+        <p:style>
+          <a:lnRef idx="2">
+            <a:schemeClr val="accent1">
+              <a:shade val="50000"/>
+            </a:schemeClr>
+          </a:lnRef>
+          <a:fillRef idx="1">
+            <a:schemeClr val="accent1"/>
+          </a:fillRef>
+          <a:effectRef idx="0">
+            <a:schemeClr val="accent1"/>
+          </a:effectRef>
+          <a:fontRef idx="minor">
+            <a:schemeClr val="lt1"/>
+          </a:fontRef>
+        </p:style>
+        <p:txBody>
+          <a:bodyPr rtlCol="0" anchor="t"/>
+          <a:lstStyle/>
+          <a:p>
+            <a:r>
+              <a:rPr lang="en-US" altLang="ja-JP" sz="2400" dirty="0">
+                <a:solidFill>
+                  <a:schemeClr val="accent1"/>
+                </a:solidFill>
+                <a:effectLst>
+                  <a:outerShdw blurRad="38100" dist="38100" dir="2700000" algn="tl">
+                    <a:srgbClr val="000000">
+                      <a:alpha val="43137"/>
+                    </a:srgbClr>
+                  </a:outerShdw>
+                </a:effectLst>
+              </a:rPr>
+              <a:t>4</a:t>
+            </a:r>
+            <a:endParaRPr kumimoji="1" lang="ja-JP" altLang="en-US" sz="2400" dirty="0">
+              <a:solidFill>
+                <a:schemeClr val="accent1"/>
+              </a:solidFill>
+              <a:effectLst>
+                <a:outerShdw blurRad="38100" dist="38100" dir="2700000" algn="tl">
+                  <a:srgbClr val="000000">
+                    <a:alpha val="43137"/>
+                  </a:srgbClr>
+                </a:outerShdw>
+              </a:effectLst>
+            </a:endParaRPr>
+          </a:p>
+        </p:txBody>
+      </p:sp>
+      <p:sp>
+        <p:nvSpPr>
+          <p:cNvPr id="105" name="正方形/長方形 104"/>
+          <p:cNvSpPr/>
+          <p:nvPr/>
+        </p:nvSpPr>
+        <p:spPr>
+          <a:xfrm>
+            <a:off x="5822961" y="4402679"/>
+            <a:ext cx="499537" cy="388225"/>
+          </a:xfrm>
+          <a:prstGeom prst="rect">
+            <a:avLst/>
+          </a:prstGeom>
+          <a:noFill/>
+          <a:ln>
+            <a:noFill/>
+          </a:ln>
+        </p:spPr>
+        <p:style>
+          <a:lnRef idx="2">
+            <a:schemeClr val="accent1">
+              <a:shade val="50000"/>
+            </a:schemeClr>
+          </a:lnRef>
+          <a:fillRef idx="1">
+            <a:schemeClr val="accent1"/>
+          </a:fillRef>
+          <a:effectRef idx="0">
+            <a:schemeClr val="accent1"/>
+          </a:effectRef>
+          <a:fontRef idx="minor">
+            <a:schemeClr val="lt1"/>
+          </a:fontRef>
+        </p:style>
+        <p:txBody>
+          <a:bodyPr rtlCol="0" anchor="t"/>
+          <a:lstStyle/>
+          <a:p>
+            <a:endParaRPr kumimoji="1" lang="ja-JP" altLang="en-US" sz="2400" dirty="0">
+              <a:solidFill>
+                <a:schemeClr val="accent6"/>
+              </a:solidFill>
+              <a:effectLst>
+                <a:outerShdw blurRad="38100" dist="38100" dir="2700000" algn="tl">
+                  <a:srgbClr val="000000">
+                    <a:alpha val="43137"/>
+                  </a:srgbClr>
+                </a:outerShdw>
+              </a:effectLst>
+            </a:endParaRPr>
+          </a:p>
+        </p:txBody>
+      </p:sp>
+      <p:cxnSp>
+        <p:nvCxnSpPr>
+          <p:cNvPr id="115" name="直線矢印コネクタ 114"/>
+          <p:cNvCxnSpPr/>
+          <p:nvPr/>
+        </p:nvCxnSpPr>
+        <p:spPr>
+          <a:xfrm flipV="1">
+            <a:off x="654696" y="5240420"/>
+            <a:ext cx="515744" cy="1"/>
+          </a:xfrm>
+          <a:prstGeom prst="straightConnector1">
+            <a:avLst/>
+          </a:prstGeom>
+          <a:ln>
+            <a:tailEnd type="arrow"/>
+          </a:ln>
+        </p:spPr>
+        <p:style>
+          <a:lnRef idx="2">
+            <a:schemeClr val="accent1"/>
+          </a:lnRef>
+          <a:fillRef idx="0">
+            <a:schemeClr val="accent1"/>
+          </a:fillRef>
+          <a:effectRef idx="1">
+            <a:schemeClr val="accent1"/>
+          </a:effectRef>
+          <a:fontRef idx="minor">
+            <a:schemeClr val="tx1"/>
+          </a:fontRef>
+        </p:style>
+      </p:cxnSp>
+      <p:sp>
+        <p:nvSpPr>
+          <p:cNvPr id="120" name="正方形/長方形 119"/>
+          <p:cNvSpPr/>
+          <p:nvPr/>
+        </p:nvSpPr>
+        <p:spPr>
+          <a:xfrm>
+            <a:off x="1170439" y="5055533"/>
+            <a:ext cx="1851064" cy="369776"/>
+          </a:xfrm>
+          <a:prstGeom prst="rect">
+            <a:avLst/>
+          </a:prstGeom>
+          <a:noFill/>
+          <a:ln>
+            <a:noFill/>
+          </a:ln>
+        </p:spPr>
+        <p:style>
+          <a:lnRef idx="2">
+            <a:schemeClr val="accent1">
+              <a:shade val="50000"/>
+            </a:schemeClr>
+          </a:lnRef>
+          <a:fillRef idx="1">
+            <a:schemeClr val="accent1"/>
+          </a:fillRef>
+          <a:effectRef idx="0">
+            <a:schemeClr val="accent1"/>
+          </a:effectRef>
+          <a:fontRef idx="minor">
+            <a:schemeClr val="lt1"/>
+          </a:fontRef>
+        </p:style>
+        <p:txBody>
+          <a:bodyPr rtlCol="0" anchor="t"/>
+          <a:lstStyle/>
+          <a:p>
+            <a:r>
+              <a:rPr kumimoji="1" lang="en-US" altLang="ja-JP" sz="1400" dirty="0" smtClean="0">
+                <a:solidFill>
+                  <a:schemeClr val="tx1"/>
+                </a:solidFill>
+              </a:rPr>
+              <a:t>Normal Operation</a:t>
+            </a:r>
+            <a:endParaRPr kumimoji="1" lang="ja-JP" altLang="en-US" sz="1400" dirty="0">
+              <a:solidFill>
+                <a:schemeClr val="tx1"/>
+              </a:solidFill>
+            </a:endParaRPr>
+          </a:p>
+        </p:txBody>
+      </p:sp>
+      <p:cxnSp>
+        <p:nvCxnSpPr>
+          <p:cNvPr id="67" name="直線矢印コネクタ 66"/>
+          <p:cNvCxnSpPr/>
+          <p:nvPr/>
+        </p:nvCxnSpPr>
+        <p:spPr>
+          <a:xfrm>
+            <a:off x="4724724" y="2110262"/>
+            <a:ext cx="13313" cy="2093248"/>
+          </a:xfrm>
+          <a:prstGeom prst="straightConnector1">
+            <a:avLst/>
+          </a:prstGeom>
+          <a:ln>
+            <a:tailEnd type="arrow"/>
+          </a:ln>
+        </p:spPr>
+        <p:style>
+          <a:lnRef idx="2">
+            <a:schemeClr val="accent1"/>
+          </a:lnRef>
+          <a:fillRef idx="0">
+            <a:schemeClr val="accent1"/>
+          </a:fillRef>
+          <a:effectRef idx="1">
+            <a:schemeClr val="accent1"/>
+          </a:effectRef>
+          <a:fontRef idx="minor">
+            <a:schemeClr val="tx1"/>
+          </a:fontRef>
+        </p:style>
+      </p:cxnSp>
+      <p:sp>
+        <p:nvSpPr>
+          <p:cNvPr id="17" name="メモ 16"/>
+          <p:cNvSpPr/>
+          <p:nvPr/>
+        </p:nvSpPr>
+        <p:spPr>
+          <a:xfrm>
+            <a:off x="4443838" y="4232508"/>
+            <a:ext cx="581562" cy="701269"/>
+          </a:xfrm>
+          <a:prstGeom prst="foldedCorner">
+            <a:avLst/>
+          </a:prstGeom>
+        </p:spPr>
+        <p:style>
+          <a:lnRef idx="1">
+            <a:schemeClr val="accent1"/>
+          </a:lnRef>
+          <a:fillRef idx="3">
+            <a:schemeClr val="accent1"/>
+          </a:fillRef>
+          <a:effectRef idx="2">
+            <a:schemeClr val="accent1"/>
+          </a:effectRef>
+          <a:fontRef idx="minor">
+            <a:schemeClr val="lt1"/>
+          </a:fontRef>
+        </p:style>
+        <p:txBody>
+          <a:bodyPr rtlCol="0" anchor="ctr"/>
+          <a:lstStyle/>
+          <a:p>
+            <a:pPr algn="ctr"/>
+            <a:endParaRPr kumimoji="1" lang="ja-JP" altLang="en-US"/>
+          </a:p>
+        </p:txBody>
+      </p:sp>
+      <p:sp>
+        <p:nvSpPr>
+          <p:cNvPr id="68" name="正方形/長方形 67"/>
+          <p:cNvSpPr/>
+          <p:nvPr/>
+        </p:nvSpPr>
+        <p:spPr>
+          <a:xfrm>
+            <a:off x="4168135" y="3149640"/>
+            <a:ext cx="499537" cy="388225"/>
+          </a:xfrm>
+          <a:prstGeom prst="rect">
+            <a:avLst/>
+          </a:prstGeom>
+          <a:noFill/>
+          <a:ln>
+            <a:noFill/>
+          </a:ln>
+        </p:spPr>
+        <p:style>
+          <a:lnRef idx="2">
+            <a:schemeClr val="accent1">
+              <a:shade val="50000"/>
+            </a:schemeClr>
+          </a:lnRef>
+          <a:fillRef idx="1">
+            <a:schemeClr val="accent1"/>
+          </a:fillRef>
+          <a:effectRef idx="0">
+            <a:schemeClr val="accent1"/>
+          </a:effectRef>
+          <a:fontRef idx="minor">
+            <a:schemeClr val="lt1"/>
+          </a:fontRef>
+        </p:style>
+        <p:txBody>
+          <a:bodyPr rtlCol="0" anchor="t"/>
+          <a:lstStyle/>
+          <a:p>
+            <a:r>
+              <a:rPr lang="en-US" altLang="ja-JP" sz="2400" dirty="0">
+                <a:solidFill>
+                  <a:schemeClr val="accent1"/>
+                </a:solidFill>
+                <a:effectLst>
+                  <a:outerShdw blurRad="38100" dist="38100" dir="2700000" algn="tl">
+                    <a:srgbClr val="000000">
+                      <a:alpha val="43137"/>
+                    </a:srgbClr>
+                  </a:outerShdw>
+                </a:effectLst>
+              </a:rPr>
+              <a:t>5</a:t>
+            </a:r>
+            <a:endParaRPr kumimoji="1" lang="ja-JP" altLang="en-US" sz="2400" dirty="0">
+              <a:solidFill>
+                <a:schemeClr val="accent1"/>
+              </a:solidFill>
+              <a:effectLst>
+                <a:outerShdw blurRad="38100" dist="38100" dir="2700000" algn="tl">
+                  <a:srgbClr val="000000">
+                    <a:alpha val="43137"/>
+                  </a:srgbClr>
+                </a:outerShdw>
+              </a:effectLst>
+            </a:endParaRPr>
+          </a:p>
+        </p:txBody>
+      </p:sp>
+      <p:sp>
+        <p:nvSpPr>
+          <p:cNvPr id="70" name="正方形/長方形 69"/>
+          <p:cNvSpPr/>
+          <p:nvPr/>
+        </p:nvSpPr>
+        <p:spPr>
+          <a:xfrm>
+            <a:off x="6212627" y="1084104"/>
+            <a:ext cx="499537" cy="388225"/>
+          </a:xfrm>
+          <a:prstGeom prst="rect">
+            <a:avLst/>
+          </a:prstGeom>
+          <a:noFill/>
+          <a:ln>
+            <a:noFill/>
+          </a:ln>
+        </p:spPr>
+        <p:style>
+          <a:lnRef idx="2">
+            <a:schemeClr val="accent1">
+              <a:shade val="50000"/>
+            </a:schemeClr>
+          </a:lnRef>
+          <a:fillRef idx="1">
+            <a:schemeClr val="accent1"/>
+          </a:fillRef>
+          <a:effectRef idx="0">
+            <a:schemeClr val="accent1"/>
+          </a:effectRef>
+          <a:fontRef idx="minor">
+            <a:schemeClr val="lt1"/>
+          </a:fontRef>
+        </p:style>
+        <p:txBody>
+          <a:bodyPr rtlCol="0" anchor="t"/>
+          <a:lstStyle/>
+          <a:p>
+            <a:r>
+              <a:rPr lang="en-US" altLang="ja-JP" sz="2400" dirty="0">
+                <a:solidFill>
+                  <a:schemeClr val="accent1"/>
+                </a:solidFill>
+                <a:effectLst>
+                  <a:outerShdw blurRad="38100" dist="38100" dir="2700000" algn="tl">
+                    <a:srgbClr val="000000">
+                      <a:alpha val="43137"/>
+                    </a:srgbClr>
+                  </a:outerShdw>
+                </a:effectLst>
+              </a:rPr>
+              <a:t>6</a:t>
+            </a:r>
+            <a:endParaRPr kumimoji="1" lang="ja-JP" altLang="en-US" sz="2400" dirty="0">
+              <a:solidFill>
+                <a:schemeClr val="accent1"/>
+              </a:solidFill>
+              <a:effectLst>
+                <a:outerShdw blurRad="38100" dist="38100" dir="2700000" algn="tl">
+                  <a:srgbClr val="000000">
+                    <a:alpha val="43137"/>
+                  </a:srgbClr>
+                </a:outerShdw>
+              </a:effectLst>
+            </a:endParaRPr>
+          </a:p>
+        </p:txBody>
+      </p:sp>
+      <p:cxnSp>
+        <p:nvCxnSpPr>
+          <p:cNvPr id="74" name="直線矢印コネクタ 73"/>
+          <p:cNvCxnSpPr/>
+          <p:nvPr/>
+        </p:nvCxnSpPr>
+        <p:spPr>
+          <a:xfrm flipV="1">
+            <a:off x="4101357" y="2084463"/>
+            <a:ext cx="2027060" cy="1238328"/>
+          </a:xfrm>
+          <a:prstGeom prst="straightConnector1">
+            <a:avLst/>
+          </a:prstGeom>
+          <a:ln>
+            <a:tailEnd type="arrow"/>
+          </a:ln>
+        </p:spPr>
+        <p:style>
+          <a:lnRef idx="2">
+            <a:schemeClr val="accent1"/>
+          </a:lnRef>
+          <a:fillRef idx="0">
+            <a:schemeClr val="accent1"/>
+          </a:fillRef>
+          <a:effectRef idx="1">
+            <a:schemeClr val="accent1"/>
+          </a:effectRef>
+          <a:fontRef idx="minor">
+            <a:schemeClr val="tx1"/>
+          </a:fontRef>
+        </p:style>
+      </p:cxnSp>
+      <p:sp>
+        <p:nvSpPr>
+          <p:cNvPr id="85" name="正方形/長方形 84"/>
+          <p:cNvSpPr/>
+          <p:nvPr/>
+        </p:nvSpPr>
+        <p:spPr>
+          <a:xfrm>
+            <a:off x="1106844" y="1479363"/>
+            <a:ext cx="1334434" cy="369776"/>
+          </a:xfrm>
+          <a:prstGeom prst="rect">
+            <a:avLst/>
+          </a:prstGeom>
+          <a:noFill/>
+          <a:ln>
+            <a:noFill/>
+          </a:ln>
+        </p:spPr>
+        <p:style>
+          <a:lnRef idx="2">
+            <a:schemeClr val="accent1">
+              <a:shade val="50000"/>
+            </a:schemeClr>
+          </a:lnRef>
+          <a:fillRef idx="1">
+            <a:schemeClr val="accent1"/>
+          </a:fillRef>
+          <a:effectRef idx="0">
+            <a:schemeClr val="accent1"/>
+          </a:effectRef>
+          <a:fontRef idx="minor">
+            <a:schemeClr val="lt1"/>
+          </a:fontRef>
+        </p:style>
+        <p:txBody>
+          <a:bodyPr rtlCol="0" anchor="t"/>
+          <a:lstStyle>
+            <a:defPPr>
+              <a:defRPr lang="ja-JP"/>
+            </a:defPPr>
+            <a:lvl1pPr marL="0" algn="l" defTabSz="457200" rtl="0" eaLnBrk="1" latinLnBrk="0" hangingPunct="1">
+              <a:defRPr kumimoji="1" sz="1800" kern="1200">
+                <a:solidFill>
+                  <a:schemeClr val="lt1"/>
+                </a:solidFill>
+                <a:latin typeface="+mn-lt"/>
+                <a:ea typeface="+mn-ea"/>
+                <a:cs typeface="+mn-cs"/>
+              </a:defRPr>
+            </a:lvl1pPr>
+            <a:lvl2pPr marL="457200" algn="l" defTabSz="457200" rtl="0" eaLnBrk="1" latinLnBrk="0" hangingPunct="1">
+              <a:defRPr kumimoji="1" sz="1800" kern="1200">
+                <a:solidFill>
+                  <a:schemeClr val="lt1"/>
+                </a:solidFill>
+                <a:latin typeface="+mn-lt"/>
+                <a:ea typeface="+mn-ea"/>
+                <a:cs typeface="+mn-cs"/>
+              </a:defRPr>
+            </a:lvl2pPr>
+            <a:lvl3pPr marL="914400" algn="l" defTabSz="457200" rtl="0" eaLnBrk="1" latinLnBrk="0" hangingPunct="1">
+              <a:defRPr kumimoji="1" sz="1800" kern="1200">
+                <a:solidFill>
+                  <a:schemeClr val="lt1"/>
+                </a:solidFill>
+                <a:latin typeface="+mn-lt"/>
+                <a:ea typeface="+mn-ea"/>
+                <a:cs typeface="+mn-cs"/>
+              </a:defRPr>
+            </a:lvl3pPr>
+            <a:lvl4pPr marL="1371600" algn="l" defTabSz="457200" rtl="0" eaLnBrk="1" latinLnBrk="0" hangingPunct="1">
+              <a:defRPr kumimoji="1" sz="1800" kern="1200">
+                <a:solidFill>
+                  <a:schemeClr val="lt1"/>
+                </a:solidFill>
+                <a:latin typeface="+mn-lt"/>
+                <a:ea typeface="+mn-ea"/>
+                <a:cs typeface="+mn-cs"/>
+              </a:defRPr>
+            </a:lvl4pPr>
+            <a:lvl5pPr marL="1828800" algn="l" defTabSz="457200" rtl="0" eaLnBrk="1" latinLnBrk="0" hangingPunct="1">
+              <a:defRPr kumimoji="1" sz="1800" kern="1200">
+                <a:solidFill>
+                  <a:schemeClr val="lt1"/>
+                </a:solidFill>
+                <a:latin typeface="+mn-lt"/>
+                <a:ea typeface="+mn-ea"/>
+                <a:cs typeface="+mn-cs"/>
+              </a:defRPr>
+            </a:lvl5pPr>
+            <a:lvl6pPr marL="2286000" algn="l" defTabSz="457200" rtl="0" eaLnBrk="1" latinLnBrk="0" hangingPunct="1">
+              <a:defRPr kumimoji="1" sz="1800" kern="1200">
+                <a:solidFill>
+                  <a:schemeClr val="lt1"/>
+                </a:solidFill>
+                <a:latin typeface="+mn-lt"/>
+                <a:ea typeface="+mn-ea"/>
+                <a:cs typeface="+mn-cs"/>
+              </a:defRPr>
+            </a:lvl6pPr>
+            <a:lvl7pPr marL="2743200" algn="l" defTabSz="457200" rtl="0" eaLnBrk="1" latinLnBrk="0" hangingPunct="1">
+              <a:defRPr kumimoji="1" sz="1800" kern="1200">
+                <a:solidFill>
+                  <a:schemeClr val="lt1"/>
+                </a:solidFill>
+                <a:latin typeface="+mn-lt"/>
+                <a:ea typeface="+mn-ea"/>
+                <a:cs typeface="+mn-cs"/>
+              </a:defRPr>
+            </a:lvl7pPr>
+            <a:lvl8pPr marL="3200400" algn="l" defTabSz="457200" rtl="0" eaLnBrk="1" latinLnBrk="0" hangingPunct="1">
+              <a:defRPr kumimoji="1" sz="1800" kern="1200">
+                <a:solidFill>
+                  <a:schemeClr val="lt1"/>
+                </a:solidFill>
+                <a:latin typeface="+mn-lt"/>
+                <a:ea typeface="+mn-ea"/>
+                <a:cs typeface="+mn-cs"/>
+              </a:defRPr>
+            </a:lvl8pPr>
+            <a:lvl9pPr marL="3657600" algn="l" defTabSz="457200" rtl="0" eaLnBrk="1" latinLnBrk="0" hangingPunct="1">
+              <a:defRPr kumimoji="1" sz="1800" kern="1200">
+                <a:solidFill>
+                  <a:schemeClr val="lt1"/>
+                </a:solidFill>
+                <a:latin typeface="+mn-lt"/>
+                <a:ea typeface="+mn-ea"/>
+                <a:cs typeface="+mn-cs"/>
+              </a:defRPr>
+            </a:lvl9pPr>
+          </a:lstStyle>
+          <a:p>
+            <a:r>
+              <a:rPr kumimoji="1" lang="en-US" altLang="ja-JP" sz="1400" dirty="0" smtClean="0">
+                <a:solidFill>
+                  <a:schemeClr val="tx1"/>
+                </a:solidFill>
+              </a:rPr>
+              <a:t>Type=BEGIN</a:t>
+            </a:r>
+            <a:endParaRPr kumimoji="1" lang="ja-JP" altLang="en-US" sz="1400" dirty="0">
+              <a:solidFill>
+                <a:schemeClr val="tx1"/>
+              </a:solidFill>
+            </a:endParaRPr>
+          </a:p>
+        </p:txBody>
+      </p:sp>
+      <p:sp>
+        <p:nvSpPr>
+          <p:cNvPr id="86" name="正方形/長方形 85"/>
+          <p:cNvSpPr/>
+          <p:nvPr/>
+        </p:nvSpPr>
+        <p:spPr>
+          <a:xfrm>
+            <a:off x="3550748" y="1483343"/>
+            <a:ext cx="1334434" cy="369776"/>
+          </a:xfrm>
+          <a:prstGeom prst="rect">
+            <a:avLst/>
+          </a:prstGeom>
+          <a:noFill/>
+          <a:ln>
+            <a:noFill/>
+          </a:ln>
+        </p:spPr>
+        <p:style>
+          <a:lnRef idx="2">
+            <a:schemeClr val="accent1">
+              <a:shade val="50000"/>
+            </a:schemeClr>
+          </a:lnRef>
+          <a:fillRef idx="1">
+            <a:schemeClr val="accent1"/>
+          </a:fillRef>
+          <a:effectRef idx="0">
+            <a:schemeClr val="accent1"/>
+          </a:effectRef>
+          <a:fontRef idx="minor">
+            <a:schemeClr val="lt1"/>
+          </a:fontRef>
+        </p:style>
+        <p:txBody>
+          <a:bodyPr rtlCol="0" anchor="t"/>
+          <a:lstStyle>
+            <a:defPPr>
+              <a:defRPr lang="ja-JP"/>
+            </a:defPPr>
+            <a:lvl1pPr marL="0" algn="l" defTabSz="457200" rtl="0" eaLnBrk="1" latinLnBrk="0" hangingPunct="1">
+              <a:defRPr kumimoji="1" sz="1800" kern="1200">
+                <a:solidFill>
+                  <a:schemeClr val="lt1"/>
+                </a:solidFill>
+                <a:latin typeface="+mn-lt"/>
+                <a:ea typeface="+mn-ea"/>
+                <a:cs typeface="+mn-cs"/>
+              </a:defRPr>
+            </a:lvl1pPr>
+            <a:lvl2pPr marL="457200" algn="l" defTabSz="457200" rtl="0" eaLnBrk="1" latinLnBrk="0" hangingPunct="1">
+              <a:defRPr kumimoji="1" sz="1800" kern="1200">
+                <a:solidFill>
+                  <a:schemeClr val="lt1"/>
+                </a:solidFill>
+                <a:latin typeface="+mn-lt"/>
+                <a:ea typeface="+mn-ea"/>
+                <a:cs typeface="+mn-cs"/>
+              </a:defRPr>
+            </a:lvl2pPr>
+            <a:lvl3pPr marL="914400" algn="l" defTabSz="457200" rtl="0" eaLnBrk="1" latinLnBrk="0" hangingPunct="1">
+              <a:defRPr kumimoji="1" sz="1800" kern="1200">
+                <a:solidFill>
+                  <a:schemeClr val="lt1"/>
+                </a:solidFill>
+                <a:latin typeface="+mn-lt"/>
+                <a:ea typeface="+mn-ea"/>
+                <a:cs typeface="+mn-cs"/>
+              </a:defRPr>
+            </a:lvl3pPr>
+            <a:lvl4pPr marL="1371600" algn="l" defTabSz="457200" rtl="0" eaLnBrk="1" latinLnBrk="0" hangingPunct="1">
+              <a:defRPr kumimoji="1" sz="1800" kern="1200">
+                <a:solidFill>
+                  <a:schemeClr val="lt1"/>
+                </a:solidFill>
+                <a:latin typeface="+mn-lt"/>
+                <a:ea typeface="+mn-ea"/>
+                <a:cs typeface="+mn-cs"/>
+              </a:defRPr>
+            </a:lvl4pPr>
+            <a:lvl5pPr marL="1828800" algn="l" defTabSz="457200" rtl="0" eaLnBrk="1" latinLnBrk="0" hangingPunct="1">
+              <a:defRPr kumimoji="1" sz="1800" kern="1200">
+                <a:solidFill>
+                  <a:schemeClr val="lt1"/>
+                </a:solidFill>
+                <a:latin typeface="+mn-lt"/>
+                <a:ea typeface="+mn-ea"/>
+                <a:cs typeface="+mn-cs"/>
+              </a:defRPr>
+            </a:lvl5pPr>
+            <a:lvl6pPr marL="2286000" algn="l" defTabSz="457200" rtl="0" eaLnBrk="1" latinLnBrk="0" hangingPunct="1">
+              <a:defRPr kumimoji="1" sz="1800" kern="1200">
+                <a:solidFill>
+                  <a:schemeClr val="lt1"/>
+                </a:solidFill>
+                <a:latin typeface="+mn-lt"/>
+                <a:ea typeface="+mn-ea"/>
+                <a:cs typeface="+mn-cs"/>
+              </a:defRPr>
+            </a:lvl6pPr>
+            <a:lvl7pPr marL="2743200" algn="l" defTabSz="457200" rtl="0" eaLnBrk="1" latinLnBrk="0" hangingPunct="1">
+              <a:defRPr kumimoji="1" sz="1800" kern="1200">
+                <a:solidFill>
+                  <a:schemeClr val="lt1"/>
+                </a:solidFill>
+                <a:latin typeface="+mn-lt"/>
+                <a:ea typeface="+mn-ea"/>
+                <a:cs typeface="+mn-cs"/>
+              </a:defRPr>
+            </a:lvl7pPr>
+            <a:lvl8pPr marL="3200400" algn="l" defTabSz="457200" rtl="0" eaLnBrk="1" latinLnBrk="0" hangingPunct="1">
+              <a:defRPr kumimoji="1" sz="1800" kern="1200">
+                <a:solidFill>
+                  <a:schemeClr val="lt1"/>
+                </a:solidFill>
+                <a:latin typeface="+mn-lt"/>
+                <a:ea typeface="+mn-ea"/>
+                <a:cs typeface="+mn-cs"/>
+              </a:defRPr>
+            </a:lvl8pPr>
+            <a:lvl9pPr marL="3657600" algn="l" defTabSz="457200" rtl="0" eaLnBrk="1" latinLnBrk="0" hangingPunct="1">
+              <a:defRPr kumimoji="1" sz="1800" kern="1200">
+                <a:solidFill>
+                  <a:schemeClr val="lt1"/>
+                </a:solidFill>
+                <a:latin typeface="+mn-lt"/>
+                <a:ea typeface="+mn-ea"/>
+                <a:cs typeface="+mn-cs"/>
+              </a:defRPr>
+            </a:lvl9pPr>
+          </a:lstStyle>
+          <a:p>
+            <a:r>
+              <a:rPr kumimoji="1" lang="en-US" altLang="ja-JP" sz="1400" dirty="0" smtClean="0">
+                <a:solidFill>
+                  <a:schemeClr val="tx1"/>
+                </a:solidFill>
+              </a:rPr>
+              <a:t>Type=</a:t>
+            </a:r>
+            <a:r>
+              <a:rPr kumimoji="1" lang="en-US" altLang="ja-JP" sz="1400" dirty="0" smtClean="0">
+                <a:solidFill>
+                  <a:srgbClr val="FF0000"/>
+                </a:solidFill>
+              </a:rPr>
+              <a:t>CHECK</a:t>
+            </a:r>
+            <a:endParaRPr kumimoji="1" lang="ja-JP" altLang="en-US" sz="1400" dirty="0">
+              <a:solidFill>
+                <a:srgbClr val="FF0000"/>
+              </a:solidFill>
+            </a:endParaRPr>
+          </a:p>
+        </p:txBody>
+      </p:sp>
+      <p:sp>
+        <p:nvSpPr>
+          <p:cNvPr id="87" name="正方形/長方形 86"/>
+          <p:cNvSpPr/>
+          <p:nvPr/>
+        </p:nvSpPr>
+        <p:spPr>
+          <a:xfrm>
+            <a:off x="5803943" y="1508815"/>
+            <a:ext cx="1334434" cy="369776"/>
+          </a:xfrm>
+          <a:prstGeom prst="rect">
+            <a:avLst/>
+          </a:prstGeom>
+          <a:noFill/>
+          <a:ln>
+            <a:noFill/>
+          </a:ln>
+        </p:spPr>
+        <p:style>
+          <a:lnRef idx="2">
+            <a:schemeClr val="accent1">
+              <a:shade val="50000"/>
+            </a:schemeClr>
+          </a:lnRef>
+          <a:fillRef idx="1">
+            <a:schemeClr val="accent1"/>
+          </a:fillRef>
+          <a:effectRef idx="0">
+            <a:schemeClr val="accent1"/>
+          </a:effectRef>
+          <a:fontRef idx="minor">
+            <a:schemeClr val="lt1"/>
+          </a:fontRef>
+        </p:style>
+        <p:txBody>
+          <a:bodyPr rtlCol="0" anchor="t"/>
+          <a:lstStyle>
+            <a:defPPr>
+              <a:defRPr lang="ja-JP"/>
+            </a:defPPr>
+            <a:lvl1pPr marL="0" algn="l" defTabSz="457200" rtl="0" eaLnBrk="1" latinLnBrk="0" hangingPunct="1">
+              <a:defRPr kumimoji="1" sz="1800" kern="1200">
+                <a:solidFill>
+                  <a:schemeClr val="lt1"/>
+                </a:solidFill>
+                <a:latin typeface="+mn-lt"/>
+                <a:ea typeface="+mn-ea"/>
+                <a:cs typeface="+mn-cs"/>
+              </a:defRPr>
+            </a:lvl1pPr>
+            <a:lvl2pPr marL="457200" algn="l" defTabSz="457200" rtl="0" eaLnBrk="1" latinLnBrk="0" hangingPunct="1">
+              <a:defRPr kumimoji="1" sz="1800" kern="1200">
+                <a:solidFill>
+                  <a:schemeClr val="lt1"/>
+                </a:solidFill>
+                <a:latin typeface="+mn-lt"/>
+                <a:ea typeface="+mn-ea"/>
+                <a:cs typeface="+mn-cs"/>
+              </a:defRPr>
+            </a:lvl2pPr>
+            <a:lvl3pPr marL="914400" algn="l" defTabSz="457200" rtl="0" eaLnBrk="1" latinLnBrk="0" hangingPunct="1">
+              <a:defRPr kumimoji="1" sz="1800" kern="1200">
+                <a:solidFill>
+                  <a:schemeClr val="lt1"/>
+                </a:solidFill>
+                <a:latin typeface="+mn-lt"/>
+                <a:ea typeface="+mn-ea"/>
+                <a:cs typeface="+mn-cs"/>
+              </a:defRPr>
+            </a:lvl3pPr>
+            <a:lvl4pPr marL="1371600" algn="l" defTabSz="457200" rtl="0" eaLnBrk="1" latinLnBrk="0" hangingPunct="1">
+              <a:defRPr kumimoji="1" sz="1800" kern="1200">
+                <a:solidFill>
+                  <a:schemeClr val="lt1"/>
+                </a:solidFill>
+                <a:latin typeface="+mn-lt"/>
+                <a:ea typeface="+mn-ea"/>
+                <a:cs typeface="+mn-cs"/>
+              </a:defRPr>
+            </a:lvl4pPr>
+            <a:lvl5pPr marL="1828800" algn="l" defTabSz="457200" rtl="0" eaLnBrk="1" latinLnBrk="0" hangingPunct="1">
+              <a:defRPr kumimoji="1" sz="1800" kern="1200">
+                <a:solidFill>
+                  <a:schemeClr val="lt1"/>
+                </a:solidFill>
+                <a:latin typeface="+mn-lt"/>
+                <a:ea typeface="+mn-ea"/>
+                <a:cs typeface="+mn-cs"/>
+              </a:defRPr>
+            </a:lvl5pPr>
+            <a:lvl6pPr marL="2286000" algn="l" defTabSz="457200" rtl="0" eaLnBrk="1" latinLnBrk="0" hangingPunct="1">
+              <a:defRPr kumimoji="1" sz="1800" kern="1200">
+                <a:solidFill>
+                  <a:schemeClr val="lt1"/>
+                </a:solidFill>
+                <a:latin typeface="+mn-lt"/>
+                <a:ea typeface="+mn-ea"/>
+                <a:cs typeface="+mn-cs"/>
+              </a:defRPr>
+            </a:lvl6pPr>
+            <a:lvl7pPr marL="2743200" algn="l" defTabSz="457200" rtl="0" eaLnBrk="1" latinLnBrk="0" hangingPunct="1">
+              <a:defRPr kumimoji="1" sz="1800" kern="1200">
+                <a:solidFill>
+                  <a:schemeClr val="lt1"/>
+                </a:solidFill>
+                <a:latin typeface="+mn-lt"/>
+                <a:ea typeface="+mn-ea"/>
+                <a:cs typeface="+mn-cs"/>
+              </a:defRPr>
+            </a:lvl7pPr>
+            <a:lvl8pPr marL="3200400" algn="l" defTabSz="457200" rtl="0" eaLnBrk="1" latinLnBrk="0" hangingPunct="1">
+              <a:defRPr kumimoji="1" sz="1800" kern="1200">
+                <a:solidFill>
+                  <a:schemeClr val="lt1"/>
+                </a:solidFill>
+                <a:latin typeface="+mn-lt"/>
+                <a:ea typeface="+mn-ea"/>
+                <a:cs typeface="+mn-cs"/>
+              </a:defRPr>
+            </a:lvl8pPr>
+            <a:lvl9pPr marL="3657600" algn="l" defTabSz="457200" rtl="0" eaLnBrk="1" latinLnBrk="0" hangingPunct="1">
+              <a:defRPr kumimoji="1" sz="1800" kern="1200">
+                <a:solidFill>
+                  <a:schemeClr val="lt1"/>
+                </a:solidFill>
+                <a:latin typeface="+mn-lt"/>
+                <a:ea typeface="+mn-ea"/>
+                <a:cs typeface="+mn-cs"/>
+              </a:defRPr>
+            </a:lvl9pPr>
+          </a:lstStyle>
+          <a:p>
+            <a:r>
+              <a:rPr kumimoji="1" lang="en-US" altLang="ja-JP" sz="1400" dirty="0" smtClean="0">
+                <a:solidFill>
+                  <a:schemeClr val="tx1"/>
+                </a:solidFill>
+              </a:rPr>
+              <a:t>Type=IN</a:t>
+            </a:r>
+            <a:endParaRPr kumimoji="1" lang="ja-JP" altLang="en-US" sz="1400" dirty="0">
+              <a:solidFill>
+                <a:schemeClr val="tx1"/>
+              </a:solidFill>
+            </a:endParaRPr>
+          </a:p>
+        </p:txBody>
+      </p:sp>
+      <p:sp>
+        <p:nvSpPr>
+          <p:cNvPr id="88" name="正方形/長方形 87"/>
+          <p:cNvSpPr/>
+          <p:nvPr/>
+        </p:nvSpPr>
+        <p:spPr>
+          <a:xfrm>
+            <a:off x="4746061" y="3877789"/>
+            <a:ext cx="1851064" cy="369776"/>
+          </a:xfrm>
+          <a:prstGeom prst="rect">
+            <a:avLst/>
+          </a:prstGeom>
+          <a:noFill/>
+          <a:ln>
+            <a:noFill/>
+          </a:ln>
+        </p:spPr>
+        <p:style>
+          <a:lnRef idx="2">
+            <a:schemeClr val="accent1">
+              <a:shade val="50000"/>
+            </a:schemeClr>
+          </a:lnRef>
+          <a:fillRef idx="1">
+            <a:schemeClr val="accent1"/>
+          </a:fillRef>
+          <a:effectRef idx="0">
+            <a:schemeClr val="accent1"/>
+          </a:effectRef>
+          <a:fontRef idx="minor">
+            <a:schemeClr val="lt1"/>
+          </a:fontRef>
+        </p:style>
+        <p:txBody>
+          <a:bodyPr rtlCol="0" anchor="t"/>
+          <a:lstStyle/>
+          <a:p>
+            <a:r>
+              <a:rPr lang="en-US" altLang="ja-JP" sz="1400" dirty="0" smtClean="0">
+                <a:solidFill>
+                  <a:schemeClr val="tx1"/>
+                </a:solidFill>
+              </a:rPr>
+              <a:t>File Download</a:t>
+            </a:r>
+            <a:endParaRPr kumimoji="1" lang="ja-JP" altLang="en-US" sz="1400" dirty="0">
+              <a:solidFill>
+                <a:schemeClr val="tx1"/>
+              </a:solidFill>
+            </a:endParaRPr>
+          </a:p>
+        </p:txBody>
+      </p:sp>
+      <p:sp>
+        <p:nvSpPr>
+          <p:cNvPr id="54" name="正方形/長方形 53"/>
+          <p:cNvSpPr/>
+          <p:nvPr/>
+        </p:nvSpPr>
+        <p:spPr>
+          <a:xfrm>
+            <a:off x="7455713" y="3302147"/>
+            <a:ext cx="1319457" cy="622818"/>
+          </a:xfrm>
+          <a:prstGeom prst="rect">
+            <a:avLst/>
+          </a:prstGeom>
+          <a:noFill/>
+          <a:ln>
+            <a:noFill/>
+          </a:ln>
+        </p:spPr>
+        <p:style>
+          <a:lnRef idx="2">
+            <a:schemeClr val="accent1">
+              <a:shade val="50000"/>
+            </a:schemeClr>
+          </a:lnRef>
+          <a:fillRef idx="1">
+            <a:schemeClr val="accent1"/>
+          </a:fillRef>
+          <a:effectRef idx="0">
+            <a:schemeClr val="accent1"/>
+          </a:effectRef>
+          <a:fontRef idx="minor">
+            <a:schemeClr val="lt1"/>
+          </a:fontRef>
+        </p:style>
+        <p:txBody>
+          <a:bodyPr rtlCol="0" anchor="t"/>
+          <a:lstStyle/>
+          <a:p>
+            <a:pPr algn="ctr"/>
+            <a:r>
+              <a:rPr lang="en-US" altLang="ja-JP" sz="1400" dirty="0" smtClean="0">
+                <a:solidFill>
+                  <a:schemeClr val="tx1"/>
+                </a:solidFill>
+              </a:rPr>
+              <a:t>hidden "token002"</a:t>
+            </a:r>
+          </a:p>
+        </p:txBody>
+      </p:sp>
+      <p:sp>
+        <p:nvSpPr>
+          <p:cNvPr id="61" name="フローチャート : 内部記憶 79"/>
+          <p:cNvSpPr/>
+          <p:nvPr/>
+        </p:nvSpPr>
+        <p:spPr>
+          <a:xfrm>
+            <a:off x="7439911" y="861810"/>
+            <a:ext cx="1266825" cy="285750"/>
+          </a:xfrm>
+          <a:prstGeom prst="flowChartInternalStorage">
+            <a:avLst/>
+          </a:prstGeom>
+        </p:spPr>
+        <p:style>
+          <a:lnRef idx="1">
+            <a:schemeClr val="accent5"/>
+          </a:lnRef>
+          <a:fillRef idx="2">
+            <a:schemeClr val="accent5"/>
+          </a:fillRef>
+          <a:effectRef idx="1">
+            <a:schemeClr val="accent5"/>
+          </a:effectRef>
+          <a:fontRef idx="minor">
+            <a:schemeClr val="dk1"/>
+          </a:fontRef>
+        </p:style>
+        <p:txBody>
+          <a:bodyPr rtlCol="0" anchor="ctr"/>
+          <a:lstStyle/>
+          <a:p>
+            <a:pPr algn="ctr"/>
+            <a:r>
+              <a:rPr kumimoji="1" lang="en-US" altLang="ja-JP" sz="1600" dirty="0" smtClean="0">
+                <a:solidFill>
+                  <a:schemeClr val="tx1"/>
+                </a:solidFill>
+              </a:rPr>
+              <a:t>token002</a:t>
+            </a:r>
+          </a:p>
+        </p:txBody>
+      </p:sp>
+      <p:sp>
+        <p:nvSpPr>
+          <p:cNvPr id="62" name="正方形/長方形 61"/>
+          <p:cNvSpPr/>
+          <p:nvPr/>
+        </p:nvSpPr>
+        <p:spPr>
+          <a:xfrm>
+            <a:off x="7991149" y="2388589"/>
+            <a:ext cx="499537" cy="388225"/>
+          </a:xfrm>
+          <a:prstGeom prst="rect">
+            <a:avLst/>
+          </a:prstGeom>
+          <a:noFill/>
+          <a:ln>
+            <a:noFill/>
+          </a:ln>
+        </p:spPr>
+        <p:style>
+          <a:lnRef idx="2">
+            <a:schemeClr val="accent1">
+              <a:shade val="50000"/>
+            </a:schemeClr>
+          </a:lnRef>
+          <a:fillRef idx="1">
+            <a:schemeClr val="accent1"/>
+          </a:fillRef>
+          <a:effectRef idx="0">
+            <a:schemeClr val="accent1"/>
+          </a:effectRef>
+          <a:fontRef idx="minor">
+            <a:schemeClr val="lt1"/>
+          </a:fontRef>
+        </p:style>
+        <p:txBody>
+          <a:bodyPr rtlCol="0" anchor="t"/>
+          <a:lstStyle/>
+          <a:p>
+            <a:r>
+              <a:rPr lang="en-US" altLang="ja-JP" sz="2400" dirty="0" smtClean="0">
+                <a:solidFill>
+                  <a:schemeClr val="accent1"/>
+                </a:solidFill>
+                <a:effectLst>
+                  <a:outerShdw blurRad="38100" dist="38100" dir="2700000" algn="tl">
+                    <a:srgbClr val="000000">
+                      <a:alpha val="43137"/>
+                    </a:srgbClr>
+                  </a:outerShdw>
+                </a:effectLst>
+              </a:rPr>
+              <a:t>8</a:t>
+            </a:r>
+            <a:endParaRPr kumimoji="1" lang="ja-JP" altLang="en-US" sz="2400" dirty="0">
+              <a:solidFill>
+                <a:schemeClr val="accent1"/>
+              </a:solidFill>
+              <a:effectLst>
+                <a:outerShdw blurRad="38100" dist="38100" dir="2700000" algn="tl">
+                  <a:srgbClr val="000000">
+                    <a:alpha val="43137"/>
+                  </a:srgbClr>
+                </a:outerShdw>
+              </a:effectLst>
+            </a:endParaRPr>
+          </a:p>
+        </p:txBody>
+      </p:sp>
+      <p:cxnSp>
+        <p:nvCxnSpPr>
+          <p:cNvPr id="63" name="直線矢印コネクタ 38"/>
+          <p:cNvCxnSpPr/>
+          <p:nvPr/>
+        </p:nvCxnSpPr>
+        <p:spPr>
+          <a:xfrm rot="5400000" flipH="1" flipV="1">
+            <a:off x="6881904" y="998318"/>
+            <a:ext cx="561975" cy="528310"/>
+          </a:xfrm>
+          <a:prstGeom prst="curvedConnector2">
+            <a:avLst/>
+          </a:prstGeom>
+          <a:ln>
+            <a:tailEnd type="arrow"/>
+          </a:ln>
+        </p:spPr>
+        <p:style>
+          <a:lnRef idx="2">
+            <a:schemeClr val="accent1"/>
+          </a:lnRef>
+          <a:fillRef idx="0">
+            <a:schemeClr val="accent1"/>
+          </a:fillRef>
+          <a:effectRef idx="1">
+            <a:schemeClr val="accent1"/>
+          </a:effectRef>
+          <a:fontRef idx="minor">
+            <a:schemeClr val="tx1"/>
+          </a:fontRef>
+        </p:style>
+      </p:cxnSp>
+      <p:sp>
+        <p:nvSpPr>
+          <p:cNvPr id="64" name="正方形/長方形 63"/>
+          <p:cNvSpPr/>
+          <p:nvPr/>
+        </p:nvSpPr>
+        <p:spPr>
+          <a:xfrm>
+            <a:off x="6980761" y="1080547"/>
+            <a:ext cx="499537" cy="388225"/>
+          </a:xfrm>
+          <a:prstGeom prst="rect">
+            <a:avLst/>
+          </a:prstGeom>
+          <a:noFill/>
+          <a:ln>
+            <a:noFill/>
+          </a:ln>
+        </p:spPr>
+        <p:style>
+          <a:lnRef idx="2">
+            <a:schemeClr val="accent1">
+              <a:shade val="50000"/>
+            </a:schemeClr>
+          </a:lnRef>
+          <a:fillRef idx="1">
+            <a:schemeClr val="accent1"/>
+          </a:fillRef>
+          <a:effectRef idx="0">
+            <a:schemeClr val="accent1"/>
+          </a:effectRef>
+          <a:fontRef idx="minor">
+            <a:schemeClr val="lt1"/>
+          </a:fontRef>
+        </p:style>
+        <p:txBody>
+          <a:bodyPr rtlCol="0" anchor="t"/>
+          <a:lstStyle/>
+          <a:p>
+            <a:r>
+              <a:rPr kumimoji="1" lang="en-US" altLang="ja-JP" sz="2400" dirty="0" smtClean="0">
+                <a:solidFill>
+                  <a:schemeClr val="accent1"/>
+                </a:solidFill>
+                <a:effectLst>
+                  <a:outerShdw blurRad="38100" dist="38100" dir="2700000" algn="tl">
+                    <a:srgbClr val="000000">
+                      <a:alpha val="43137"/>
+                    </a:srgbClr>
+                  </a:outerShdw>
+                </a:effectLst>
+              </a:rPr>
+              <a:t>7</a:t>
+            </a:r>
+          </a:p>
+        </p:txBody>
+      </p:sp>
+    </p:spTree>
+    <p:extLst>
+      <p:ext uri="{BB962C8B-B14F-4D97-AF65-F5344CB8AC3E}">
+        <p14:creationId xmlns:p14="http://schemas.microsoft.com/office/powerpoint/2010/main" val="3195108411"/>
+      </p:ext>
+    </p:extLst>
   </p:cSld>
   <p:clrMapOvr>
     <a:masterClrMapping/>
